--- a/2019_VisualStudio-And-Docker/Presentation.pptx
+++ b/2019_VisualStudio-And-Docker/Presentation.pptx
@@ -5,14 +5,25 @@
     <p:sldMasterId id="2147483648" r:id="rId1"/>
   </p:sldMasterIdLst>
   <p:notesMasterIdLst>
-    <p:notesMasterId r:id="rId7"/>
+    <p:notesMasterId r:id="rId18"/>
   </p:notesMasterIdLst>
   <p:sldIdLst>
     <p:sldId id="256" r:id="rId2"/>
     <p:sldId id="257" r:id="rId3"/>
-    <p:sldId id="260" r:id="rId4"/>
-    <p:sldId id="258" r:id="rId5"/>
-    <p:sldId id="259" r:id="rId6"/>
+    <p:sldId id="258" r:id="rId4"/>
+    <p:sldId id="259" r:id="rId5"/>
+    <p:sldId id="263" r:id="rId6"/>
+    <p:sldId id="264" r:id="rId7"/>
+    <p:sldId id="265" r:id="rId8"/>
+    <p:sldId id="266" r:id="rId9"/>
+    <p:sldId id="267" r:id="rId10"/>
+    <p:sldId id="268" r:id="rId11"/>
+    <p:sldId id="269" r:id="rId12"/>
+    <p:sldId id="260" r:id="rId13"/>
+    <p:sldId id="262" r:id="rId14"/>
+    <p:sldId id="270" r:id="rId15"/>
+    <p:sldId id="272" r:id="rId16"/>
+    <p:sldId id="271" r:id="rId17"/>
   </p:sldIdLst>
   <p:sldSz cx="12192000" cy="6858000"/>
   <p:notesSz cx="6858000" cy="9144000"/>
@@ -125,9 +136,24 @@
         <p14:section name="Simple" id="{BCA2167D-2AA6-429A-B948-878624EB0427}">
           <p14:sldIdLst>
             <p14:sldId id="257"/>
-            <p14:sldId id="260"/>
             <p14:sldId id="258"/>
             <p14:sldId id="259"/>
+            <p14:sldId id="263"/>
+            <p14:sldId id="264"/>
+            <p14:sldId id="265"/>
+            <p14:sldId id="266"/>
+            <p14:sldId id="267"/>
+            <p14:sldId id="268"/>
+            <p14:sldId id="269"/>
+          </p14:sldIdLst>
+        </p14:section>
+        <p14:section name="Strange Things" id="{EF14956C-6055-418E-BD47-2706B8D387D4}">
+          <p14:sldIdLst>
+            <p14:sldId id="260"/>
+            <p14:sldId id="262"/>
+            <p14:sldId id="270"/>
+            <p14:sldId id="272"/>
+            <p14:sldId id="271"/>
           </p14:sldIdLst>
         </p14:section>
         <p14:section name="Compose" id="{BA5D0B81-B40C-4845-B38A-475FEE1ECE5F}">
@@ -140,6 +166,9 @@
           <p14:sldIdLst/>
         </p14:section>
       </p14:sectionLst>
+    </p:ext>
+    <p:ext uri="{EFAFB233-063F-42B5-8137-9DF3F51BA10A}">
+      <p15:sldGuideLst xmlns:p15="http://schemas.microsoft.com/office/powerpoint/2012/main"/>
     </p:ext>
   </p:extLst>
 </p:presentation>
@@ -4028,7 +4057,7 @@
           <a:p>
             <a:fld id="{C32AD0A4-79A7-4887-B734-3ED182026DD6}" type="slidenum">
               <a:rPr lang="en-US" smtClean="0"/>
-              <a:t>3</a:t>
+              <a:t>12</a:t>
             </a:fld>
             <a:endParaRPr lang="en-US"/>
           </a:p>
@@ -7336,17 +7365,9 @@
 </p:sld>
 </file>
 
-<file path=ppt/slides/slide2.xml><?xml version="1.0" encoding="utf-8"?>
+<file path=ppt/slides/slide10.xml><?xml version="1.0" encoding="utf-8"?>
 <p:sld xmlns:a="http://schemas.openxmlformats.org/drawingml/2006/main" xmlns:r="http://schemas.openxmlformats.org/officeDocument/2006/relationships" xmlns:p="http://schemas.openxmlformats.org/presentationml/2006/main">
   <p:cSld>
-    <p:bg>
-      <p:bgPr>
-        <a:solidFill>
-          <a:schemeClr val="bg1"/>
-        </a:solidFill>
-        <a:effectLst/>
-      </p:bgPr>
-    </p:bg>
     <p:spTree>
       <p:nvGrpSpPr>
         <p:cNvPr id="1" name=""/>
@@ -7361,42 +7382,720 @@
           <a:chExt cx="0" cy="0"/>
         </a:xfrm>
       </p:grpSpPr>
-      <p:pic>
-        <p:nvPicPr>
-          <p:cNvPr id="4" name="Content Placeholder 3" descr="A screenshot of a cell phone&#10;&#10;Description automatically generated">
+      <p:sp>
+        <p:nvSpPr>
+          <p:cNvPr id="2" name="Title 1">
             <a:extLst>
               <a:ext uri="{FF2B5EF4-FFF2-40B4-BE49-F238E27FC236}">
-                <a16:creationId xmlns:a16="http://schemas.microsoft.com/office/drawing/2014/main" id="{E35516DD-E590-4534-A135-598A09DD8D76}"/>
+                <a16:creationId xmlns:a16="http://schemas.microsoft.com/office/drawing/2014/main" id="{8F167E3B-E394-4917-A14C-99BCA28F623B}"/>
               </a:ext>
             </a:extLst>
           </p:cNvPr>
-          <p:cNvPicPr>
-            <a:picLocks noGrp="1" noChangeAspect="1"/>
-          </p:cNvPicPr>
+          <p:cNvSpPr>
+            <a:spLocks noGrp="1"/>
+          </p:cNvSpPr>
           <p:nvPr>
-            <p:ph idx="1"/>
+            <p:ph type="title"/>
           </p:nvPr>
-        </p:nvPicPr>
-        <p:blipFill>
-          <a:blip r:embed="rId2"/>
-          <a:stretch>
-            <a:fillRect/>
-          </a:stretch>
-        </p:blipFill>
+        </p:nvSpPr>
+        <p:spPr/>
+        <p:txBody>
+          <a:bodyPr/>
+          <a:lstStyle/>
+          <a:p>
+            <a:r>
+              <a:rPr lang="en-US" dirty="0" err="1"/>
+              <a:t>Dockerfile</a:t>
+            </a:r>
+            <a:endParaRPr lang="en-US" dirty="0"/>
+          </a:p>
+        </p:txBody>
+      </p:sp>
+      <p:sp>
+        <p:nvSpPr>
+          <p:cNvPr id="3" name="Content Placeholder 2">
+            <a:extLst>
+              <a:ext uri="{FF2B5EF4-FFF2-40B4-BE49-F238E27FC236}">
+                <a16:creationId xmlns:a16="http://schemas.microsoft.com/office/drawing/2014/main" id="{27B9B04F-C90A-448F-962D-F458CB48CE32}"/>
+              </a:ext>
+            </a:extLst>
+          </p:cNvPr>
+          <p:cNvSpPr>
+            <a:spLocks noGrp="1"/>
+          </p:cNvSpPr>
+          <p:nvPr>
+            <p:ph sz="half" idx="1"/>
+          </p:nvPr>
+        </p:nvSpPr>
+        <p:spPr/>
+        <p:txBody>
+          <a:bodyPr>
+            <a:normAutofit fontScale="32500" lnSpcReduction="20000"/>
+          </a:bodyPr>
+          <a:lstStyle/>
+          <a:p>
+            <a:pPr marL="0" indent="0">
+              <a:buNone/>
+            </a:pPr>
+            <a:r>
+              <a:rPr lang="en-US" dirty="0">
+                <a:solidFill>
+                  <a:schemeClr val="bg1">
+                    <a:lumMod val="75000"/>
+                  </a:schemeClr>
+                </a:solidFill>
+                <a:latin typeface="Consolas" panose="020B0609020204030204" pitchFamily="49" charset="0"/>
+              </a:rPr>
+              <a:t>FROM </a:t>
+            </a:r>
+            <a:r>
+              <a:rPr lang="en-US" dirty="0" err="1">
+                <a:solidFill>
+                  <a:schemeClr val="bg1">
+                    <a:lumMod val="75000"/>
+                  </a:schemeClr>
+                </a:solidFill>
+                <a:latin typeface="Consolas" panose="020B0609020204030204" pitchFamily="49" charset="0"/>
+              </a:rPr>
+              <a:t>microsoft</a:t>
+            </a:r>
+            <a:r>
+              <a:rPr lang="en-US" dirty="0">
+                <a:solidFill>
+                  <a:schemeClr val="bg1">
+                    <a:lumMod val="75000"/>
+                  </a:schemeClr>
+                </a:solidFill>
+                <a:latin typeface="Consolas" panose="020B0609020204030204" pitchFamily="49" charset="0"/>
+              </a:rPr>
+              <a:t>/dotnet:2.2-aspnetcore-runtime AS base</a:t>
+            </a:r>
+          </a:p>
+          <a:p>
+            <a:pPr marL="0" indent="0">
+              <a:buNone/>
+            </a:pPr>
+            <a:r>
+              <a:rPr lang="en-US" dirty="0">
+                <a:solidFill>
+                  <a:schemeClr val="bg1">
+                    <a:lumMod val="75000"/>
+                  </a:schemeClr>
+                </a:solidFill>
+                <a:latin typeface="Consolas" panose="020B0609020204030204" pitchFamily="49" charset="0"/>
+              </a:rPr>
+              <a:t>WORKDIR /app</a:t>
+            </a:r>
+          </a:p>
+          <a:p>
+            <a:pPr marL="0" indent="0">
+              <a:buNone/>
+            </a:pPr>
+            <a:r>
+              <a:rPr lang="en-US" dirty="0">
+                <a:solidFill>
+                  <a:schemeClr val="bg1">
+                    <a:lumMod val="75000"/>
+                  </a:schemeClr>
+                </a:solidFill>
+                <a:latin typeface="Consolas" panose="020B0609020204030204" pitchFamily="49" charset="0"/>
+              </a:rPr>
+              <a:t>EXPOSE 80</a:t>
+            </a:r>
+          </a:p>
+          <a:p>
+            <a:pPr marL="0" indent="0">
+              <a:buNone/>
+            </a:pPr>
+            <a:endParaRPr lang="en-US" dirty="0">
+              <a:solidFill>
+                <a:schemeClr val="bg1">
+                  <a:lumMod val="75000"/>
+                </a:schemeClr>
+              </a:solidFill>
+              <a:latin typeface="Consolas" panose="020B0609020204030204" pitchFamily="49" charset="0"/>
+            </a:endParaRPr>
+          </a:p>
+          <a:p>
+            <a:pPr marL="0" indent="0">
+              <a:buNone/>
+            </a:pPr>
+            <a:r>
+              <a:rPr lang="en-US" dirty="0">
+                <a:solidFill>
+                  <a:schemeClr val="bg1">
+                    <a:lumMod val="75000"/>
+                  </a:schemeClr>
+                </a:solidFill>
+                <a:latin typeface="Consolas" panose="020B0609020204030204" pitchFamily="49" charset="0"/>
+              </a:rPr>
+              <a:t>FROM </a:t>
+            </a:r>
+            <a:r>
+              <a:rPr lang="en-US" dirty="0" err="1">
+                <a:solidFill>
+                  <a:schemeClr val="bg1">
+                    <a:lumMod val="75000"/>
+                  </a:schemeClr>
+                </a:solidFill>
+                <a:latin typeface="Consolas" panose="020B0609020204030204" pitchFamily="49" charset="0"/>
+              </a:rPr>
+              <a:t>microsoft</a:t>
+            </a:r>
+            <a:r>
+              <a:rPr lang="en-US" dirty="0">
+                <a:solidFill>
+                  <a:schemeClr val="bg1">
+                    <a:lumMod val="75000"/>
+                  </a:schemeClr>
+                </a:solidFill>
+                <a:latin typeface="Consolas" panose="020B0609020204030204" pitchFamily="49" charset="0"/>
+              </a:rPr>
+              <a:t>/dotnet:2.2-sdk AS build</a:t>
+            </a:r>
+          </a:p>
+          <a:p>
+            <a:pPr marL="0" indent="0">
+              <a:buNone/>
+            </a:pPr>
+            <a:r>
+              <a:rPr lang="en-US" dirty="0">
+                <a:solidFill>
+                  <a:schemeClr val="bg1">
+                    <a:lumMod val="75000"/>
+                  </a:schemeClr>
+                </a:solidFill>
+                <a:latin typeface="Consolas" panose="020B0609020204030204" pitchFamily="49" charset="0"/>
+              </a:rPr>
+              <a:t>WORKDIR /</a:t>
+            </a:r>
+            <a:r>
+              <a:rPr lang="en-US" dirty="0" err="1">
+                <a:solidFill>
+                  <a:schemeClr val="bg1">
+                    <a:lumMod val="75000"/>
+                  </a:schemeClr>
+                </a:solidFill>
+                <a:latin typeface="Consolas" panose="020B0609020204030204" pitchFamily="49" charset="0"/>
+              </a:rPr>
+              <a:t>src</a:t>
+            </a:r>
+            <a:endParaRPr lang="en-US" dirty="0">
+              <a:solidFill>
+                <a:schemeClr val="bg1">
+                  <a:lumMod val="75000"/>
+                </a:schemeClr>
+              </a:solidFill>
+              <a:latin typeface="Consolas" panose="020B0609020204030204" pitchFamily="49" charset="0"/>
+            </a:endParaRPr>
+          </a:p>
+          <a:p>
+            <a:pPr marL="0" indent="0">
+              <a:buNone/>
+            </a:pPr>
+            <a:r>
+              <a:rPr lang="en-US" dirty="0">
+                <a:solidFill>
+                  <a:schemeClr val="bg1">
+                    <a:lumMod val="75000"/>
+                  </a:schemeClr>
+                </a:solidFill>
+                <a:latin typeface="Consolas" panose="020B0609020204030204" pitchFamily="49" charset="0"/>
+              </a:rPr>
+              <a:t>COPY ["</a:t>
+            </a:r>
+            <a:r>
+              <a:rPr lang="en-US" dirty="0" err="1">
+                <a:solidFill>
+                  <a:schemeClr val="bg1">
+                    <a:lumMod val="75000"/>
+                  </a:schemeClr>
+                </a:solidFill>
+                <a:latin typeface="Consolas" panose="020B0609020204030204" pitchFamily="49" charset="0"/>
+              </a:rPr>
+              <a:t>WebApplication</a:t>
+            </a:r>
+            <a:r>
+              <a:rPr lang="en-US" dirty="0">
+                <a:solidFill>
+                  <a:schemeClr val="bg1">
+                    <a:lumMod val="75000"/>
+                  </a:schemeClr>
+                </a:solidFill>
+                <a:latin typeface="Consolas" panose="020B0609020204030204" pitchFamily="49" charset="0"/>
+              </a:rPr>
+              <a:t>/</a:t>
+            </a:r>
+            <a:r>
+              <a:rPr lang="en-US" dirty="0" err="1">
+                <a:solidFill>
+                  <a:schemeClr val="bg1">
+                    <a:lumMod val="75000"/>
+                  </a:schemeClr>
+                </a:solidFill>
+                <a:latin typeface="Consolas" panose="020B0609020204030204" pitchFamily="49" charset="0"/>
+              </a:rPr>
+              <a:t>WebApplication.csproj</a:t>
+            </a:r>
+            <a:r>
+              <a:rPr lang="en-US" dirty="0">
+                <a:solidFill>
+                  <a:schemeClr val="bg1">
+                    <a:lumMod val="75000"/>
+                  </a:schemeClr>
+                </a:solidFill>
+                <a:latin typeface="Consolas" panose="020B0609020204030204" pitchFamily="49" charset="0"/>
+              </a:rPr>
+              <a:t>", "</a:t>
+            </a:r>
+            <a:r>
+              <a:rPr lang="en-US" dirty="0" err="1">
+                <a:solidFill>
+                  <a:schemeClr val="bg1">
+                    <a:lumMod val="75000"/>
+                  </a:schemeClr>
+                </a:solidFill>
+                <a:latin typeface="Consolas" panose="020B0609020204030204" pitchFamily="49" charset="0"/>
+              </a:rPr>
+              <a:t>WebApplication</a:t>
+            </a:r>
+            <a:r>
+              <a:rPr lang="en-US" dirty="0">
+                <a:solidFill>
+                  <a:schemeClr val="bg1">
+                    <a:lumMod val="75000"/>
+                  </a:schemeClr>
+                </a:solidFill>
+                <a:latin typeface="Consolas" panose="020B0609020204030204" pitchFamily="49" charset="0"/>
+              </a:rPr>
+              <a:t>/"]</a:t>
+            </a:r>
+          </a:p>
+          <a:p>
+            <a:pPr marL="0" indent="0">
+              <a:buNone/>
+            </a:pPr>
+            <a:r>
+              <a:rPr lang="en-US" dirty="0">
+                <a:solidFill>
+                  <a:schemeClr val="bg1">
+                    <a:lumMod val="75000"/>
+                  </a:schemeClr>
+                </a:solidFill>
+                <a:latin typeface="Consolas" panose="020B0609020204030204" pitchFamily="49" charset="0"/>
+              </a:rPr>
+              <a:t>RUN dotnet restore "</a:t>
+            </a:r>
+            <a:r>
+              <a:rPr lang="en-US" dirty="0" err="1">
+                <a:solidFill>
+                  <a:schemeClr val="bg1">
+                    <a:lumMod val="75000"/>
+                  </a:schemeClr>
+                </a:solidFill>
+                <a:latin typeface="Consolas" panose="020B0609020204030204" pitchFamily="49" charset="0"/>
+              </a:rPr>
+              <a:t>WebApplication</a:t>
+            </a:r>
+            <a:r>
+              <a:rPr lang="en-US" dirty="0">
+                <a:solidFill>
+                  <a:schemeClr val="bg1">
+                    <a:lumMod val="75000"/>
+                  </a:schemeClr>
+                </a:solidFill>
+                <a:latin typeface="Consolas" panose="020B0609020204030204" pitchFamily="49" charset="0"/>
+              </a:rPr>
+              <a:t>/</a:t>
+            </a:r>
+            <a:r>
+              <a:rPr lang="en-US" dirty="0" err="1">
+                <a:solidFill>
+                  <a:schemeClr val="bg1">
+                    <a:lumMod val="75000"/>
+                  </a:schemeClr>
+                </a:solidFill>
+                <a:latin typeface="Consolas" panose="020B0609020204030204" pitchFamily="49" charset="0"/>
+              </a:rPr>
+              <a:t>WebApplication.csproj</a:t>
+            </a:r>
+            <a:r>
+              <a:rPr lang="en-US" dirty="0">
+                <a:solidFill>
+                  <a:schemeClr val="bg1">
+                    <a:lumMod val="75000"/>
+                  </a:schemeClr>
+                </a:solidFill>
+                <a:latin typeface="Consolas" panose="020B0609020204030204" pitchFamily="49" charset="0"/>
+              </a:rPr>
+              <a:t>"</a:t>
+            </a:r>
+          </a:p>
+          <a:p>
+            <a:pPr marL="0" indent="0">
+              <a:buNone/>
+            </a:pPr>
+            <a:r>
+              <a:rPr lang="en-US" dirty="0">
+                <a:solidFill>
+                  <a:schemeClr val="bg1">
+                    <a:lumMod val="75000"/>
+                  </a:schemeClr>
+                </a:solidFill>
+                <a:latin typeface="Consolas" panose="020B0609020204030204" pitchFamily="49" charset="0"/>
+              </a:rPr>
+              <a:t>COPY . .</a:t>
+            </a:r>
+          </a:p>
+          <a:p>
+            <a:pPr marL="0" indent="0">
+              <a:buNone/>
+            </a:pPr>
+            <a:r>
+              <a:rPr lang="en-US" dirty="0">
+                <a:solidFill>
+                  <a:schemeClr val="bg1">
+                    <a:lumMod val="75000"/>
+                  </a:schemeClr>
+                </a:solidFill>
+                <a:latin typeface="Consolas" panose="020B0609020204030204" pitchFamily="49" charset="0"/>
+              </a:rPr>
+              <a:t>WORKDIR "/</a:t>
+            </a:r>
+            <a:r>
+              <a:rPr lang="en-US" dirty="0" err="1">
+                <a:solidFill>
+                  <a:schemeClr val="bg1">
+                    <a:lumMod val="75000"/>
+                  </a:schemeClr>
+                </a:solidFill>
+                <a:latin typeface="Consolas" panose="020B0609020204030204" pitchFamily="49" charset="0"/>
+              </a:rPr>
+              <a:t>src</a:t>
+            </a:r>
+            <a:r>
+              <a:rPr lang="en-US" dirty="0">
+                <a:solidFill>
+                  <a:schemeClr val="bg1">
+                    <a:lumMod val="75000"/>
+                  </a:schemeClr>
+                </a:solidFill>
+                <a:latin typeface="Consolas" panose="020B0609020204030204" pitchFamily="49" charset="0"/>
+              </a:rPr>
+              <a:t>/</a:t>
+            </a:r>
+            <a:r>
+              <a:rPr lang="en-US" dirty="0" err="1">
+                <a:solidFill>
+                  <a:schemeClr val="bg1">
+                    <a:lumMod val="75000"/>
+                  </a:schemeClr>
+                </a:solidFill>
+                <a:latin typeface="Consolas" panose="020B0609020204030204" pitchFamily="49" charset="0"/>
+              </a:rPr>
+              <a:t>WebApplication</a:t>
+            </a:r>
+            <a:r>
+              <a:rPr lang="en-US" dirty="0">
+                <a:solidFill>
+                  <a:schemeClr val="bg1">
+                    <a:lumMod val="75000"/>
+                  </a:schemeClr>
+                </a:solidFill>
+                <a:latin typeface="Consolas" panose="020B0609020204030204" pitchFamily="49" charset="0"/>
+              </a:rPr>
+              <a:t>"</a:t>
+            </a:r>
+          </a:p>
+          <a:p>
+            <a:pPr marL="0" indent="0">
+              <a:buNone/>
+            </a:pPr>
+            <a:r>
+              <a:rPr lang="en-US" dirty="0">
+                <a:solidFill>
+                  <a:schemeClr val="bg1">
+                    <a:lumMod val="75000"/>
+                  </a:schemeClr>
+                </a:solidFill>
+                <a:latin typeface="Consolas" panose="020B0609020204030204" pitchFamily="49" charset="0"/>
+              </a:rPr>
+              <a:t>RUN dotnet build "</a:t>
+            </a:r>
+            <a:r>
+              <a:rPr lang="en-US" dirty="0" err="1">
+                <a:solidFill>
+                  <a:schemeClr val="bg1">
+                    <a:lumMod val="75000"/>
+                  </a:schemeClr>
+                </a:solidFill>
+                <a:latin typeface="Consolas" panose="020B0609020204030204" pitchFamily="49" charset="0"/>
+              </a:rPr>
+              <a:t>WebApplication.csproj</a:t>
+            </a:r>
+            <a:r>
+              <a:rPr lang="en-US" dirty="0">
+                <a:solidFill>
+                  <a:schemeClr val="bg1">
+                    <a:lumMod val="75000"/>
+                  </a:schemeClr>
+                </a:solidFill>
+                <a:latin typeface="Consolas" panose="020B0609020204030204" pitchFamily="49" charset="0"/>
+              </a:rPr>
+              <a:t>" -c Release -o /app</a:t>
+            </a:r>
+          </a:p>
+          <a:p>
+            <a:pPr marL="0" indent="0">
+              <a:buNone/>
+            </a:pPr>
+            <a:endParaRPr lang="en-US" dirty="0">
+              <a:solidFill>
+                <a:schemeClr val="bg1">
+                  <a:lumMod val="75000"/>
+                </a:schemeClr>
+              </a:solidFill>
+              <a:latin typeface="Consolas" panose="020B0609020204030204" pitchFamily="49" charset="0"/>
+            </a:endParaRPr>
+          </a:p>
+          <a:p>
+            <a:pPr marL="0" indent="0">
+              <a:buNone/>
+            </a:pPr>
+            <a:r>
+              <a:rPr lang="en-US" dirty="0">
+                <a:solidFill>
+                  <a:schemeClr val="bg1">
+                    <a:lumMod val="75000"/>
+                  </a:schemeClr>
+                </a:solidFill>
+                <a:latin typeface="Consolas" panose="020B0609020204030204" pitchFamily="49" charset="0"/>
+              </a:rPr>
+              <a:t>FROM build AS publish</a:t>
+            </a:r>
+          </a:p>
+          <a:p>
+            <a:pPr marL="0" indent="0">
+              <a:buNone/>
+            </a:pPr>
+            <a:r>
+              <a:rPr lang="en-US" dirty="0">
+                <a:solidFill>
+                  <a:schemeClr val="bg1">
+                    <a:lumMod val="75000"/>
+                  </a:schemeClr>
+                </a:solidFill>
+                <a:latin typeface="Consolas" panose="020B0609020204030204" pitchFamily="49" charset="0"/>
+              </a:rPr>
+              <a:t>RUN dotnet publish "</a:t>
+            </a:r>
+            <a:r>
+              <a:rPr lang="en-US" dirty="0" err="1">
+                <a:solidFill>
+                  <a:schemeClr val="bg1">
+                    <a:lumMod val="75000"/>
+                  </a:schemeClr>
+                </a:solidFill>
+                <a:latin typeface="Consolas" panose="020B0609020204030204" pitchFamily="49" charset="0"/>
+              </a:rPr>
+              <a:t>WebApplication.csproj</a:t>
+            </a:r>
+            <a:r>
+              <a:rPr lang="en-US" dirty="0">
+                <a:solidFill>
+                  <a:schemeClr val="bg1">
+                    <a:lumMod val="75000"/>
+                  </a:schemeClr>
+                </a:solidFill>
+                <a:latin typeface="Consolas" panose="020B0609020204030204" pitchFamily="49" charset="0"/>
+              </a:rPr>
+              <a:t>" -c Release -o /app</a:t>
+            </a:r>
+          </a:p>
+          <a:p>
+            <a:pPr marL="0" indent="0">
+              <a:buNone/>
+            </a:pPr>
+            <a:endParaRPr lang="en-US" dirty="0">
+              <a:solidFill>
+                <a:schemeClr val="bg1">
+                  <a:lumMod val="75000"/>
+                </a:schemeClr>
+              </a:solidFill>
+              <a:latin typeface="Consolas" panose="020B0609020204030204" pitchFamily="49" charset="0"/>
+            </a:endParaRPr>
+          </a:p>
+          <a:p>
+            <a:pPr marL="0" indent="0">
+              <a:buNone/>
+            </a:pPr>
+            <a:r>
+              <a:rPr lang="en-US" dirty="0">
+                <a:solidFill>
+                  <a:schemeClr val="bg1">
+                    <a:lumMod val="75000"/>
+                  </a:schemeClr>
+                </a:solidFill>
+                <a:latin typeface="Consolas" panose="020B0609020204030204" pitchFamily="49" charset="0"/>
+              </a:rPr>
+              <a:t>FROM base AS final</a:t>
+            </a:r>
+          </a:p>
+          <a:p>
+            <a:pPr marL="0" indent="0">
+              <a:buNone/>
+            </a:pPr>
+            <a:r>
+              <a:rPr lang="en-US" dirty="0">
+                <a:solidFill>
+                  <a:schemeClr val="bg1">
+                    <a:lumMod val="75000"/>
+                  </a:schemeClr>
+                </a:solidFill>
+                <a:latin typeface="Consolas" panose="020B0609020204030204" pitchFamily="49" charset="0"/>
+              </a:rPr>
+              <a:t>WORKDIR /app</a:t>
+            </a:r>
+          </a:p>
+          <a:p>
+            <a:pPr marL="0" indent="0">
+              <a:buNone/>
+            </a:pPr>
+            <a:r>
+              <a:rPr lang="en-US" dirty="0">
+                <a:solidFill>
+                  <a:schemeClr val="bg1">
+                    <a:lumMod val="75000"/>
+                  </a:schemeClr>
+                </a:solidFill>
+                <a:latin typeface="Consolas" panose="020B0609020204030204" pitchFamily="49" charset="0"/>
+              </a:rPr>
+              <a:t>COPY --from=publish /app .</a:t>
+            </a:r>
+          </a:p>
+          <a:p>
+            <a:pPr marL="0" indent="0">
+              <a:buNone/>
+            </a:pPr>
+            <a:r>
+              <a:rPr lang="en-US" dirty="0">
+                <a:solidFill>
+                  <a:schemeClr val="bg1">
+                    <a:lumMod val="75000"/>
+                  </a:schemeClr>
+                </a:solidFill>
+                <a:latin typeface="Consolas" panose="020B0609020204030204" pitchFamily="49" charset="0"/>
+              </a:rPr>
+              <a:t>ENTRYPOINT ["dotnet", "WebApplication.dll"]</a:t>
+            </a:r>
+            <a:endParaRPr lang="en-US" dirty="0">
+              <a:solidFill>
+                <a:schemeClr val="bg1">
+                  <a:lumMod val="75000"/>
+                </a:schemeClr>
+              </a:solidFill>
+            </a:endParaRPr>
+          </a:p>
+        </p:txBody>
+      </p:sp>
+      <p:sp>
+        <p:nvSpPr>
+          <p:cNvPr id="4" name="Content Placeholder 3">
+            <a:extLst>
+              <a:ext uri="{FF2B5EF4-FFF2-40B4-BE49-F238E27FC236}">
+                <a16:creationId xmlns:a16="http://schemas.microsoft.com/office/drawing/2014/main" id="{8C646BFC-37E9-4587-B621-CA9B7B00AED0}"/>
+              </a:ext>
+            </a:extLst>
+          </p:cNvPr>
+          <p:cNvSpPr>
+            <a:spLocks noGrp="1"/>
+          </p:cNvSpPr>
+          <p:nvPr>
+            <p:ph sz="half" idx="2"/>
+          </p:nvPr>
+        </p:nvSpPr>
         <p:spPr>
           <a:xfrm>
-            <a:off x="2136815" y="643466"/>
-            <a:ext cx="7918370" cy="5571067"/>
+            <a:off x="838200" y="3840428"/>
+            <a:ext cx="10818796" cy="3404887"/>
           </a:xfrm>
-          <a:prstGeom prst="rect">
-            <a:avLst/>
-          </a:prstGeom>
         </p:spPr>
-      </p:pic>
+        <p:txBody>
+          <a:bodyPr/>
+          <a:lstStyle/>
+          <a:p>
+            <a:pPr marL="0" indent="0">
+              <a:buNone/>
+            </a:pPr>
+            <a:r>
+              <a:rPr lang="en-US" dirty="0">
+                <a:solidFill>
+                  <a:srgbClr val="000000"/>
+                </a:solidFill>
+                <a:latin typeface="Consolas" panose="020B0609020204030204" pitchFamily="49" charset="0"/>
+              </a:rPr>
+              <a:t>FROM build AS publish</a:t>
+            </a:r>
+          </a:p>
+          <a:p>
+            <a:pPr marL="0" indent="0">
+              <a:buNone/>
+            </a:pPr>
+            <a:r>
+              <a:rPr lang="en-US" dirty="0">
+                <a:solidFill>
+                  <a:srgbClr val="000000"/>
+                </a:solidFill>
+                <a:latin typeface="Consolas" panose="020B0609020204030204" pitchFamily="49" charset="0"/>
+              </a:rPr>
+              <a:t>RUN dotnet publish </a:t>
+            </a:r>
+            <a:r>
+              <a:rPr lang="en-US" dirty="0">
+                <a:solidFill>
+                  <a:srgbClr val="A31515"/>
+                </a:solidFill>
+                <a:latin typeface="Consolas" panose="020B0609020204030204" pitchFamily="49" charset="0"/>
+              </a:rPr>
+              <a:t>"</a:t>
+            </a:r>
+            <a:r>
+              <a:rPr lang="en-US" dirty="0" err="1">
+                <a:solidFill>
+                  <a:srgbClr val="A31515"/>
+                </a:solidFill>
+                <a:latin typeface="Consolas" panose="020B0609020204030204" pitchFamily="49" charset="0"/>
+              </a:rPr>
+              <a:t>WebApplication.csproj</a:t>
+            </a:r>
+            <a:r>
+              <a:rPr lang="en-US" dirty="0">
+                <a:solidFill>
+                  <a:srgbClr val="A31515"/>
+                </a:solidFill>
+                <a:latin typeface="Consolas" panose="020B0609020204030204" pitchFamily="49" charset="0"/>
+              </a:rPr>
+              <a:t>"</a:t>
+            </a:r>
+            <a:r>
+              <a:rPr lang="en-US" dirty="0">
+                <a:solidFill>
+                  <a:srgbClr val="000000"/>
+                </a:solidFill>
+                <a:latin typeface="Consolas" panose="020B0609020204030204" pitchFamily="49" charset="0"/>
+              </a:rPr>
+              <a:t> -c Release -o /app</a:t>
+            </a:r>
+          </a:p>
+          <a:p>
+            <a:endParaRPr lang="en-US" dirty="0"/>
+          </a:p>
+        </p:txBody>
+      </p:sp>
     </p:spTree>
     <p:extLst>
       <p:ext uri="{BB962C8B-B14F-4D97-AF65-F5344CB8AC3E}">
-        <p14:creationId xmlns:p14="http://schemas.microsoft.com/office/powerpoint/2010/main" val="2831292814"/>
+        <p14:creationId xmlns:p14="http://schemas.microsoft.com/office/powerpoint/2010/main" val="2978006626"/>
       </p:ext>
     </p:extLst>
   </p:cSld>
@@ -7406,7 +8105,776 @@
 </p:sld>
 </file>
 
-<file path=ppt/slides/slide3.xml><?xml version="1.0" encoding="utf-8"?>
+<file path=ppt/slides/slide11.xml><?xml version="1.0" encoding="utf-8"?>
+<p:sld xmlns:a="http://schemas.openxmlformats.org/drawingml/2006/main" xmlns:r="http://schemas.openxmlformats.org/officeDocument/2006/relationships" xmlns:p="http://schemas.openxmlformats.org/presentationml/2006/main">
+  <p:cSld>
+    <p:spTree>
+      <p:nvGrpSpPr>
+        <p:cNvPr id="1" name=""/>
+        <p:cNvGrpSpPr/>
+        <p:nvPr/>
+      </p:nvGrpSpPr>
+      <p:grpSpPr>
+        <a:xfrm>
+          <a:off x="0" y="0"/>
+          <a:ext cx="0" cy="0"/>
+          <a:chOff x="0" y="0"/>
+          <a:chExt cx="0" cy="0"/>
+        </a:xfrm>
+      </p:grpSpPr>
+      <p:sp>
+        <p:nvSpPr>
+          <p:cNvPr id="2" name="Title 1">
+            <a:extLst>
+              <a:ext uri="{FF2B5EF4-FFF2-40B4-BE49-F238E27FC236}">
+                <a16:creationId xmlns:a16="http://schemas.microsoft.com/office/drawing/2014/main" id="{8F167E3B-E394-4917-A14C-99BCA28F623B}"/>
+              </a:ext>
+            </a:extLst>
+          </p:cNvPr>
+          <p:cNvSpPr>
+            <a:spLocks noGrp="1"/>
+          </p:cNvSpPr>
+          <p:nvPr>
+            <p:ph type="title"/>
+          </p:nvPr>
+        </p:nvSpPr>
+        <p:spPr/>
+        <p:txBody>
+          <a:bodyPr/>
+          <a:lstStyle/>
+          <a:p>
+            <a:r>
+              <a:rPr lang="en-US" dirty="0" err="1"/>
+              <a:t>Dockerfile</a:t>
+            </a:r>
+            <a:endParaRPr lang="en-US" dirty="0"/>
+          </a:p>
+        </p:txBody>
+      </p:sp>
+      <p:sp>
+        <p:nvSpPr>
+          <p:cNvPr id="3" name="Content Placeholder 2">
+            <a:extLst>
+              <a:ext uri="{FF2B5EF4-FFF2-40B4-BE49-F238E27FC236}">
+                <a16:creationId xmlns:a16="http://schemas.microsoft.com/office/drawing/2014/main" id="{27B9B04F-C90A-448F-962D-F458CB48CE32}"/>
+              </a:ext>
+            </a:extLst>
+          </p:cNvPr>
+          <p:cNvSpPr>
+            <a:spLocks noGrp="1"/>
+          </p:cNvSpPr>
+          <p:nvPr>
+            <p:ph sz="half" idx="1"/>
+          </p:nvPr>
+        </p:nvSpPr>
+        <p:spPr/>
+        <p:txBody>
+          <a:bodyPr>
+            <a:normAutofit fontScale="32500" lnSpcReduction="20000"/>
+          </a:bodyPr>
+          <a:lstStyle/>
+          <a:p>
+            <a:pPr marL="0" indent="0">
+              <a:buNone/>
+            </a:pPr>
+            <a:r>
+              <a:rPr lang="en-US" dirty="0">
+                <a:solidFill>
+                  <a:schemeClr val="bg1">
+                    <a:lumMod val="75000"/>
+                  </a:schemeClr>
+                </a:solidFill>
+                <a:latin typeface="Consolas" panose="020B0609020204030204" pitchFamily="49" charset="0"/>
+              </a:rPr>
+              <a:t>FROM </a:t>
+            </a:r>
+            <a:r>
+              <a:rPr lang="en-US" dirty="0" err="1">
+                <a:solidFill>
+                  <a:schemeClr val="bg1">
+                    <a:lumMod val="75000"/>
+                  </a:schemeClr>
+                </a:solidFill>
+                <a:latin typeface="Consolas" panose="020B0609020204030204" pitchFamily="49" charset="0"/>
+              </a:rPr>
+              <a:t>microsoft</a:t>
+            </a:r>
+            <a:r>
+              <a:rPr lang="en-US" dirty="0">
+                <a:solidFill>
+                  <a:schemeClr val="bg1">
+                    <a:lumMod val="75000"/>
+                  </a:schemeClr>
+                </a:solidFill>
+                <a:latin typeface="Consolas" panose="020B0609020204030204" pitchFamily="49" charset="0"/>
+              </a:rPr>
+              <a:t>/dotnet:2.2-aspnetcore-runtime AS base</a:t>
+            </a:r>
+          </a:p>
+          <a:p>
+            <a:pPr marL="0" indent="0">
+              <a:buNone/>
+            </a:pPr>
+            <a:r>
+              <a:rPr lang="en-US" dirty="0">
+                <a:solidFill>
+                  <a:schemeClr val="bg1">
+                    <a:lumMod val="75000"/>
+                  </a:schemeClr>
+                </a:solidFill>
+                <a:latin typeface="Consolas" panose="020B0609020204030204" pitchFamily="49" charset="0"/>
+              </a:rPr>
+              <a:t>WORKDIR /app</a:t>
+            </a:r>
+          </a:p>
+          <a:p>
+            <a:pPr marL="0" indent="0">
+              <a:buNone/>
+            </a:pPr>
+            <a:r>
+              <a:rPr lang="en-US" dirty="0">
+                <a:solidFill>
+                  <a:schemeClr val="bg1">
+                    <a:lumMod val="75000"/>
+                  </a:schemeClr>
+                </a:solidFill>
+                <a:latin typeface="Consolas" panose="020B0609020204030204" pitchFamily="49" charset="0"/>
+              </a:rPr>
+              <a:t>EXPOSE 80</a:t>
+            </a:r>
+          </a:p>
+          <a:p>
+            <a:pPr marL="0" indent="0">
+              <a:buNone/>
+            </a:pPr>
+            <a:endParaRPr lang="en-US" dirty="0">
+              <a:solidFill>
+                <a:schemeClr val="bg1">
+                  <a:lumMod val="75000"/>
+                </a:schemeClr>
+              </a:solidFill>
+              <a:latin typeface="Consolas" panose="020B0609020204030204" pitchFamily="49" charset="0"/>
+            </a:endParaRPr>
+          </a:p>
+          <a:p>
+            <a:pPr marL="0" indent="0">
+              <a:buNone/>
+            </a:pPr>
+            <a:r>
+              <a:rPr lang="en-US" dirty="0">
+                <a:solidFill>
+                  <a:schemeClr val="bg1">
+                    <a:lumMod val="75000"/>
+                  </a:schemeClr>
+                </a:solidFill>
+                <a:latin typeface="Consolas" panose="020B0609020204030204" pitchFamily="49" charset="0"/>
+              </a:rPr>
+              <a:t>FROM </a:t>
+            </a:r>
+            <a:r>
+              <a:rPr lang="en-US" dirty="0" err="1">
+                <a:solidFill>
+                  <a:schemeClr val="bg1">
+                    <a:lumMod val="75000"/>
+                  </a:schemeClr>
+                </a:solidFill>
+                <a:latin typeface="Consolas" panose="020B0609020204030204" pitchFamily="49" charset="0"/>
+              </a:rPr>
+              <a:t>microsoft</a:t>
+            </a:r>
+            <a:r>
+              <a:rPr lang="en-US" dirty="0">
+                <a:solidFill>
+                  <a:schemeClr val="bg1">
+                    <a:lumMod val="75000"/>
+                  </a:schemeClr>
+                </a:solidFill>
+                <a:latin typeface="Consolas" panose="020B0609020204030204" pitchFamily="49" charset="0"/>
+              </a:rPr>
+              <a:t>/dotnet:2.2-sdk AS build</a:t>
+            </a:r>
+          </a:p>
+          <a:p>
+            <a:pPr marL="0" indent="0">
+              <a:buNone/>
+            </a:pPr>
+            <a:r>
+              <a:rPr lang="en-US" dirty="0">
+                <a:solidFill>
+                  <a:schemeClr val="bg1">
+                    <a:lumMod val="75000"/>
+                  </a:schemeClr>
+                </a:solidFill>
+                <a:latin typeface="Consolas" panose="020B0609020204030204" pitchFamily="49" charset="0"/>
+              </a:rPr>
+              <a:t>WORKDIR /</a:t>
+            </a:r>
+            <a:r>
+              <a:rPr lang="en-US" dirty="0" err="1">
+                <a:solidFill>
+                  <a:schemeClr val="bg1">
+                    <a:lumMod val="75000"/>
+                  </a:schemeClr>
+                </a:solidFill>
+                <a:latin typeface="Consolas" panose="020B0609020204030204" pitchFamily="49" charset="0"/>
+              </a:rPr>
+              <a:t>src</a:t>
+            </a:r>
+            <a:endParaRPr lang="en-US" dirty="0">
+              <a:solidFill>
+                <a:schemeClr val="bg1">
+                  <a:lumMod val="75000"/>
+                </a:schemeClr>
+              </a:solidFill>
+              <a:latin typeface="Consolas" panose="020B0609020204030204" pitchFamily="49" charset="0"/>
+            </a:endParaRPr>
+          </a:p>
+          <a:p>
+            <a:pPr marL="0" indent="0">
+              <a:buNone/>
+            </a:pPr>
+            <a:r>
+              <a:rPr lang="en-US" dirty="0">
+                <a:solidFill>
+                  <a:schemeClr val="bg1">
+                    <a:lumMod val="75000"/>
+                  </a:schemeClr>
+                </a:solidFill>
+                <a:latin typeface="Consolas" panose="020B0609020204030204" pitchFamily="49" charset="0"/>
+              </a:rPr>
+              <a:t>COPY ["</a:t>
+            </a:r>
+            <a:r>
+              <a:rPr lang="en-US" dirty="0" err="1">
+                <a:solidFill>
+                  <a:schemeClr val="bg1">
+                    <a:lumMod val="75000"/>
+                  </a:schemeClr>
+                </a:solidFill>
+                <a:latin typeface="Consolas" panose="020B0609020204030204" pitchFamily="49" charset="0"/>
+              </a:rPr>
+              <a:t>WebApplication</a:t>
+            </a:r>
+            <a:r>
+              <a:rPr lang="en-US" dirty="0">
+                <a:solidFill>
+                  <a:schemeClr val="bg1">
+                    <a:lumMod val="75000"/>
+                  </a:schemeClr>
+                </a:solidFill>
+                <a:latin typeface="Consolas" panose="020B0609020204030204" pitchFamily="49" charset="0"/>
+              </a:rPr>
+              <a:t>/</a:t>
+            </a:r>
+            <a:r>
+              <a:rPr lang="en-US" dirty="0" err="1">
+                <a:solidFill>
+                  <a:schemeClr val="bg1">
+                    <a:lumMod val="75000"/>
+                  </a:schemeClr>
+                </a:solidFill>
+                <a:latin typeface="Consolas" panose="020B0609020204030204" pitchFamily="49" charset="0"/>
+              </a:rPr>
+              <a:t>WebApplication.csproj</a:t>
+            </a:r>
+            <a:r>
+              <a:rPr lang="en-US" dirty="0">
+                <a:solidFill>
+                  <a:schemeClr val="bg1">
+                    <a:lumMod val="75000"/>
+                  </a:schemeClr>
+                </a:solidFill>
+                <a:latin typeface="Consolas" panose="020B0609020204030204" pitchFamily="49" charset="0"/>
+              </a:rPr>
+              <a:t>", "</a:t>
+            </a:r>
+            <a:r>
+              <a:rPr lang="en-US" dirty="0" err="1">
+                <a:solidFill>
+                  <a:schemeClr val="bg1">
+                    <a:lumMod val="75000"/>
+                  </a:schemeClr>
+                </a:solidFill>
+                <a:latin typeface="Consolas" panose="020B0609020204030204" pitchFamily="49" charset="0"/>
+              </a:rPr>
+              <a:t>WebApplication</a:t>
+            </a:r>
+            <a:r>
+              <a:rPr lang="en-US" dirty="0">
+                <a:solidFill>
+                  <a:schemeClr val="bg1">
+                    <a:lumMod val="75000"/>
+                  </a:schemeClr>
+                </a:solidFill>
+                <a:latin typeface="Consolas" panose="020B0609020204030204" pitchFamily="49" charset="0"/>
+              </a:rPr>
+              <a:t>/"]</a:t>
+            </a:r>
+          </a:p>
+          <a:p>
+            <a:pPr marL="0" indent="0">
+              <a:buNone/>
+            </a:pPr>
+            <a:r>
+              <a:rPr lang="en-US" dirty="0">
+                <a:solidFill>
+                  <a:schemeClr val="bg1">
+                    <a:lumMod val="75000"/>
+                  </a:schemeClr>
+                </a:solidFill>
+                <a:latin typeface="Consolas" panose="020B0609020204030204" pitchFamily="49" charset="0"/>
+              </a:rPr>
+              <a:t>RUN dotnet restore "</a:t>
+            </a:r>
+            <a:r>
+              <a:rPr lang="en-US" dirty="0" err="1">
+                <a:solidFill>
+                  <a:schemeClr val="bg1">
+                    <a:lumMod val="75000"/>
+                  </a:schemeClr>
+                </a:solidFill>
+                <a:latin typeface="Consolas" panose="020B0609020204030204" pitchFamily="49" charset="0"/>
+              </a:rPr>
+              <a:t>WebApplication</a:t>
+            </a:r>
+            <a:r>
+              <a:rPr lang="en-US" dirty="0">
+                <a:solidFill>
+                  <a:schemeClr val="bg1">
+                    <a:lumMod val="75000"/>
+                  </a:schemeClr>
+                </a:solidFill>
+                <a:latin typeface="Consolas" panose="020B0609020204030204" pitchFamily="49" charset="0"/>
+              </a:rPr>
+              <a:t>/</a:t>
+            </a:r>
+            <a:r>
+              <a:rPr lang="en-US" dirty="0" err="1">
+                <a:solidFill>
+                  <a:schemeClr val="bg1">
+                    <a:lumMod val="75000"/>
+                  </a:schemeClr>
+                </a:solidFill>
+                <a:latin typeface="Consolas" panose="020B0609020204030204" pitchFamily="49" charset="0"/>
+              </a:rPr>
+              <a:t>WebApplication.csproj</a:t>
+            </a:r>
+            <a:r>
+              <a:rPr lang="en-US" dirty="0">
+                <a:solidFill>
+                  <a:schemeClr val="bg1">
+                    <a:lumMod val="75000"/>
+                  </a:schemeClr>
+                </a:solidFill>
+                <a:latin typeface="Consolas" panose="020B0609020204030204" pitchFamily="49" charset="0"/>
+              </a:rPr>
+              <a:t>"</a:t>
+            </a:r>
+          </a:p>
+          <a:p>
+            <a:pPr marL="0" indent="0">
+              <a:buNone/>
+            </a:pPr>
+            <a:r>
+              <a:rPr lang="en-US" dirty="0">
+                <a:solidFill>
+                  <a:schemeClr val="bg1">
+                    <a:lumMod val="75000"/>
+                  </a:schemeClr>
+                </a:solidFill>
+                <a:latin typeface="Consolas" panose="020B0609020204030204" pitchFamily="49" charset="0"/>
+              </a:rPr>
+              <a:t>COPY . .</a:t>
+            </a:r>
+          </a:p>
+          <a:p>
+            <a:pPr marL="0" indent="0">
+              <a:buNone/>
+            </a:pPr>
+            <a:r>
+              <a:rPr lang="en-US" dirty="0">
+                <a:solidFill>
+                  <a:schemeClr val="bg1">
+                    <a:lumMod val="75000"/>
+                  </a:schemeClr>
+                </a:solidFill>
+                <a:latin typeface="Consolas" panose="020B0609020204030204" pitchFamily="49" charset="0"/>
+              </a:rPr>
+              <a:t>WORKDIR "/</a:t>
+            </a:r>
+            <a:r>
+              <a:rPr lang="en-US" dirty="0" err="1">
+                <a:solidFill>
+                  <a:schemeClr val="bg1">
+                    <a:lumMod val="75000"/>
+                  </a:schemeClr>
+                </a:solidFill>
+                <a:latin typeface="Consolas" panose="020B0609020204030204" pitchFamily="49" charset="0"/>
+              </a:rPr>
+              <a:t>src</a:t>
+            </a:r>
+            <a:r>
+              <a:rPr lang="en-US" dirty="0">
+                <a:solidFill>
+                  <a:schemeClr val="bg1">
+                    <a:lumMod val="75000"/>
+                  </a:schemeClr>
+                </a:solidFill>
+                <a:latin typeface="Consolas" panose="020B0609020204030204" pitchFamily="49" charset="0"/>
+              </a:rPr>
+              <a:t>/</a:t>
+            </a:r>
+            <a:r>
+              <a:rPr lang="en-US" dirty="0" err="1">
+                <a:solidFill>
+                  <a:schemeClr val="bg1">
+                    <a:lumMod val="75000"/>
+                  </a:schemeClr>
+                </a:solidFill>
+                <a:latin typeface="Consolas" panose="020B0609020204030204" pitchFamily="49" charset="0"/>
+              </a:rPr>
+              <a:t>WebApplication</a:t>
+            </a:r>
+            <a:r>
+              <a:rPr lang="en-US" dirty="0">
+                <a:solidFill>
+                  <a:schemeClr val="bg1">
+                    <a:lumMod val="75000"/>
+                  </a:schemeClr>
+                </a:solidFill>
+                <a:latin typeface="Consolas" panose="020B0609020204030204" pitchFamily="49" charset="0"/>
+              </a:rPr>
+              <a:t>"</a:t>
+            </a:r>
+          </a:p>
+          <a:p>
+            <a:pPr marL="0" indent="0">
+              <a:buNone/>
+            </a:pPr>
+            <a:r>
+              <a:rPr lang="en-US" dirty="0">
+                <a:solidFill>
+                  <a:schemeClr val="bg1">
+                    <a:lumMod val="75000"/>
+                  </a:schemeClr>
+                </a:solidFill>
+                <a:latin typeface="Consolas" panose="020B0609020204030204" pitchFamily="49" charset="0"/>
+              </a:rPr>
+              <a:t>RUN dotnet build "</a:t>
+            </a:r>
+            <a:r>
+              <a:rPr lang="en-US" dirty="0" err="1">
+                <a:solidFill>
+                  <a:schemeClr val="bg1">
+                    <a:lumMod val="75000"/>
+                  </a:schemeClr>
+                </a:solidFill>
+                <a:latin typeface="Consolas" panose="020B0609020204030204" pitchFamily="49" charset="0"/>
+              </a:rPr>
+              <a:t>WebApplication.csproj</a:t>
+            </a:r>
+            <a:r>
+              <a:rPr lang="en-US" dirty="0">
+                <a:solidFill>
+                  <a:schemeClr val="bg1">
+                    <a:lumMod val="75000"/>
+                  </a:schemeClr>
+                </a:solidFill>
+                <a:latin typeface="Consolas" panose="020B0609020204030204" pitchFamily="49" charset="0"/>
+              </a:rPr>
+              <a:t>" -c Release -o /app</a:t>
+            </a:r>
+          </a:p>
+          <a:p>
+            <a:pPr marL="0" indent="0">
+              <a:buNone/>
+            </a:pPr>
+            <a:endParaRPr lang="en-US" dirty="0">
+              <a:solidFill>
+                <a:schemeClr val="bg1">
+                  <a:lumMod val="75000"/>
+                </a:schemeClr>
+              </a:solidFill>
+              <a:latin typeface="Consolas" panose="020B0609020204030204" pitchFamily="49" charset="0"/>
+            </a:endParaRPr>
+          </a:p>
+          <a:p>
+            <a:pPr marL="0" indent="0">
+              <a:buNone/>
+            </a:pPr>
+            <a:r>
+              <a:rPr lang="en-US" dirty="0">
+                <a:solidFill>
+                  <a:schemeClr val="bg1">
+                    <a:lumMod val="75000"/>
+                  </a:schemeClr>
+                </a:solidFill>
+                <a:latin typeface="Consolas" panose="020B0609020204030204" pitchFamily="49" charset="0"/>
+              </a:rPr>
+              <a:t>FROM build AS publish</a:t>
+            </a:r>
+          </a:p>
+          <a:p>
+            <a:pPr marL="0" indent="0">
+              <a:buNone/>
+            </a:pPr>
+            <a:r>
+              <a:rPr lang="en-US" dirty="0">
+                <a:solidFill>
+                  <a:schemeClr val="bg1">
+                    <a:lumMod val="75000"/>
+                  </a:schemeClr>
+                </a:solidFill>
+                <a:latin typeface="Consolas" panose="020B0609020204030204" pitchFamily="49" charset="0"/>
+              </a:rPr>
+              <a:t>RUN dotnet publish "</a:t>
+            </a:r>
+            <a:r>
+              <a:rPr lang="en-US" dirty="0" err="1">
+                <a:solidFill>
+                  <a:schemeClr val="bg1">
+                    <a:lumMod val="75000"/>
+                  </a:schemeClr>
+                </a:solidFill>
+                <a:latin typeface="Consolas" panose="020B0609020204030204" pitchFamily="49" charset="0"/>
+              </a:rPr>
+              <a:t>WebApplication.csproj</a:t>
+            </a:r>
+            <a:r>
+              <a:rPr lang="en-US" dirty="0">
+                <a:solidFill>
+                  <a:schemeClr val="bg1">
+                    <a:lumMod val="75000"/>
+                  </a:schemeClr>
+                </a:solidFill>
+                <a:latin typeface="Consolas" panose="020B0609020204030204" pitchFamily="49" charset="0"/>
+              </a:rPr>
+              <a:t>" -c Release -o /app</a:t>
+            </a:r>
+          </a:p>
+          <a:p>
+            <a:pPr marL="0" indent="0">
+              <a:buNone/>
+            </a:pPr>
+            <a:endParaRPr lang="en-US" dirty="0">
+              <a:solidFill>
+                <a:schemeClr val="bg1">
+                  <a:lumMod val="75000"/>
+                </a:schemeClr>
+              </a:solidFill>
+              <a:latin typeface="Consolas" panose="020B0609020204030204" pitchFamily="49" charset="0"/>
+            </a:endParaRPr>
+          </a:p>
+          <a:p>
+            <a:pPr marL="0" indent="0">
+              <a:buNone/>
+            </a:pPr>
+            <a:r>
+              <a:rPr lang="en-US" dirty="0">
+                <a:solidFill>
+                  <a:schemeClr val="bg1">
+                    <a:lumMod val="75000"/>
+                  </a:schemeClr>
+                </a:solidFill>
+                <a:latin typeface="Consolas" panose="020B0609020204030204" pitchFamily="49" charset="0"/>
+              </a:rPr>
+              <a:t>FROM base AS final</a:t>
+            </a:r>
+          </a:p>
+          <a:p>
+            <a:pPr marL="0" indent="0">
+              <a:buNone/>
+            </a:pPr>
+            <a:r>
+              <a:rPr lang="en-US" dirty="0">
+                <a:solidFill>
+                  <a:schemeClr val="bg1">
+                    <a:lumMod val="75000"/>
+                  </a:schemeClr>
+                </a:solidFill>
+                <a:latin typeface="Consolas" panose="020B0609020204030204" pitchFamily="49" charset="0"/>
+              </a:rPr>
+              <a:t>WORKDIR /app</a:t>
+            </a:r>
+          </a:p>
+          <a:p>
+            <a:pPr marL="0" indent="0">
+              <a:buNone/>
+            </a:pPr>
+            <a:r>
+              <a:rPr lang="en-US" dirty="0">
+                <a:solidFill>
+                  <a:schemeClr val="bg1">
+                    <a:lumMod val="75000"/>
+                  </a:schemeClr>
+                </a:solidFill>
+                <a:latin typeface="Consolas" panose="020B0609020204030204" pitchFamily="49" charset="0"/>
+              </a:rPr>
+              <a:t>COPY --from=publish /app .</a:t>
+            </a:r>
+          </a:p>
+          <a:p>
+            <a:pPr marL="0" indent="0">
+              <a:buNone/>
+            </a:pPr>
+            <a:r>
+              <a:rPr lang="en-US" dirty="0">
+                <a:solidFill>
+                  <a:schemeClr val="bg1">
+                    <a:lumMod val="75000"/>
+                  </a:schemeClr>
+                </a:solidFill>
+                <a:latin typeface="Consolas" panose="020B0609020204030204" pitchFamily="49" charset="0"/>
+              </a:rPr>
+              <a:t>ENTRYPOINT ["dotnet", "WebApplication.dll"]</a:t>
+            </a:r>
+            <a:endParaRPr lang="en-US" dirty="0">
+              <a:solidFill>
+                <a:schemeClr val="bg1">
+                  <a:lumMod val="75000"/>
+                </a:schemeClr>
+              </a:solidFill>
+            </a:endParaRPr>
+          </a:p>
+        </p:txBody>
+      </p:sp>
+      <p:sp>
+        <p:nvSpPr>
+          <p:cNvPr id="4" name="Content Placeholder 3">
+            <a:extLst>
+              <a:ext uri="{FF2B5EF4-FFF2-40B4-BE49-F238E27FC236}">
+                <a16:creationId xmlns:a16="http://schemas.microsoft.com/office/drawing/2014/main" id="{8C646BFC-37E9-4587-B621-CA9B7B00AED0}"/>
+              </a:ext>
+            </a:extLst>
+          </p:cNvPr>
+          <p:cNvSpPr>
+            <a:spLocks noGrp="1"/>
+          </p:cNvSpPr>
+          <p:nvPr>
+            <p:ph sz="half" idx="2"/>
+          </p:nvPr>
+        </p:nvSpPr>
+        <p:spPr>
+          <a:xfrm>
+            <a:off x="838200" y="4261241"/>
+            <a:ext cx="10818796" cy="3404887"/>
+          </a:xfrm>
+        </p:spPr>
+        <p:txBody>
+          <a:bodyPr/>
+          <a:lstStyle/>
+          <a:p>
+            <a:pPr marL="0" indent="0">
+              <a:buNone/>
+            </a:pPr>
+            <a:r>
+              <a:rPr lang="en-US" dirty="0">
+                <a:solidFill>
+                  <a:srgbClr val="000000"/>
+                </a:solidFill>
+                <a:latin typeface="Consolas" panose="020B0609020204030204" pitchFamily="49" charset="0"/>
+              </a:rPr>
+              <a:t>FROM base AS final</a:t>
+            </a:r>
+          </a:p>
+          <a:p>
+            <a:pPr marL="0" indent="0">
+              <a:buNone/>
+            </a:pPr>
+            <a:r>
+              <a:rPr lang="en-US" dirty="0">
+                <a:solidFill>
+                  <a:srgbClr val="000000"/>
+                </a:solidFill>
+                <a:latin typeface="Consolas" panose="020B0609020204030204" pitchFamily="49" charset="0"/>
+              </a:rPr>
+              <a:t>WORKDIR /app</a:t>
+            </a:r>
+          </a:p>
+          <a:p>
+            <a:pPr marL="0" indent="0">
+              <a:buNone/>
+            </a:pPr>
+            <a:r>
+              <a:rPr lang="en-US" dirty="0">
+                <a:solidFill>
+                  <a:srgbClr val="000000"/>
+                </a:solidFill>
+                <a:latin typeface="Consolas" panose="020B0609020204030204" pitchFamily="49" charset="0"/>
+              </a:rPr>
+              <a:t>COPY --from=publish /app .</a:t>
+            </a:r>
+          </a:p>
+          <a:p>
+            <a:pPr marL="0" indent="0">
+              <a:buNone/>
+            </a:pPr>
+            <a:r>
+              <a:rPr lang="en-US" dirty="0">
+                <a:solidFill>
+                  <a:srgbClr val="000000"/>
+                </a:solidFill>
+                <a:latin typeface="Consolas" panose="020B0609020204030204" pitchFamily="49" charset="0"/>
+              </a:rPr>
+              <a:t>ENTRYPOINT [</a:t>
+            </a:r>
+            <a:r>
+              <a:rPr lang="en-US" dirty="0">
+                <a:solidFill>
+                  <a:srgbClr val="A31515"/>
+                </a:solidFill>
+                <a:latin typeface="Consolas" panose="020B0609020204030204" pitchFamily="49" charset="0"/>
+              </a:rPr>
+              <a:t>"dotnet"</a:t>
+            </a:r>
+            <a:r>
+              <a:rPr lang="en-US" dirty="0">
+                <a:solidFill>
+                  <a:srgbClr val="000000"/>
+                </a:solidFill>
+                <a:latin typeface="Consolas" panose="020B0609020204030204" pitchFamily="49" charset="0"/>
+              </a:rPr>
+              <a:t>, </a:t>
+            </a:r>
+            <a:r>
+              <a:rPr lang="en-US" dirty="0">
+                <a:solidFill>
+                  <a:srgbClr val="A31515"/>
+                </a:solidFill>
+                <a:latin typeface="Consolas" panose="020B0609020204030204" pitchFamily="49" charset="0"/>
+              </a:rPr>
+              <a:t>"WebApplication.dll"</a:t>
+            </a:r>
+            <a:r>
+              <a:rPr lang="en-US" dirty="0">
+                <a:solidFill>
+                  <a:srgbClr val="000000"/>
+                </a:solidFill>
+                <a:latin typeface="Consolas" panose="020B0609020204030204" pitchFamily="49" charset="0"/>
+              </a:rPr>
+              <a:t>]</a:t>
+            </a:r>
+            <a:endParaRPr lang="en-US" dirty="0"/>
+          </a:p>
+          <a:p>
+            <a:endParaRPr lang="en-US" dirty="0"/>
+          </a:p>
+        </p:txBody>
+      </p:sp>
+    </p:spTree>
+    <p:extLst>
+      <p:ext uri="{BB962C8B-B14F-4D97-AF65-F5344CB8AC3E}">
+        <p14:creationId xmlns:p14="http://schemas.microsoft.com/office/powerpoint/2010/main" val="1859115225"/>
+      </p:ext>
+    </p:extLst>
+  </p:cSld>
+  <p:clrMapOvr>
+    <a:masterClrMapping/>
+  </p:clrMapOvr>
+</p:sld>
+</file>
+
+<file path=ppt/slides/slide12.xml><?xml version="1.0" encoding="utf-8"?>
 <p:sld xmlns:a="http://schemas.openxmlformats.org/drawingml/2006/main" xmlns:r="http://schemas.openxmlformats.org/officeDocument/2006/relationships" xmlns:p="http://schemas.openxmlformats.org/presentationml/2006/main">
   <p:cSld>
     <p:spTree>
@@ -7520,10 +8988,10 @@
       </p:sp>
       <p:pic>
         <p:nvPicPr>
-          <p:cNvPr id="5" name="Content Placeholder 4">
+          <p:cNvPr id="14" name="Content Placeholder 13">
             <a:extLst>
               <a:ext uri="{FF2B5EF4-FFF2-40B4-BE49-F238E27FC236}">
-                <a16:creationId xmlns:a16="http://schemas.microsoft.com/office/drawing/2014/main" id="{B00068CC-E7BC-44A0-B06C-D7D49C3C6836}"/>
+                <a16:creationId xmlns:a16="http://schemas.microsoft.com/office/drawing/2014/main" id="{471E100D-F91A-4912-811F-9B329C830837}"/>
               </a:ext>
             </a:extLst>
           </p:cNvPr>
@@ -7542,14 +9010,58 @@
         </p:blipFill>
         <p:spPr>
           <a:xfrm>
-            <a:off x="6172202" y="1481301"/>
-            <a:ext cx="4139078" cy="4351338"/>
+            <a:off x="6172202" y="1825625"/>
+            <a:ext cx="4311500" cy="4675582"/>
           </a:xfrm>
           <a:prstGeom prst="rect">
             <a:avLst/>
           </a:prstGeom>
         </p:spPr>
       </p:pic>
+      <p:sp>
+        <p:nvSpPr>
+          <p:cNvPr id="15" name="TextBox 14">
+            <a:extLst>
+              <a:ext uri="{FF2B5EF4-FFF2-40B4-BE49-F238E27FC236}">
+                <a16:creationId xmlns:a16="http://schemas.microsoft.com/office/drawing/2014/main" id="{ED3EA169-4D6B-438C-ADCA-55D3EB11EE0D}"/>
+              </a:ext>
+            </a:extLst>
+          </p:cNvPr>
+          <p:cNvSpPr txBox="1"/>
+          <p:nvPr/>
+        </p:nvSpPr>
+        <p:spPr>
+          <a:xfrm>
+            <a:off x="4602541" y="1092200"/>
+            <a:ext cx="3139321" cy="523220"/>
+          </a:xfrm>
+          <a:prstGeom prst="rect">
+            <a:avLst/>
+          </a:prstGeom>
+          <a:noFill/>
+        </p:spPr>
+        <p:txBody>
+          <a:bodyPr wrap="none" rtlCol="0">
+            <a:spAutoFit/>
+          </a:bodyPr>
+          <a:lstStyle/>
+          <a:p>
+            <a:r>
+              <a:rPr lang="ru-RU" sz="2800" dirty="0">
+                <a:solidFill>
+                  <a:srgbClr val="FF0000"/>
+                </a:solidFill>
+              </a:rPr>
+              <a:t>Откуда такой порт?</a:t>
+            </a:r>
+            <a:endParaRPr lang="en-US" sz="2800" dirty="0">
+              <a:solidFill>
+                <a:srgbClr val="FF0000"/>
+              </a:solidFill>
+            </a:endParaRPr>
+          </a:p>
+        </p:txBody>
+      </p:sp>
     </p:spTree>
     <p:extLst>
       <p:ext uri="{BB962C8B-B14F-4D97-AF65-F5344CB8AC3E}">
@@ -7790,7 +9302,52 @@
                                           </p:stCondLst>
                                         </p:cTn>
                                         <p:tgtEl>
-                                          <p:spTgt spid="5"/>
+                                          <p:spTgt spid="14"/>
+                                        </p:tgtEl>
+                                        <p:attrNameLst>
+                                          <p:attrName>style.visibility</p:attrName>
+                                        </p:attrNameLst>
+                                      </p:cBhvr>
+                                      <p:to>
+                                        <p:strVal val="visible"/>
+                                      </p:to>
+                                    </p:set>
+                                  </p:childTnLst>
+                                </p:cTn>
+                              </p:par>
+                            </p:childTnLst>
+                          </p:cTn>
+                        </p:par>
+                      </p:childTnLst>
+                    </p:cTn>
+                  </p:par>
+                  <p:par>
+                    <p:cTn id="23" fill="hold">
+                      <p:stCondLst>
+                        <p:cond delay="indefinite"/>
+                      </p:stCondLst>
+                      <p:childTnLst>
+                        <p:par>
+                          <p:cTn id="24" fill="hold">
+                            <p:stCondLst>
+                              <p:cond delay="0"/>
+                            </p:stCondLst>
+                            <p:childTnLst>
+                              <p:par>
+                                <p:cTn id="25" presetID="1" presetClass="entr" presetSubtype="0" fill="hold" grpId="0" nodeType="clickEffect">
+                                  <p:stCondLst>
+                                    <p:cond delay="0"/>
+                                  </p:stCondLst>
+                                  <p:childTnLst>
+                                    <p:set>
+                                      <p:cBhvr>
+                                        <p:cTn id="26" dur="1" fill="hold">
+                                          <p:stCondLst>
+                                            <p:cond delay="0"/>
+                                          </p:stCondLst>
+                                        </p:cTn>
+                                        <p:tgtEl>
+                                          <p:spTgt spid="15"/>
                                         </p:tgtEl>
                                         <p:attrNameLst>
                                           <p:attrName>style.visibility</p:attrName>
@@ -7832,12 +9389,1397 @@
     </p:tnLst>
     <p:bldLst>
       <p:bldP spid="3" grpId="0" build="p"/>
+      <p:bldP spid="15" grpId="0"/>
     </p:bldLst>
   </p:timing>
 </p:sld>
 </file>
 
-<file path=ppt/slides/slide4.xml><?xml version="1.0" encoding="utf-8"?>
+<file path=ppt/slides/slide13.xml><?xml version="1.0" encoding="utf-8"?>
+<p:sld xmlns:a="http://schemas.openxmlformats.org/drawingml/2006/main" xmlns:r="http://schemas.openxmlformats.org/officeDocument/2006/relationships" xmlns:p="http://schemas.openxmlformats.org/presentationml/2006/main">
+  <p:cSld>
+    <p:spTree>
+      <p:nvGrpSpPr>
+        <p:cNvPr id="1" name=""/>
+        <p:cNvGrpSpPr/>
+        <p:nvPr/>
+      </p:nvGrpSpPr>
+      <p:grpSpPr>
+        <a:xfrm>
+          <a:off x="0" y="0"/>
+          <a:ext cx="0" cy="0"/>
+          <a:chOff x="0" y="0"/>
+          <a:chExt cx="0" cy="0"/>
+        </a:xfrm>
+      </p:grpSpPr>
+      <p:sp>
+        <p:nvSpPr>
+          <p:cNvPr id="2" name="Title 1">
+            <a:extLst>
+              <a:ext uri="{FF2B5EF4-FFF2-40B4-BE49-F238E27FC236}">
+                <a16:creationId xmlns:a16="http://schemas.microsoft.com/office/drawing/2014/main" id="{27698FB1-7B18-438B-83FB-B3E71993202F}"/>
+              </a:ext>
+            </a:extLst>
+          </p:cNvPr>
+          <p:cNvSpPr>
+            <a:spLocks noGrp="1"/>
+          </p:cNvSpPr>
+          <p:nvPr>
+            <p:ph type="title"/>
+          </p:nvPr>
+        </p:nvSpPr>
+        <p:spPr/>
+        <p:txBody>
+          <a:bodyPr/>
+          <a:lstStyle/>
+          <a:p>
+            <a:r>
+              <a:rPr lang="ru-RU" dirty="0"/>
+              <a:t>Что же у нас в консоли?</a:t>
+            </a:r>
+            <a:r>
+              <a:rPr lang="en-US" dirty="0"/>
+              <a:t> &gt; docker </a:t>
+            </a:r>
+            <a:r>
+              <a:rPr lang="en-US" dirty="0" err="1"/>
+              <a:t>ps</a:t>
+            </a:r>
+            <a:r>
+              <a:rPr lang="en-US" dirty="0"/>
+              <a:t> -a</a:t>
+            </a:r>
+          </a:p>
+        </p:txBody>
+      </p:sp>
+      <p:pic>
+        <p:nvPicPr>
+          <p:cNvPr id="9" name="Content Placeholder 8">
+            <a:extLst>
+              <a:ext uri="{FF2B5EF4-FFF2-40B4-BE49-F238E27FC236}">
+                <a16:creationId xmlns:a16="http://schemas.microsoft.com/office/drawing/2014/main" id="{19409ED2-D278-492A-8B40-143DF5B91132}"/>
+              </a:ext>
+            </a:extLst>
+          </p:cNvPr>
+          <p:cNvPicPr>
+            <a:picLocks noGrp="1" noChangeAspect="1"/>
+          </p:cNvPicPr>
+          <p:nvPr>
+            <p:ph idx="1"/>
+          </p:nvPr>
+        </p:nvPicPr>
+        <p:blipFill>
+          <a:blip r:embed="rId2"/>
+          <a:stretch>
+            <a:fillRect/>
+          </a:stretch>
+        </p:blipFill>
+        <p:spPr>
+          <a:xfrm>
+            <a:off x="838200" y="1690688"/>
+            <a:ext cx="10515600" cy="319461"/>
+          </a:xfrm>
+          <a:prstGeom prst="rect">
+            <a:avLst/>
+          </a:prstGeom>
+        </p:spPr>
+      </p:pic>
+      <p:graphicFrame>
+        <p:nvGraphicFramePr>
+          <p:cNvPr id="10" name="Table 9">
+            <a:extLst>
+              <a:ext uri="{FF2B5EF4-FFF2-40B4-BE49-F238E27FC236}">
+                <a16:creationId xmlns:a16="http://schemas.microsoft.com/office/drawing/2014/main" id="{F8675CF6-70F1-49EA-A028-666DBEE15260}"/>
+              </a:ext>
+            </a:extLst>
+          </p:cNvPr>
+          <p:cNvGraphicFramePr>
+            <a:graphicFrameLocks noGrp="1"/>
+          </p:cNvGraphicFramePr>
+          <p:nvPr>
+            <p:extLst>
+              <p:ext uri="{D42A27DB-BD31-4B8C-83A1-F6EECF244321}">
+                <p14:modId xmlns:p14="http://schemas.microsoft.com/office/powerpoint/2010/main" val="2211592450"/>
+              </p:ext>
+            </p:extLst>
+          </p:nvPr>
+        </p:nvGraphicFramePr>
+        <p:xfrm>
+          <a:off x="838199" y="2777065"/>
+          <a:ext cx="10515600" cy="1752602"/>
+        </p:xfrm>
+        <a:graphic>
+          <a:graphicData uri="http://schemas.openxmlformats.org/drawingml/2006/table">
+            <a:tbl>
+              <a:tblPr firstRow="1" bandRow="1">
+                <a:tableStyleId>{5C22544A-7EE6-4342-B048-85BDC9FD1C3A}</a:tableStyleId>
+              </a:tblPr>
+              <a:tblGrid>
+                <a:gridCol w="2628900">
+                  <a:extLst>
+                    <a:ext uri="{9D8B030D-6E8A-4147-A177-3AD203B41FA5}">
+                      <a16:colId xmlns:a16="http://schemas.microsoft.com/office/drawing/2014/main" val="1792992855"/>
+                    </a:ext>
+                  </a:extLst>
+                </a:gridCol>
+                <a:gridCol w="2628900">
+                  <a:extLst>
+                    <a:ext uri="{9D8B030D-6E8A-4147-A177-3AD203B41FA5}">
+                      <a16:colId xmlns:a16="http://schemas.microsoft.com/office/drawing/2014/main" val="2539836775"/>
+                    </a:ext>
+                  </a:extLst>
+                </a:gridCol>
+                <a:gridCol w="2628900">
+                  <a:extLst>
+                    <a:ext uri="{9D8B030D-6E8A-4147-A177-3AD203B41FA5}">
+                      <a16:colId xmlns:a16="http://schemas.microsoft.com/office/drawing/2014/main" val="1912868236"/>
+                    </a:ext>
+                  </a:extLst>
+                </a:gridCol>
+                <a:gridCol w="2628900">
+                  <a:extLst>
+                    <a:ext uri="{9D8B030D-6E8A-4147-A177-3AD203B41FA5}">
+                      <a16:colId xmlns:a16="http://schemas.microsoft.com/office/drawing/2014/main" val="2791155787"/>
+                    </a:ext>
+                  </a:extLst>
+                </a:gridCol>
+              </a:tblGrid>
+              <a:tr h="876301">
+                <a:tc>
+                  <a:txBody>
+                    <a:bodyPr/>
+                    <a:lstStyle/>
+                    <a:p>
+                      <a:r>
+                        <a:rPr lang="en-US" dirty="0"/>
+                        <a:t>IMAGE</a:t>
+                      </a:r>
+                    </a:p>
+                  </a:txBody>
+                  <a:tcPr/>
+                </a:tc>
+                <a:tc>
+                  <a:txBody>
+                    <a:bodyPr/>
+                    <a:lstStyle/>
+                    <a:p>
+                      <a:r>
+                        <a:rPr lang="en-US" dirty="0"/>
+                        <a:t>COMMAND</a:t>
+                      </a:r>
+                    </a:p>
+                  </a:txBody>
+                  <a:tcPr/>
+                </a:tc>
+                <a:tc>
+                  <a:txBody>
+                    <a:bodyPr/>
+                    <a:lstStyle/>
+                    <a:p>
+                      <a:r>
+                        <a:rPr lang="en-US" dirty="0"/>
+                        <a:t>PORTS</a:t>
+                      </a:r>
+                    </a:p>
+                  </a:txBody>
+                  <a:tcPr/>
+                </a:tc>
+                <a:tc>
+                  <a:txBody>
+                    <a:bodyPr/>
+                    <a:lstStyle/>
+                    <a:p>
+                      <a:r>
+                        <a:rPr lang="en-US" dirty="0"/>
+                        <a:t>NAMES</a:t>
+                      </a:r>
+                    </a:p>
+                  </a:txBody>
+                  <a:tcPr/>
+                </a:tc>
+                <a:extLst>
+                  <a:ext uri="{0D108BD9-81ED-4DB2-BD59-A6C34878D82A}">
+                    <a16:rowId xmlns:a16="http://schemas.microsoft.com/office/drawing/2014/main" val="1731543991"/>
+                  </a:ext>
+                </a:extLst>
+              </a:tr>
+              <a:tr h="876301">
+                <a:tc>
+                  <a:txBody>
+                    <a:bodyPr/>
+                    <a:lstStyle/>
+                    <a:p>
+                      <a:r>
+                        <a:rPr lang="en-US" dirty="0" err="1"/>
+                        <a:t>webapplication:dev</a:t>
+                      </a:r>
+                      <a:endParaRPr lang="en-US" dirty="0"/>
+                    </a:p>
+                  </a:txBody>
+                  <a:tcPr/>
+                </a:tc>
+                <a:tc>
+                  <a:txBody>
+                    <a:bodyPr/>
+                    <a:lstStyle/>
+                    <a:p>
+                      <a:r>
+                        <a:rPr lang="en-US" dirty="0"/>
+                        <a:t>"tail -f /dev/null"</a:t>
+                      </a:r>
+                    </a:p>
+                  </a:txBody>
+                  <a:tcPr/>
+                </a:tc>
+                <a:tc>
+                  <a:txBody>
+                    <a:bodyPr/>
+                    <a:lstStyle/>
+                    <a:p>
+                      <a:r>
+                        <a:rPr lang="en-US" dirty="0"/>
+                        <a:t>0.0.0.0:32779-&gt;80/</a:t>
+                      </a:r>
+                      <a:r>
+                        <a:rPr lang="en-US" dirty="0" err="1"/>
+                        <a:t>tcp</a:t>
+                      </a:r>
+                      <a:endParaRPr lang="en-US" dirty="0"/>
+                    </a:p>
+                  </a:txBody>
+                  <a:tcPr/>
+                </a:tc>
+                <a:tc>
+                  <a:txBody>
+                    <a:bodyPr/>
+                    <a:lstStyle/>
+                    <a:p>
+                      <a:r>
+                        <a:rPr lang="en-US" dirty="0" err="1"/>
+                        <a:t>stupefied_goldwasser</a:t>
+                      </a:r>
+                      <a:endParaRPr lang="en-US" dirty="0"/>
+                    </a:p>
+                  </a:txBody>
+                  <a:tcPr/>
+                </a:tc>
+                <a:extLst>
+                  <a:ext uri="{0D108BD9-81ED-4DB2-BD59-A6C34878D82A}">
+                    <a16:rowId xmlns:a16="http://schemas.microsoft.com/office/drawing/2014/main" val="1304885313"/>
+                  </a:ext>
+                </a:extLst>
+              </a:tr>
+            </a:tbl>
+          </a:graphicData>
+        </a:graphic>
+      </p:graphicFrame>
+    </p:spTree>
+    <p:extLst>
+      <p:ext uri="{BB962C8B-B14F-4D97-AF65-F5344CB8AC3E}">
+        <p14:creationId xmlns:p14="http://schemas.microsoft.com/office/powerpoint/2010/main" val="2506676264"/>
+      </p:ext>
+    </p:extLst>
+  </p:cSld>
+  <p:clrMapOvr>
+    <a:masterClrMapping/>
+  </p:clrMapOvr>
+</p:sld>
+</file>
+
+<file path=ppt/slides/slide14.xml><?xml version="1.0" encoding="utf-8"?>
+<p:sld xmlns:a="http://schemas.openxmlformats.org/drawingml/2006/main" xmlns:r="http://schemas.openxmlformats.org/officeDocument/2006/relationships" xmlns:p="http://schemas.openxmlformats.org/presentationml/2006/main">
+  <p:cSld>
+    <p:spTree>
+      <p:nvGrpSpPr>
+        <p:cNvPr id="1" name=""/>
+        <p:cNvGrpSpPr/>
+        <p:nvPr/>
+      </p:nvGrpSpPr>
+      <p:grpSpPr>
+        <a:xfrm>
+          <a:off x="0" y="0"/>
+          <a:ext cx="0" cy="0"/>
+          <a:chOff x="0" y="0"/>
+          <a:chExt cx="0" cy="0"/>
+        </a:xfrm>
+      </p:grpSpPr>
+      <p:sp>
+        <p:nvSpPr>
+          <p:cNvPr id="2" name="Title 1">
+            <a:extLst>
+              <a:ext uri="{FF2B5EF4-FFF2-40B4-BE49-F238E27FC236}">
+                <a16:creationId xmlns:a16="http://schemas.microsoft.com/office/drawing/2014/main" id="{87064FBF-94F6-46E8-85D2-B5276C5FB2C7}"/>
+              </a:ext>
+            </a:extLst>
+          </p:cNvPr>
+          <p:cNvSpPr>
+            <a:spLocks noGrp="1"/>
+          </p:cNvSpPr>
+          <p:nvPr>
+            <p:ph type="title"/>
+          </p:nvPr>
+        </p:nvSpPr>
+        <p:spPr/>
+        <p:txBody>
+          <a:bodyPr/>
+          <a:lstStyle/>
+          <a:p>
+            <a:r>
+              <a:rPr lang="ru-RU" dirty="0"/>
+              <a:t>Содержимое</a:t>
+            </a:r>
+            <a:endParaRPr lang="en-US" dirty="0"/>
+          </a:p>
+        </p:txBody>
+      </p:sp>
+      <p:pic>
+        <p:nvPicPr>
+          <p:cNvPr id="4" name="Content Placeholder 3">
+            <a:extLst>
+              <a:ext uri="{FF2B5EF4-FFF2-40B4-BE49-F238E27FC236}">
+                <a16:creationId xmlns:a16="http://schemas.microsoft.com/office/drawing/2014/main" id="{CF4512B8-D021-4E2F-A926-F9C5876559EE}"/>
+              </a:ext>
+            </a:extLst>
+          </p:cNvPr>
+          <p:cNvPicPr>
+            <a:picLocks noGrp="1" noChangeAspect="1"/>
+          </p:cNvPicPr>
+          <p:nvPr>
+            <p:ph idx="1"/>
+          </p:nvPr>
+        </p:nvPicPr>
+        <p:blipFill>
+          <a:blip r:embed="rId2"/>
+          <a:stretch>
+            <a:fillRect/>
+          </a:stretch>
+        </p:blipFill>
+        <p:spPr>
+          <a:xfrm>
+            <a:off x="835358" y="1969821"/>
+            <a:ext cx="10518442" cy="4017093"/>
+          </a:xfrm>
+          <a:prstGeom prst="rect">
+            <a:avLst/>
+          </a:prstGeom>
+        </p:spPr>
+      </p:pic>
+      <p:sp>
+        <p:nvSpPr>
+          <p:cNvPr id="5" name="Multiplication Sign 4">
+            <a:extLst>
+              <a:ext uri="{FF2B5EF4-FFF2-40B4-BE49-F238E27FC236}">
+                <a16:creationId xmlns:a16="http://schemas.microsoft.com/office/drawing/2014/main" id="{875F0A5D-9183-40B5-A6A0-A46C49D90E63}"/>
+              </a:ext>
+            </a:extLst>
+          </p:cNvPr>
+          <p:cNvSpPr/>
+          <p:nvPr/>
+        </p:nvSpPr>
+        <p:spPr>
+          <a:xfrm>
+            <a:off x="635000" y="2192867"/>
+            <a:ext cx="1566333" cy="618066"/>
+          </a:xfrm>
+          <a:prstGeom prst="mathMultiply">
+            <a:avLst/>
+          </a:prstGeom>
+        </p:spPr>
+        <p:style>
+          <a:lnRef idx="2">
+            <a:schemeClr val="accent1">
+              <a:shade val="50000"/>
+            </a:schemeClr>
+          </a:lnRef>
+          <a:fillRef idx="1">
+            <a:schemeClr val="accent1"/>
+          </a:fillRef>
+          <a:effectRef idx="0">
+            <a:schemeClr val="accent1"/>
+          </a:effectRef>
+          <a:fontRef idx="minor">
+            <a:schemeClr val="lt1"/>
+          </a:fontRef>
+        </p:style>
+        <p:txBody>
+          <a:bodyPr rtlCol="0" anchor="ctr"/>
+          <a:lstStyle/>
+          <a:p>
+            <a:pPr algn="ctr"/>
+            <a:endParaRPr lang="en-US"/>
+          </a:p>
+        </p:txBody>
+      </p:sp>
+      <p:sp>
+        <p:nvSpPr>
+          <p:cNvPr id="7" name="TextBox 6">
+            <a:extLst>
+              <a:ext uri="{FF2B5EF4-FFF2-40B4-BE49-F238E27FC236}">
+                <a16:creationId xmlns:a16="http://schemas.microsoft.com/office/drawing/2014/main" id="{E9C0F51E-2247-447F-A97A-B54BE08F4DFE}"/>
+              </a:ext>
+            </a:extLst>
+          </p:cNvPr>
+          <p:cNvSpPr txBox="1"/>
+          <p:nvPr/>
+        </p:nvSpPr>
+        <p:spPr>
+          <a:xfrm>
+            <a:off x="4631267" y="1367522"/>
+            <a:ext cx="1029449" cy="646331"/>
+          </a:xfrm>
+          <a:prstGeom prst="rect">
+            <a:avLst/>
+          </a:prstGeom>
+          <a:noFill/>
+        </p:spPr>
+        <p:txBody>
+          <a:bodyPr wrap="none" rtlCol="0">
+            <a:spAutoFit/>
+          </a:bodyPr>
+          <a:lstStyle/>
+          <a:p>
+            <a:r>
+              <a:rPr lang="en-US" sz="3600" dirty="0">
+                <a:solidFill>
+                  <a:srgbClr val="FF0000"/>
+                </a:solidFill>
+              </a:rPr>
+              <a:t>RUN</a:t>
+            </a:r>
+          </a:p>
+        </p:txBody>
+      </p:sp>
+    </p:spTree>
+    <p:extLst>
+      <p:ext uri="{BB962C8B-B14F-4D97-AF65-F5344CB8AC3E}">
+        <p14:creationId xmlns:p14="http://schemas.microsoft.com/office/powerpoint/2010/main" val="124807216"/>
+      </p:ext>
+    </p:extLst>
+  </p:cSld>
+  <p:clrMapOvr>
+    <a:masterClrMapping/>
+  </p:clrMapOvr>
+  <p:timing>
+    <p:tnLst>
+      <p:par>
+        <p:cTn id="1" dur="indefinite" restart="never" nodeType="tmRoot">
+          <p:childTnLst>
+            <p:seq concurrent="1" nextAc="seek">
+              <p:cTn id="2" dur="indefinite" nodeType="mainSeq">
+                <p:childTnLst>
+                  <p:par>
+                    <p:cTn id="3" fill="hold">
+                      <p:stCondLst>
+                        <p:cond delay="indefinite"/>
+                      </p:stCondLst>
+                      <p:childTnLst>
+                        <p:par>
+                          <p:cTn id="4" fill="hold">
+                            <p:stCondLst>
+                              <p:cond delay="0"/>
+                            </p:stCondLst>
+                            <p:childTnLst>
+                              <p:par>
+                                <p:cTn id="5" presetID="1" presetClass="entr" presetSubtype="0" fill="hold" grpId="0" nodeType="clickEffect">
+                                  <p:stCondLst>
+                                    <p:cond delay="0"/>
+                                  </p:stCondLst>
+                                  <p:childTnLst>
+                                    <p:set>
+                                      <p:cBhvr>
+                                        <p:cTn id="6" dur="1" fill="hold">
+                                          <p:stCondLst>
+                                            <p:cond delay="0"/>
+                                          </p:stCondLst>
+                                        </p:cTn>
+                                        <p:tgtEl>
+                                          <p:spTgt spid="5"/>
+                                        </p:tgtEl>
+                                        <p:attrNameLst>
+                                          <p:attrName>style.visibility</p:attrName>
+                                        </p:attrNameLst>
+                                      </p:cBhvr>
+                                      <p:to>
+                                        <p:strVal val="visible"/>
+                                      </p:to>
+                                    </p:set>
+                                  </p:childTnLst>
+                                </p:cTn>
+                              </p:par>
+                            </p:childTnLst>
+                          </p:cTn>
+                        </p:par>
+                      </p:childTnLst>
+                    </p:cTn>
+                  </p:par>
+                  <p:par>
+                    <p:cTn id="7" fill="hold">
+                      <p:stCondLst>
+                        <p:cond delay="indefinite"/>
+                      </p:stCondLst>
+                      <p:childTnLst>
+                        <p:par>
+                          <p:cTn id="8" fill="hold">
+                            <p:stCondLst>
+                              <p:cond delay="0"/>
+                            </p:stCondLst>
+                            <p:childTnLst>
+                              <p:par>
+                                <p:cTn id="9" presetID="1" presetClass="entr" presetSubtype="0" fill="hold" grpId="0" nodeType="clickEffect">
+                                  <p:stCondLst>
+                                    <p:cond delay="0"/>
+                                  </p:stCondLst>
+                                  <p:childTnLst>
+                                    <p:set>
+                                      <p:cBhvr>
+                                        <p:cTn id="10" dur="1" fill="hold">
+                                          <p:stCondLst>
+                                            <p:cond delay="0"/>
+                                          </p:stCondLst>
+                                        </p:cTn>
+                                        <p:tgtEl>
+                                          <p:spTgt spid="7"/>
+                                        </p:tgtEl>
+                                        <p:attrNameLst>
+                                          <p:attrName>style.visibility</p:attrName>
+                                        </p:attrNameLst>
+                                      </p:cBhvr>
+                                      <p:to>
+                                        <p:strVal val="visible"/>
+                                      </p:to>
+                                    </p:set>
+                                  </p:childTnLst>
+                                </p:cTn>
+                              </p:par>
+                            </p:childTnLst>
+                          </p:cTn>
+                        </p:par>
+                      </p:childTnLst>
+                    </p:cTn>
+                  </p:par>
+                </p:childTnLst>
+              </p:cTn>
+              <p:prevCondLst>
+                <p:cond evt="onPrev" delay="0">
+                  <p:tgtEl>
+                    <p:sldTgt/>
+                  </p:tgtEl>
+                </p:cond>
+              </p:prevCondLst>
+              <p:nextCondLst>
+                <p:cond evt="onNext" delay="0">
+                  <p:tgtEl>
+                    <p:sldTgt/>
+                  </p:tgtEl>
+                </p:cond>
+              </p:nextCondLst>
+            </p:seq>
+          </p:childTnLst>
+        </p:cTn>
+      </p:par>
+    </p:tnLst>
+    <p:bldLst>
+      <p:bldP spid="5" grpId="0" animBg="1"/>
+      <p:bldP spid="7" grpId="0"/>
+    </p:bldLst>
+  </p:timing>
+</p:sld>
+</file>
+
+<file path=ppt/slides/slide15.xml><?xml version="1.0" encoding="utf-8"?>
+<p:sld xmlns:a="http://schemas.openxmlformats.org/drawingml/2006/main" xmlns:r="http://schemas.openxmlformats.org/officeDocument/2006/relationships" xmlns:p="http://schemas.openxmlformats.org/presentationml/2006/main">
+  <p:cSld>
+    <p:spTree>
+      <p:nvGrpSpPr>
+        <p:cNvPr id="1" name=""/>
+        <p:cNvGrpSpPr/>
+        <p:nvPr/>
+      </p:nvGrpSpPr>
+      <p:grpSpPr>
+        <a:xfrm>
+          <a:off x="0" y="0"/>
+          <a:ext cx="0" cy="0"/>
+          <a:chOff x="0" y="0"/>
+          <a:chExt cx="0" cy="0"/>
+        </a:xfrm>
+      </p:grpSpPr>
+      <p:sp>
+        <p:nvSpPr>
+          <p:cNvPr id="5" name="Title 4">
+            <a:extLst>
+              <a:ext uri="{FF2B5EF4-FFF2-40B4-BE49-F238E27FC236}">
+                <a16:creationId xmlns:a16="http://schemas.microsoft.com/office/drawing/2014/main" id="{35A3FA78-F12D-48F5-9808-B274DAC57400}"/>
+              </a:ext>
+            </a:extLst>
+          </p:cNvPr>
+          <p:cNvSpPr>
+            <a:spLocks noGrp="1"/>
+          </p:cNvSpPr>
+          <p:nvPr>
+            <p:ph type="title"/>
+          </p:nvPr>
+        </p:nvSpPr>
+        <p:spPr/>
+        <p:txBody>
+          <a:bodyPr/>
+          <a:lstStyle/>
+          <a:p>
+            <a:r>
+              <a:rPr lang="en-US" dirty="0"/>
+              <a:t>Output window: Build</a:t>
+            </a:r>
+          </a:p>
+        </p:txBody>
+      </p:sp>
+      <p:sp>
+        <p:nvSpPr>
+          <p:cNvPr id="6" name="Content Placeholder 5">
+            <a:extLst>
+              <a:ext uri="{FF2B5EF4-FFF2-40B4-BE49-F238E27FC236}">
+                <a16:creationId xmlns:a16="http://schemas.microsoft.com/office/drawing/2014/main" id="{224910EA-2D46-4BF2-A586-34AA33F57B51}"/>
+              </a:ext>
+            </a:extLst>
+          </p:cNvPr>
+          <p:cNvSpPr>
+            <a:spLocks noGrp="1"/>
+          </p:cNvSpPr>
+          <p:nvPr>
+            <p:ph idx="1"/>
+          </p:nvPr>
+        </p:nvSpPr>
+        <p:spPr>
+          <a:xfrm>
+            <a:off x="838200" y="1532467"/>
+            <a:ext cx="10515600" cy="5232400"/>
+          </a:xfrm>
+        </p:spPr>
+        <p:txBody>
+          <a:bodyPr>
+            <a:normAutofit fontScale="47500" lnSpcReduction="20000"/>
+          </a:bodyPr>
+          <a:lstStyle/>
+          <a:p>
+            <a:pPr marL="0" indent="0">
+              <a:buNone/>
+            </a:pPr>
+            <a:r>
+              <a:rPr lang="en-US" dirty="0"/>
+              <a:t>docker build -f "C:\Projects\my\presentations\2019_VisualStudio-And-Docker\src\WebApplication\WebApplication\Dockerfile" -t </a:t>
+            </a:r>
+            <a:r>
+              <a:rPr lang="en-US" dirty="0" err="1"/>
+              <a:t>webapplication:dev</a:t>
+            </a:r>
+            <a:r>
+              <a:rPr lang="en-US" dirty="0"/>
+              <a:t> --target base  --label "</a:t>
+            </a:r>
+            <a:r>
+              <a:rPr lang="en-US" dirty="0" err="1"/>
+              <a:t>com.microsoft.created</a:t>
+            </a:r>
+            <a:r>
+              <a:rPr lang="en-US" dirty="0"/>
+              <a:t>-by=visual-studio" "C:\Projects\my\presentations\2019_VisualStudio-And-Docker\src\WebApplication"</a:t>
+            </a:r>
+          </a:p>
+          <a:p>
+            <a:pPr marL="0" indent="0">
+              <a:buNone/>
+            </a:pPr>
+            <a:r>
+              <a:rPr lang="en-US" dirty="0"/>
+              <a:t>Sending build context to Docker daemon  15.87kB</a:t>
+            </a:r>
+          </a:p>
+          <a:p>
+            <a:pPr marL="0" indent="0">
+              <a:buNone/>
+            </a:pPr>
+            <a:r>
+              <a:rPr lang="en-US" dirty="0"/>
+              <a:t>Step 1/4 : FROM </a:t>
+            </a:r>
+            <a:r>
+              <a:rPr lang="en-US" dirty="0" err="1"/>
+              <a:t>microsoft</a:t>
+            </a:r>
+            <a:r>
+              <a:rPr lang="en-US" dirty="0"/>
+              <a:t>/dotnet:2.2-aspnetcore-runtime AS base</a:t>
+            </a:r>
+          </a:p>
+          <a:p>
+            <a:pPr marL="0" indent="0">
+              <a:buNone/>
+            </a:pPr>
+            <a:r>
+              <a:rPr lang="en-US" dirty="0"/>
+              <a:t>---&gt; 41db56126a6d</a:t>
+            </a:r>
+          </a:p>
+          <a:p>
+            <a:pPr marL="0" indent="0">
+              <a:buNone/>
+            </a:pPr>
+            <a:r>
+              <a:rPr lang="en-US" dirty="0"/>
+              <a:t>Step 2/4 : WORKDIR /app</a:t>
+            </a:r>
+          </a:p>
+          <a:p>
+            <a:pPr marL="0" indent="0">
+              <a:buNone/>
+            </a:pPr>
+            <a:r>
+              <a:rPr lang="en-US" dirty="0"/>
+              <a:t> ---&gt; Using cache</a:t>
+            </a:r>
+          </a:p>
+          <a:p>
+            <a:pPr marL="0" indent="0">
+              <a:buNone/>
+            </a:pPr>
+            <a:r>
+              <a:rPr lang="en-US" dirty="0"/>
+              <a:t> ---&gt; 7e759ee3b751</a:t>
+            </a:r>
+          </a:p>
+          <a:p>
+            <a:pPr marL="0" indent="0">
+              <a:buNone/>
+            </a:pPr>
+            <a:r>
+              <a:rPr lang="en-US" dirty="0"/>
+              <a:t>Step 3/4 : EXPOSE 80</a:t>
+            </a:r>
+          </a:p>
+          <a:p>
+            <a:pPr marL="0" indent="0">
+              <a:buNone/>
+            </a:pPr>
+            <a:r>
+              <a:rPr lang="en-US" dirty="0"/>
+              <a:t> ---&gt; Using cache</a:t>
+            </a:r>
+          </a:p>
+          <a:p>
+            <a:pPr marL="0" indent="0">
+              <a:buNone/>
+            </a:pPr>
+            <a:r>
+              <a:rPr lang="en-US" dirty="0"/>
+              <a:t> ---&gt; 7038720edcae</a:t>
+            </a:r>
+          </a:p>
+          <a:p>
+            <a:pPr marL="0" indent="0">
+              <a:buNone/>
+            </a:pPr>
+            <a:r>
+              <a:rPr lang="en-US" dirty="0"/>
+              <a:t>Step 4/4 : LABEL </a:t>
+            </a:r>
+            <a:r>
+              <a:rPr lang="en-US" dirty="0" err="1"/>
+              <a:t>com.microsoft.created</a:t>
+            </a:r>
+            <a:r>
+              <a:rPr lang="en-US" dirty="0"/>
+              <a:t>-by=visual-studio</a:t>
+            </a:r>
+          </a:p>
+          <a:p>
+            <a:pPr marL="0" indent="0">
+              <a:buNone/>
+            </a:pPr>
+            <a:r>
+              <a:rPr lang="en-US" dirty="0"/>
+              <a:t> ---&gt; Using cache</a:t>
+            </a:r>
+          </a:p>
+          <a:p>
+            <a:pPr marL="0" indent="0">
+              <a:buNone/>
+            </a:pPr>
+            <a:r>
+              <a:rPr lang="en-US" dirty="0"/>
+              <a:t> ---&gt; e4a97a881e70</a:t>
+            </a:r>
+          </a:p>
+          <a:p>
+            <a:pPr marL="0" indent="0">
+              <a:buNone/>
+            </a:pPr>
+            <a:r>
+              <a:rPr lang="en-US" dirty="0"/>
+              <a:t>Successfully built e4a97a881e70</a:t>
+            </a:r>
+          </a:p>
+          <a:p>
+            <a:pPr marL="0" indent="0">
+              <a:buNone/>
+            </a:pPr>
+            <a:r>
+              <a:rPr lang="en-US" dirty="0"/>
+              <a:t>Successfully tagged </a:t>
+            </a:r>
+            <a:r>
+              <a:rPr lang="en-US" dirty="0" err="1"/>
+              <a:t>webapplication:dev</a:t>
+            </a:r>
+            <a:endParaRPr lang="en-US" dirty="0"/>
+          </a:p>
+          <a:p>
+            <a:pPr marL="0" indent="0">
+              <a:buNone/>
+            </a:pPr>
+            <a:r>
+              <a:rPr lang="en-US" dirty="0"/>
+              <a:t>docker run -dt -v "C:\Users\Aleksandr_Kugushev\vsdbg\vs2017u5:/remote_debugger:rw" -v "C:\Projects\my\presentations\2019_VisualStudio-And-Docker\src\WebApplication\WebApplication:/app" -v "C:\Users\Aleksandr_Kugushev\.nuget\packages\:/root/.nuget/fallbackpackages2" -v "C:\Program Files\dotnet\</a:t>
+            </a:r>
+            <a:r>
+              <a:rPr lang="en-US" dirty="0" err="1"/>
+              <a:t>sdk</a:t>
+            </a:r>
+            <a:r>
+              <a:rPr lang="en-US" dirty="0"/>
+              <a:t>\</a:t>
+            </a:r>
+            <a:r>
+              <a:rPr lang="en-US" dirty="0" err="1"/>
+              <a:t>NuGetFallbackFolder</a:t>
+            </a:r>
+            <a:r>
+              <a:rPr lang="en-US" dirty="0"/>
+              <a:t>:/root/.</a:t>
+            </a:r>
+            <a:r>
+              <a:rPr lang="en-US" dirty="0" err="1"/>
+              <a:t>nuget</a:t>
+            </a:r>
+            <a:r>
+              <a:rPr lang="en-US" dirty="0"/>
+              <a:t>/</a:t>
+            </a:r>
+            <a:r>
+              <a:rPr lang="en-US" dirty="0" err="1"/>
+              <a:t>fallbackpackages</a:t>
+            </a:r>
+            <a:r>
+              <a:rPr lang="en-US" dirty="0"/>
+              <a:t>" -e "DOTNET_USE_POLLING_FILE_WATCHER=1" -e "ASPNETCORE_ENVIRONMENT=Development" -e "NUGET_PACKAGES=/root/.</a:t>
+            </a:r>
+            <a:r>
+              <a:rPr lang="en-US" dirty="0" err="1"/>
+              <a:t>nuget</a:t>
+            </a:r>
+            <a:r>
+              <a:rPr lang="en-US" dirty="0"/>
+              <a:t>/fallbackpackages2" -e "NUGET_FALLBACK_PACKAGES=/root/.</a:t>
+            </a:r>
+            <a:r>
+              <a:rPr lang="en-US" dirty="0" err="1"/>
+              <a:t>nuget</a:t>
+            </a:r>
+            <a:r>
+              <a:rPr lang="en-US" dirty="0"/>
+              <a:t>/</a:t>
+            </a:r>
+            <a:r>
+              <a:rPr lang="en-US" dirty="0" err="1"/>
+              <a:t>fallbackpackages</a:t>
+            </a:r>
+            <a:r>
+              <a:rPr lang="en-US" dirty="0"/>
+              <a:t>;/root/.</a:t>
+            </a:r>
+            <a:r>
+              <a:rPr lang="en-US" dirty="0" err="1"/>
+              <a:t>nuget</a:t>
+            </a:r>
+            <a:r>
+              <a:rPr lang="en-US" dirty="0"/>
+              <a:t>/fallbackpackages2" -P --</a:t>
+            </a:r>
+            <a:r>
+              <a:rPr lang="en-US" dirty="0" err="1"/>
+              <a:t>entrypoint</a:t>
+            </a:r>
+            <a:r>
+              <a:rPr lang="en-US" dirty="0"/>
+              <a:t> tail </a:t>
+            </a:r>
+            <a:r>
+              <a:rPr lang="en-US" dirty="0" err="1"/>
+              <a:t>webapplication:dev</a:t>
+            </a:r>
+            <a:r>
+              <a:rPr lang="en-US" dirty="0"/>
+              <a:t> -f /dev/null</a:t>
+            </a:r>
+          </a:p>
+          <a:p>
+            <a:pPr marL="0" indent="0">
+              <a:buNone/>
+            </a:pPr>
+            <a:r>
+              <a:rPr lang="en-US" dirty="0"/>
+              <a:t>39f6ec93ea66536bdc4da5648c49a9acc408081cb1cd6a8cafdcced4ef5e4695</a:t>
+            </a:r>
+          </a:p>
+        </p:txBody>
+      </p:sp>
+    </p:spTree>
+    <p:extLst>
+      <p:ext uri="{BB962C8B-B14F-4D97-AF65-F5344CB8AC3E}">
+        <p14:creationId xmlns:p14="http://schemas.microsoft.com/office/powerpoint/2010/main" val="1627372157"/>
+      </p:ext>
+    </p:extLst>
+  </p:cSld>
+  <p:clrMapOvr>
+    <a:masterClrMapping/>
+  </p:clrMapOvr>
+</p:sld>
+</file>
+
+<file path=ppt/slides/slide16.xml><?xml version="1.0" encoding="utf-8"?>
+<p:sld xmlns:a="http://schemas.openxmlformats.org/drawingml/2006/main" xmlns:r="http://schemas.openxmlformats.org/officeDocument/2006/relationships" xmlns:p="http://schemas.openxmlformats.org/presentationml/2006/main">
+  <p:cSld>
+    <p:spTree>
+      <p:nvGrpSpPr>
+        <p:cNvPr id="1" name=""/>
+        <p:cNvGrpSpPr/>
+        <p:nvPr/>
+      </p:nvGrpSpPr>
+      <p:grpSpPr>
+        <a:xfrm>
+          <a:off x="0" y="0"/>
+          <a:ext cx="0" cy="0"/>
+          <a:chOff x="0" y="0"/>
+          <a:chExt cx="0" cy="0"/>
+        </a:xfrm>
+      </p:grpSpPr>
+      <p:sp>
+        <p:nvSpPr>
+          <p:cNvPr id="4" name="Title 3">
+            <a:extLst>
+              <a:ext uri="{FF2B5EF4-FFF2-40B4-BE49-F238E27FC236}">
+                <a16:creationId xmlns:a16="http://schemas.microsoft.com/office/drawing/2014/main" id="{EA7EBEEE-3E56-4120-997E-F447B1B84D5D}"/>
+              </a:ext>
+            </a:extLst>
+          </p:cNvPr>
+          <p:cNvSpPr>
+            <a:spLocks noGrp="1"/>
+          </p:cNvSpPr>
+          <p:nvPr>
+            <p:ph type="title"/>
+          </p:nvPr>
+        </p:nvSpPr>
+        <p:spPr/>
+        <p:txBody>
+          <a:bodyPr/>
+          <a:lstStyle/>
+          <a:p>
+            <a:r>
+              <a:rPr lang="ru-RU" dirty="0"/>
+              <a:t>Запускаем еще раз</a:t>
+            </a:r>
+            <a:endParaRPr lang="en-US" dirty="0"/>
+          </a:p>
+        </p:txBody>
+      </p:sp>
+      <p:sp>
+        <p:nvSpPr>
+          <p:cNvPr id="6" name="Content Placeholder 5">
+            <a:extLst>
+              <a:ext uri="{FF2B5EF4-FFF2-40B4-BE49-F238E27FC236}">
+                <a16:creationId xmlns:a16="http://schemas.microsoft.com/office/drawing/2014/main" id="{976EDA5C-E7ED-4A1D-ABE4-19DB23C18481}"/>
+              </a:ext>
+            </a:extLst>
+          </p:cNvPr>
+          <p:cNvSpPr>
+            <a:spLocks noGrp="1"/>
+          </p:cNvSpPr>
+          <p:nvPr>
+            <p:ph sz="half" idx="2"/>
+          </p:nvPr>
+        </p:nvSpPr>
+        <p:spPr>
+          <a:xfrm>
+            <a:off x="4659645" y="1825625"/>
+            <a:ext cx="6694155" cy="4351338"/>
+          </a:xfrm>
+        </p:spPr>
+        <p:txBody>
+          <a:bodyPr/>
+          <a:lstStyle/>
+          <a:p>
+            <a:r>
+              <a:rPr lang="ru-RU" dirty="0"/>
+              <a:t>Откуда этот порт?</a:t>
+            </a:r>
+          </a:p>
+          <a:p>
+            <a:r>
+              <a:rPr lang="ru-RU" dirty="0"/>
+              <a:t>Почему в контейнере</a:t>
+            </a:r>
+            <a:r>
+              <a:rPr lang="en-US" dirty="0"/>
+              <a:t> dev/null command?</a:t>
+            </a:r>
+          </a:p>
+          <a:p>
+            <a:r>
+              <a:rPr lang="ru-RU" dirty="0"/>
+              <a:t>Как оно вообще работает?</a:t>
+            </a:r>
+            <a:endParaRPr lang="en-US" dirty="0"/>
+          </a:p>
+        </p:txBody>
+      </p:sp>
+      <p:pic>
+        <p:nvPicPr>
+          <p:cNvPr id="8" name="Content Placeholder 7">
+            <a:extLst>
+              <a:ext uri="{FF2B5EF4-FFF2-40B4-BE49-F238E27FC236}">
+                <a16:creationId xmlns:a16="http://schemas.microsoft.com/office/drawing/2014/main" id="{356FC5C0-D6C4-49A3-819F-9E7F800B8BD3}"/>
+              </a:ext>
+            </a:extLst>
+          </p:cNvPr>
+          <p:cNvPicPr>
+            <a:picLocks noGrp="1" noChangeAspect="1"/>
+          </p:cNvPicPr>
+          <p:nvPr>
+            <p:ph sz="half" idx="1"/>
+          </p:nvPr>
+        </p:nvPicPr>
+        <p:blipFill>
+          <a:blip r:embed="rId2"/>
+          <a:stretch>
+            <a:fillRect/>
+          </a:stretch>
+        </p:blipFill>
+        <p:spPr>
+          <a:xfrm>
+            <a:off x="838200" y="1825624"/>
+            <a:ext cx="3821445" cy="3787775"/>
+          </a:xfrm>
+          <a:prstGeom prst="rect">
+            <a:avLst/>
+          </a:prstGeom>
+        </p:spPr>
+      </p:pic>
+    </p:spTree>
+    <p:extLst>
+      <p:ext uri="{BB962C8B-B14F-4D97-AF65-F5344CB8AC3E}">
+        <p14:creationId xmlns:p14="http://schemas.microsoft.com/office/powerpoint/2010/main" val="4055137805"/>
+      </p:ext>
+    </p:extLst>
+  </p:cSld>
+  <p:clrMapOvr>
+    <a:masterClrMapping/>
+  </p:clrMapOvr>
+  <p:timing>
+    <p:tnLst>
+      <p:par>
+        <p:cTn id="1" dur="indefinite" restart="never" nodeType="tmRoot">
+          <p:childTnLst>
+            <p:seq concurrent="1" nextAc="seek">
+              <p:cTn id="2" dur="indefinite" nodeType="mainSeq">
+                <p:childTnLst>
+                  <p:par>
+                    <p:cTn id="3" fill="hold">
+                      <p:stCondLst>
+                        <p:cond delay="indefinite"/>
+                      </p:stCondLst>
+                      <p:childTnLst>
+                        <p:par>
+                          <p:cTn id="4" fill="hold">
+                            <p:stCondLst>
+                              <p:cond delay="0"/>
+                            </p:stCondLst>
+                            <p:childTnLst>
+                              <p:par>
+                                <p:cTn id="5" presetID="1" presetClass="entr" presetSubtype="0" fill="hold" nodeType="clickEffect">
+                                  <p:stCondLst>
+                                    <p:cond delay="0"/>
+                                  </p:stCondLst>
+                                  <p:childTnLst>
+                                    <p:set>
+                                      <p:cBhvr>
+                                        <p:cTn id="6" dur="1" fill="hold">
+                                          <p:stCondLst>
+                                            <p:cond delay="0"/>
+                                          </p:stCondLst>
+                                        </p:cTn>
+                                        <p:tgtEl>
+                                          <p:spTgt spid="8"/>
+                                        </p:tgtEl>
+                                        <p:attrNameLst>
+                                          <p:attrName>style.visibility</p:attrName>
+                                        </p:attrNameLst>
+                                      </p:cBhvr>
+                                      <p:to>
+                                        <p:strVal val="visible"/>
+                                      </p:to>
+                                    </p:set>
+                                  </p:childTnLst>
+                                </p:cTn>
+                              </p:par>
+                            </p:childTnLst>
+                          </p:cTn>
+                        </p:par>
+                      </p:childTnLst>
+                    </p:cTn>
+                  </p:par>
+                  <p:par>
+                    <p:cTn id="7" fill="hold">
+                      <p:stCondLst>
+                        <p:cond delay="indefinite"/>
+                      </p:stCondLst>
+                      <p:childTnLst>
+                        <p:par>
+                          <p:cTn id="8" fill="hold">
+                            <p:stCondLst>
+                              <p:cond delay="0"/>
+                            </p:stCondLst>
+                            <p:childTnLst>
+                              <p:par>
+                                <p:cTn id="9" presetID="1" presetClass="entr" presetSubtype="0" fill="hold" grpId="0" nodeType="clickEffect">
+                                  <p:stCondLst>
+                                    <p:cond delay="0"/>
+                                  </p:stCondLst>
+                                  <p:childTnLst>
+                                    <p:set>
+                                      <p:cBhvr>
+                                        <p:cTn id="10" dur="1" fill="hold">
+                                          <p:stCondLst>
+                                            <p:cond delay="0"/>
+                                          </p:stCondLst>
+                                        </p:cTn>
+                                        <p:tgtEl>
+                                          <p:spTgt spid="6">
+                                            <p:txEl>
+                                              <p:pRg st="0" end="0"/>
+                                            </p:txEl>
+                                          </p:spTgt>
+                                        </p:tgtEl>
+                                        <p:attrNameLst>
+                                          <p:attrName>style.visibility</p:attrName>
+                                        </p:attrNameLst>
+                                      </p:cBhvr>
+                                      <p:to>
+                                        <p:strVal val="visible"/>
+                                      </p:to>
+                                    </p:set>
+                                  </p:childTnLst>
+                                </p:cTn>
+                              </p:par>
+                            </p:childTnLst>
+                          </p:cTn>
+                        </p:par>
+                      </p:childTnLst>
+                    </p:cTn>
+                  </p:par>
+                  <p:par>
+                    <p:cTn id="11" fill="hold">
+                      <p:stCondLst>
+                        <p:cond delay="indefinite"/>
+                      </p:stCondLst>
+                      <p:childTnLst>
+                        <p:par>
+                          <p:cTn id="12" fill="hold">
+                            <p:stCondLst>
+                              <p:cond delay="0"/>
+                            </p:stCondLst>
+                            <p:childTnLst>
+                              <p:par>
+                                <p:cTn id="13" presetID="1" presetClass="entr" presetSubtype="0" fill="hold" grpId="0" nodeType="clickEffect">
+                                  <p:stCondLst>
+                                    <p:cond delay="0"/>
+                                  </p:stCondLst>
+                                  <p:childTnLst>
+                                    <p:set>
+                                      <p:cBhvr>
+                                        <p:cTn id="14" dur="1" fill="hold">
+                                          <p:stCondLst>
+                                            <p:cond delay="0"/>
+                                          </p:stCondLst>
+                                        </p:cTn>
+                                        <p:tgtEl>
+                                          <p:spTgt spid="6">
+                                            <p:txEl>
+                                              <p:pRg st="1" end="1"/>
+                                            </p:txEl>
+                                          </p:spTgt>
+                                        </p:tgtEl>
+                                        <p:attrNameLst>
+                                          <p:attrName>style.visibility</p:attrName>
+                                        </p:attrNameLst>
+                                      </p:cBhvr>
+                                      <p:to>
+                                        <p:strVal val="visible"/>
+                                      </p:to>
+                                    </p:set>
+                                  </p:childTnLst>
+                                </p:cTn>
+                              </p:par>
+                            </p:childTnLst>
+                          </p:cTn>
+                        </p:par>
+                      </p:childTnLst>
+                    </p:cTn>
+                  </p:par>
+                  <p:par>
+                    <p:cTn id="15" fill="hold">
+                      <p:stCondLst>
+                        <p:cond delay="indefinite"/>
+                      </p:stCondLst>
+                      <p:childTnLst>
+                        <p:par>
+                          <p:cTn id="16" fill="hold">
+                            <p:stCondLst>
+                              <p:cond delay="0"/>
+                            </p:stCondLst>
+                            <p:childTnLst>
+                              <p:par>
+                                <p:cTn id="17" presetID="1" presetClass="entr" presetSubtype="0" fill="hold" grpId="0" nodeType="clickEffect">
+                                  <p:stCondLst>
+                                    <p:cond delay="0"/>
+                                  </p:stCondLst>
+                                  <p:childTnLst>
+                                    <p:set>
+                                      <p:cBhvr>
+                                        <p:cTn id="18" dur="1" fill="hold">
+                                          <p:stCondLst>
+                                            <p:cond delay="0"/>
+                                          </p:stCondLst>
+                                        </p:cTn>
+                                        <p:tgtEl>
+                                          <p:spTgt spid="6">
+                                            <p:txEl>
+                                              <p:pRg st="2" end="2"/>
+                                            </p:txEl>
+                                          </p:spTgt>
+                                        </p:tgtEl>
+                                        <p:attrNameLst>
+                                          <p:attrName>style.visibility</p:attrName>
+                                        </p:attrNameLst>
+                                      </p:cBhvr>
+                                      <p:to>
+                                        <p:strVal val="visible"/>
+                                      </p:to>
+                                    </p:set>
+                                  </p:childTnLst>
+                                </p:cTn>
+                              </p:par>
+                            </p:childTnLst>
+                          </p:cTn>
+                        </p:par>
+                      </p:childTnLst>
+                    </p:cTn>
+                  </p:par>
+                </p:childTnLst>
+              </p:cTn>
+              <p:prevCondLst>
+                <p:cond evt="onPrev" delay="0">
+                  <p:tgtEl>
+                    <p:sldTgt/>
+                  </p:tgtEl>
+                </p:cond>
+              </p:prevCondLst>
+              <p:nextCondLst>
+                <p:cond evt="onNext" delay="0">
+                  <p:tgtEl>
+                    <p:sldTgt/>
+                  </p:tgtEl>
+                </p:cond>
+              </p:nextCondLst>
+            </p:seq>
+          </p:childTnLst>
+        </p:cTn>
+      </p:par>
+    </p:tnLst>
+    <p:bldLst>
+      <p:bldP spid="6" grpId="0" build="p"/>
+    </p:bldLst>
+  </p:timing>
+</p:sld>
+</file>
+
+<file path=ppt/slides/slide2.xml><?xml version="1.0" encoding="utf-8"?>
+<p:sld xmlns:a="http://schemas.openxmlformats.org/drawingml/2006/main" xmlns:r="http://schemas.openxmlformats.org/officeDocument/2006/relationships" xmlns:p="http://schemas.openxmlformats.org/presentationml/2006/main">
+  <p:cSld>
+    <p:bg>
+      <p:bgPr>
+        <a:solidFill>
+          <a:schemeClr val="bg1"/>
+        </a:solidFill>
+        <a:effectLst/>
+      </p:bgPr>
+    </p:bg>
+    <p:spTree>
+      <p:nvGrpSpPr>
+        <p:cNvPr id="1" name=""/>
+        <p:cNvGrpSpPr/>
+        <p:nvPr/>
+      </p:nvGrpSpPr>
+      <p:grpSpPr>
+        <a:xfrm>
+          <a:off x="0" y="0"/>
+          <a:ext cx="0" cy="0"/>
+          <a:chOff x="0" y="0"/>
+          <a:chExt cx="0" cy="0"/>
+        </a:xfrm>
+      </p:grpSpPr>
+      <p:pic>
+        <p:nvPicPr>
+          <p:cNvPr id="4" name="Content Placeholder 3" descr="A screenshot of a cell phone&#10;&#10;Description automatically generated">
+            <a:extLst>
+              <a:ext uri="{FF2B5EF4-FFF2-40B4-BE49-F238E27FC236}">
+                <a16:creationId xmlns:a16="http://schemas.microsoft.com/office/drawing/2014/main" id="{E35516DD-E590-4534-A135-598A09DD8D76}"/>
+              </a:ext>
+            </a:extLst>
+          </p:cNvPr>
+          <p:cNvPicPr>
+            <a:picLocks noGrp="1" noChangeAspect="1"/>
+          </p:cNvPicPr>
+          <p:nvPr>
+            <p:ph idx="1"/>
+          </p:nvPr>
+        </p:nvPicPr>
+        <p:blipFill>
+          <a:blip r:embed="rId2"/>
+          <a:stretch>
+            <a:fillRect/>
+          </a:stretch>
+        </p:blipFill>
+        <p:spPr>
+          <a:xfrm>
+            <a:off x="2136815" y="643466"/>
+            <a:ext cx="7918370" cy="5571067"/>
+          </a:xfrm>
+          <a:prstGeom prst="rect">
+            <a:avLst/>
+          </a:prstGeom>
+        </p:spPr>
+      </p:pic>
+    </p:spTree>
+    <p:extLst>
+      <p:ext uri="{BB962C8B-B14F-4D97-AF65-F5344CB8AC3E}">
+        <p14:creationId xmlns:p14="http://schemas.microsoft.com/office/powerpoint/2010/main" val="2831292814"/>
+      </p:ext>
+    </p:extLst>
+  </p:cSld>
+  <p:clrMapOvr>
+    <a:masterClrMapping/>
+  </p:clrMapOvr>
+</p:sld>
+</file>
+
+<file path=ppt/slides/slide3.xml><?xml version="1.0" encoding="utf-8"?>
 <p:sld xmlns:a="http://schemas.openxmlformats.org/drawingml/2006/main" xmlns:r="http://schemas.openxmlformats.org/officeDocument/2006/relationships" xmlns:p="http://schemas.openxmlformats.org/presentationml/2006/main">
   <p:cSld>
     <p:spTree>
@@ -7962,7 +10904,7 @@
 </p:sld>
 </file>
 
-<file path=ppt/slides/slide5.xml><?xml version="1.0" encoding="utf-8"?>
+<file path=ppt/slides/slide4.xml><?xml version="1.0" encoding="utf-8"?>
 <p:sld xmlns:a="http://schemas.openxmlformats.org/drawingml/2006/main" xmlns:r="http://schemas.openxmlformats.org/officeDocument/2006/relationships" xmlns:p="http://schemas.openxmlformats.org/presentationml/2006/main">
   <p:cSld>
     <p:spTree>
@@ -8026,13 +10968,13 @@
         </p:nvSpPr>
         <p:spPr>
           <a:xfrm>
-            <a:off x="838200" y="1432560"/>
-            <a:ext cx="10515600" cy="5425440"/>
+            <a:off x="838199" y="1769533"/>
+            <a:ext cx="11015133" cy="4275667"/>
           </a:xfrm>
         </p:spPr>
         <p:txBody>
           <a:bodyPr>
-            <a:normAutofit fontScale="62500" lnSpcReduction="20000"/>
+            <a:normAutofit fontScale="92500" lnSpcReduction="10000"/>
           </a:bodyPr>
           <a:lstStyle/>
           <a:p>
@@ -8056,402 +10998,11 @@
             <a:r>
               <a:rPr lang="en-US" dirty="0">
                 <a:solidFill>
-                  <a:srgbClr val="000000"/>
-                </a:solidFill>
-                <a:latin typeface="Consolas" panose="020B0609020204030204" pitchFamily="49" charset="0"/>
-              </a:rPr>
-              <a:t>  </a:t>
-            </a:r>
-            <a:r>
-              <a:rPr lang="en-US" dirty="0">
-                <a:solidFill>
                   <a:srgbClr val="2E75B6"/>
                 </a:solidFill>
                 <a:latin typeface="Consolas" panose="020B0609020204030204" pitchFamily="49" charset="0"/>
               </a:rPr>
-              <a:t>"</a:t>
-            </a:r>
-            <a:r>
-              <a:rPr lang="en-US" dirty="0" err="1">
-                <a:solidFill>
-                  <a:srgbClr val="2E75B6"/>
-                </a:solidFill>
-                <a:latin typeface="Consolas" panose="020B0609020204030204" pitchFamily="49" charset="0"/>
-              </a:rPr>
-              <a:t>iisSettings</a:t>
-            </a:r>
-            <a:r>
-              <a:rPr lang="en-US" dirty="0">
-                <a:solidFill>
-                  <a:srgbClr val="2E75B6"/>
-                </a:solidFill>
-                <a:latin typeface="Consolas" panose="020B0609020204030204" pitchFamily="49" charset="0"/>
-              </a:rPr>
-              <a:t>"</a:t>
-            </a:r>
-            <a:r>
-              <a:rPr lang="en-US" dirty="0">
-                <a:solidFill>
-                  <a:srgbClr val="000000"/>
-                </a:solidFill>
-                <a:latin typeface="Consolas" panose="020B0609020204030204" pitchFamily="49" charset="0"/>
-              </a:rPr>
-              <a:t>: {</a:t>
-            </a:r>
-          </a:p>
-          <a:p>
-            <a:pPr marL="0" indent="0">
-              <a:buNone/>
-            </a:pPr>
-            <a:r>
-              <a:rPr lang="en-US" dirty="0">
-                <a:solidFill>
-                  <a:srgbClr val="000000"/>
-                </a:solidFill>
-                <a:latin typeface="Consolas" panose="020B0609020204030204" pitchFamily="49" charset="0"/>
-              </a:rPr>
-              <a:t>    </a:t>
-            </a:r>
-            <a:r>
-              <a:rPr lang="en-US" dirty="0">
-                <a:solidFill>
-                  <a:srgbClr val="2E75B6"/>
-                </a:solidFill>
-                <a:latin typeface="Consolas" panose="020B0609020204030204" pitchFamily="49" charset="0"/>
-              </a:rPr>
-              <a:t>"</a:t>
-            </a:r>
-            <a:r>
-              <a:rPr lang="en-US" dirty="0" err="1">
-                <a:solidFill>
-                  <a:srgbClr val="2E75B6"/>
-                </a:solidFill>
-                <a:latin typeface="Consolas" panose="020B0609020204030204" pitchFamily="49" charset="0"/>
-              </a:rPr>
-              <a:t>windowsAuthentication</a:t>
-            </a:r>
-            <a:r>
-              <a:rPr lang="en-US" dirty="0">
-                <a:solidFill>
-                  <a:srgbClr val="2E75B6"/>
-                </a:solidFill>
-                <a:latin typeface="Consolas" panose="020B0609020204030204" pitchFamily="49" charset="0"/>
-              </a:rPr>
-              <a:t>"</a:t>
-            </a:r>
-            <a:r>
-              <a:rPr lang="en-US" dirty="0">
-                <a:solidFill>
-                  <a:srgbClr val="000000"/>
-                </a:solidFill>
-                <a:latin typeface="Consolas" panose="020B0609020204030204" pitchFamily="49" charset="0"/>
-              </a:rPr>
-              <a:t>: </a:t>
-            </a:r>
-            <a:r>
-              <a:rPr lang="en-US" dirty="0">
-                <a:solidFill>
-                  <a:srgbClr val="0000FF"/>
-                </a:solidFill>
-                <a:latin typeface="Consolas" panose="020B0609020204030204" pitchFamily="49" charset="0"/>
-              </a:rPr>
-              <a:t>false</a:t>
-            </a:r>
-            <a:r>
-              <a:rPr lang="en-US" dirty="0">
-                <a:solidFill>
-                  <a:srgbClr val="000000"/>
-                </a:solidFill>
-                <a:latin typeface="Consolas" panose="020B0609020204030204" pitchFamily="49" charset="0"/>
-              </a:rPr>
-              <a:t>,</a:t>
-            </a:r>
-          </a:p>
-          <a:p>
-            <a:pPr marL="0" indent="0">
-              <a:buNone/>
-            </a:pPr>
-            <a:r>
-              <a:rPr lang="en-US" dirty="0">
-                <a:solidFill>
-                  <a:srgbClr val="000000"/>
-                </a:solidFill>
-                <a:latin typeface="Consolas" panose="020B0609020204030204" pitchFamily="49" charset="0"/>
-              </a:rPr>
-              <a:t>    </a:t>
-            </a:r>
-            <a:r>
-              <a:rPr lang="en-US" dirty="0">
-                <a:solidFill>
-                  <a:srgbClr val="2E75B6"/>
-                </a:solidFill>
-                <a:latin typeface="Consolas" panose="020B0609020204030204" pitchFamily="49" charset="0"/>
-              </a:rPr>
-              <a:t>"</a:t>
-            </a:r>
-            <a:r>
-              <a:rPr lang="en-US" dirty="0" err="1">
-                <a:solidFill>
-                  <a:srgbClr val="2E75B6"/>
-                </a:solidFill>
-                <a:latin typeface="Consolas" panose="020B0609020204030204" pitchFamily="49" charset="0"/>
-              </a:rPr>
-              <a:t>anonymousAuthentication</a:t>
-            </a:r>
-            <a:r>
-              <a:rPr lang="en-US" dirty="0">
-                <a:solidFill>
-                  <a:srgbClr val="2E75B6"/>
-                </a:solidFill>
-                <a:latin typeface="Consolas" panose="020B0609020204030204" pitchFamily="49" charset="0"/>
-              </a:rPr>
-              <a:t>"</a:t>
-            </a:r>
-            <a:r>
-              <a:rPr lang="en-US" dirty="0">
-                <a:solidFill>
-                  <a:srgbClr val="000000"/>
-                </a:solidFill>
-                <a:latin typeface="Consolas" panose="020B0609020204030204" pitchFamily="49" charset="0"/>
-              </a:rPr>
-              <a:t>: </a:t>
-            </a:r>
-            <a:r>
-              <a:rPr lang="en-US" dirty="0">
-                <a:solidFill>
-                  <a:srgbClr val="0000FF"/>
-                </a:solidFill>
-                <a:latin typeface="Consolas" panose="020B0609020204030204" pitchFamily="49" charset="0"/>
-              </a:rPr>
-              <a:t>true</a:t>
-            </a:r>
-            <a:r>
-              <a:rPr lang="en-US" dirty="0">
-                <a:solidFill>
-                  <a:srgbClr val="000000"/>
-                </a:solidFill>
-                <a:latin typeface="Consolas" panose="020B0609020204030204" pitchFamily="49" charset="0"/>
-              </a:rPr>
-              <a:t>,</a:t>
-            </a:r>
-          </a:p>
-          <a:p>
-            <a:pPr marL="0" indent="0">
-              <a:buNone/>
-            </a:pPr>
-            <a:r>
-              <a:rPr lang="en-US" dirty="0">
-                <a:solidFill>
-                  <a:srgbClr val="000000"/>
-                </a:solidFill>
-                <a:latin typeface="Consolas" panose="020B0609020204030204" pitchFamily="49" charset="0"/>
-              </a:rPr>
-              <a:t>    </a:t>
-            </a:r>
-            <a:r>
-              <a:rPr lang="en-US" dirty="0">
-                <a:solidFill>
-                  <a:srgbClr val="2E75B6"/>
-                </a:solidFill>
-                <a:latin typeface="Consolas" panose="020B0609020204030204" pitchFamily="49" charset="0"/>
-              </a:rPr>
-              <a:t>"</a:t>
-            </a:r>
-            <a:r>
-              <a:rPr lang="en-US" dirty="0" err="1">
-                <a:solidFill>
-                  <a:srgbClr val="2E75B6"/>
-                </a:solidFill>
-                <a:latin typeface="Consolas" panose="020B0609020204030204" pitchFamily="49" charset="0"/>
-              </a:rPr>
-              <a:t>iisExpress</a:t>
-            </a:r>
-            <a:r>
-              <a:rPr lang="en-US" dirty="0">
-                <a:solidFill>
-                  <a:srgbClr val="2E75B6"/>
-                </a:solidFill>
-                <a:latin typeface="Consolas" panose="020B0609020204030204" pitchFamily="49" charset="0"/>
-              </a:rPr>
-              <a:t>"</a:t>
-            </a:r>
-            <a:r>
-              <a:rPr lang="en-US" dirty="0">
-                <a:solidFill>
-                  <a:srgbClr val="000000"/>
-                </a:solidFill>
-                <a:latin typeface="Consolas" panose="020B0609020204030204" pitchFamily="49" charset="0"/>
-              </a:rPr>
-              <a:t>: {</a:t>
-            </a:r>
-          </a:p>
-          <a:p>
-            <a:pPr marL="0" indent="0">
-              <a:buNone/>
-            </a:pPr>
-            <a:r>
-              <a:rPr lang="en-US" dirty="0">
-                <a:solidFill>
-                  <a:srgbClr val="000000"/>
-                </a:solidFill>
-                <a:latin typeface="Consolas" panose="020B0609020204030204" pitchFamily="49" charset="0"/>
-              </a:rPr>
-              <a:t>      </a:t>
-            </a:r>
-            <a:r>
-              <a:rPr lang="en-US" dirty="0">
-                <a:solidFill>
-                  <a:srgbClr val="2E75B6"/>
-                </a:solidFill>
-                <a:latin typeface="Consolas" panose="020B0609020204030204" pitchFamily="49" charset="0"/>
-              </a:rPr>
-              <a:t>"</a:t>
-            </a:r>
-            <a:r>
-              <a:rPr lang="en-US" dirty="0" err="1">
-                <a:solidFill>
-                  <a:srgbClr val="2E75B6"/>
-                </a:solidFill>
-                <a:latin typeface="Consolas" panose="020B0609020204030204" pitchFamily="49" charset="0"/>
-              </a:rPr>
-              <a:t>applicationUrl</a:t>
-            </a:r>
-            <a:r>
-              <a:rPr lang="en-US" dirty="0">
-                <a:solidFill>
-                  <a:srgbClr val="2E75B6"/>
-                </a:solidFill>
-                <a:latin typeface="Consolas" panose="020B0609020204030204" pitchFamily="49" charset="0"/>
-              </a:rPr>
-              <a:t>"</a:t>
-            </a:r>
-            <a:r>
-              <a:rPr lang="en-US" dirty="0">
-                <a:solidFill>
-                  <a:srgbClr val="000000"/>
-                </a:solidFill>
-                <a:latin typeface="Consolas" panose="020B0609020204030204" pitchFamily="49" charset="0"/>
-              </a:rPr>
-              <a:t>: </a:t>
-            </a:r>
-            <a:r>
-              <a:rPr lang="en-US" dirty="0">
-                <a:solidFill>
-                  <a:srgbClr val="A31515"/>
-                </a:solidFill>
-                <a:latin typeface="Consolas" panose="020B0609020204030204" pitchFamily="49" charset="0"/>
-              </a:rPr>
-              <a:t>"http://localhost:50517"</a:t>
-            </a:r>
-            <a:r>
-              <a:rPr lang="en-US" dirty="0">
-                <a:solidFill>
-                  <a:srgbClr val="000000"/>
-                </a:solidFill>
-                <a:latin typeface="Consolas" panose="020B0609020204030204" pitchFamily="49" charset="0"/>
-              </a:rPr>
-              <a:t>,</a:t>
-            </a:r>
-          </a:p>
-          <a:p>
-            <a:pPr marL="0" indent="0">
-              <a:buNone/>
-            </a:pPr>
-            <a:r>
-              <a:rPr lang="en-US" dirty="0">
-                <a:solidFill>
-                  <a:srgbClr val="000000"/>
-                </a:solidFill>
-                <a:latin typeface="Consolas" panose="020B0609020204030204" pitchFamily="49" charset="0"/>
-              </a:rPr>
-              <a:t>      </a:t>
-            </a:r>
-            <a:r>
-              <a:rPr lang="en-US" dirty="0">
-                <a:solidFill>
-                  <a:srgbClr val="2E75B6"/>
-                </a:solidFill>
-                <a:latin typeface="Consolas" panose="020B0609020204030204" pitchFamily="49" charset="0"/>
-              </a:rPr>
-              <a:t>"</a:t>
-            </a:r>
-            <a:r>
-              <a:rPr lang="en-US" dirty="0" err="1">
-                <a:solidFill>
-                  <a:srgbClr val="2E75B6"/>
-                </a:solidFill>
-                <a:latin typeface="Consolas" panose="020B0609020204030204" pitchFamily="49" charset="0"/>
-              </a:rPr>
-              <a:t>sslPort</a:t>
-            </a:r>
-            <a:r>
-              <a:rPr lang="en-US" dirty="0">
-                <a:solidFill>
-                  <a:srgbClr val="2E75B6"/>
-                </a:solidFill>
-                <a:latin typeface="Consolas" panose="020B0609020204030204" pitchFamily="49" charset="0"/>
-              </a:rPr>
-              <a:t>"</a:t>
-            </a:r>
-            <a:r>
-              <a:rPr lang="en-US" dirty="0">
-                <a:solidFill>
-                  <a:srgbClr val="000000"/>
-                </a:solidFill>
-                <a:latin typeface="Consolas" panose="020B0609020204030204" pitchFamily="49" charset="0"/>
-              </a:rPr>
-              <a:t>: 0</a:t>
-            </a:r>
-          </a:p>
-          <a:p>
-            <a:pPr marL="0" indent="0">
-              <a:buNone/>
-            </a:pPr>
-            <a:r>
-              <a:rPr lang="en-US" dirty="0">
-                <a:solidFill>
-                  <a:srgbClr val="000000"/>
-                </a:solidFill>
-                <a:latin typeface="Consolas" panose="020B0609020204030204" pitchFamily="49" charset="0"/>
-              </a:rPr>
-              <a:t>    }</a:t>
-            </a:r>
-          </a:p>
-          <a:p>
-            <a:pPr marL="0" indent="0">
-              <a:buNone/>
-            </a:pPr>
-            <a:r>
-              <a:rPr lang="en-US" dirty="0">
-                <a:solidFill>
-                  <a:srgbClr val="000000"/>
-                </a:solidFill>
-                <a:latin typeface="Consolas" panose="020B0609020204030204" pitchFamily="49" charset="0"/>
-              </a:rPr>
-              <a:t>  },</a:t>
-            </a:r>
-          </a:p>
-          <a:p>
-            <a:pPr marL="0" indent="0">
-              <a:buNone/>
-            </a:pPr>
-            <a:r>
-              <a:rPr lang="en-US" dirty="0">
-                <a:solidFill>
-                  <a:srgbClr val="000000"/>
-                </a:solidFill>
-                <a:latin typeface="Consolas" panose="020B0609020204030204" pitchFamily="49" charset="0"/>
-              </a:rPr>
-              <a:t>  </a:t>
-            </a:r>
-            <a:r>
-              <a:rPr lang="en-US" dirty="0">
-                <a:solidFill>
-                  <a:srgbClr val="2E75B6"/>
-                </a:solidFill>
-                <a:latin typeface="Consolas" panose="020B0609020204030204" pitchFamily="49" charset="0"/>
-              </a:rPr>
-              <a:t>"profiles"</a:t>
+              <a:t> "profiles"</a:t>
             </a:r>
             <a:r>
               <a:rPr lang="en-US" dirty="0">
@@ -8781,6 +11332,3908 @@
     <p:extLst>
       <p:ext uri="{BB962C8B-B14F-4D97-AF65-F5344CB8AC3E}">
         <p14:creationId xmlns:p14="http://schemas.microsoft.com/office/powerpoint/2010/main" val="3377292995"/>
+      </p:ext>
+    </p:extLst>
+  </p:cSld>
+  <p:clrMapOvr>
+    <a:masterClrMapping/>
+  </p:clrMapOvr>
+</p:sld>
+</file>
+
+<file path=ppt/slides/slide5.xml><?xml version="1.0" encoding="utf-8"?>
+<p:sld xmlns:a="http://schemas.openxmlformats.org/drawingml/2006/main" xmlns:r="http://schemas.openxmlformats.org/officeDocument/2006/relationships" xmlns:p="http://schemas.openxmlformats.org/presentationml/2006/main">
+  <p:cSld>
+    <p:spTree>
+      <p:nvGrpSpPr>
+        <p:cNvPr id="1" name=""/>
+        <p:cNvGrpSpPr/>
+        <p:nvPr/>
+      </p:nvGrpSpPr>
+      <p:grpSpPr>
+        <a:xfrm>
+          <a:off x="0" y="0"/>
+          <a:ext cx="0" cy="0"/>
+          <a:chOff x="0" y="0"/>
+          <a:chExt cx="0" cy="0"/>
+        </a:xfrm>
+      </p:grpSpPr>
+      <p:sp>
+        <p:nvSpPr>
+          <p:cNvPr id="2" name="Title 1">
+            <a:extLst>
+              <a:ext uri="{FF2B5EF4-FFF2-40B4-BE49-F238E27FC236}">
+                <a16:creationId xmlns:a16="http://schemas.microsoft.com/office/drawing/2014/main" id="{8F167E3B-E394-4917-A14C-99BCA28F623B}"/>
+              </a:ext>
+            </a:extLst>
+          </p:cNvPr>
+          <p:cNvSpPr>
+            <a:spLocks noGrp="1"/>
+          </p:cNvSpPr>
+          <p:nvPr>
+            <p:ph type="title"/>
+          </p:nvPr>
+        </p:nvSpPr>
+        <p:spPr/>
+        <p:txBody>
+          <a:bodyPr/>
+          <a:lstStyle/>
+          <a:p>
+            <a:r>
+              <a:rPr lang="en-US" dirty="0" err="1"/>
+              <a:t>Dockerfile</a:t>
+            </a:r>
+            <a:endParaRPr lang="en-US" dirty="0"/>
+          </a:p>
+        </p:txBody>
+      </p:sp>
+      <p:sp>
+        <p:nvSpPr>
+          <p:cNvPr id="3" name="Content Placeholder 2">
+            <a:extLst>
+              <a:ext uri="{FF2B5EF4-FFF2-40B4-BE49-F238E27FC236}">
+                <a16:creationId xmlns:a16="http://schemas.microsoft.com/office/drawing/2014/main" id="{27B9B04F-C90A-448F-962D-F458CB48CE32}"/>
+              </a:ext>
+            </a:extLst>
+          </p:cNvPr>
+          <p:cNvSpPr>
+            <a:spLocks noGrp="1"/>
+          </p:cNvSpPr>
+          <p:nvPr>
+            <p:ph idx="1"/>
+          </p:nvPr>
+        </p:nvSpPr>
+        <p:spPr/>
+        <p:txBody>
+          <a:bodyPr>
+            <a:normAutofit fontScale="32500" lnSpcReduction="20000"/>
+          </a:bodyPr>
+          <a:lstStyle/>
+          <a:p>
+            <a:pPr marL="0" indent="0">
+              <a:buNone/>
+            </a:pPr>
+            <a:r>
+              <a:rPr lang="en-US" dirty="0">
+                <a:solidFill>
+                  <a:srgbClr val="0000FF"/>
+                </a:solidFill>
+                <a:latin typeface="Consolas" panose="020B0609020204030204" pitchFamily="49" charset="0"/>
+              </a:rPr>
+              <a:t>FROM</a:t>
+            </a:r>
+            <a:r>
+              <a:rPr lang="en-US" dirty="0">
+                <a:solidFill>
+                  <a:srgbClr val="000000"/>
+                </a:solidFill>
+                <a:latin typeface="Consolas" panose="020B0609020204030204" pitchFamily="49" charset="0"/>
+              </a:rPr>
+              <a:t> </a:t>
+            </a:r>
+            <a:r>
+              <a:rPr lang="en-US" dirty="0" err="1">
+                <a:solidFill>
+                  <a:srgbClr val="000000"/>
+                </a:solidFill>
+                <a:latin typeface="Consolas" panose="020B0609020204030204" pitchFamily="49" charset="0"/>
+              </a:rPr>
+              <a:t>microsoft</a:t>
+            </a:r>
+            <a:r>
+              <a:rPr lang="en-US" dirty="0">
+                <a:solidFill>
+                  <a:srgbClr val="000000"/>
+                </a:solidFill>
+                <a:latin typeface="Consolas" panose="020B0609020204030204" pitchFamily="49" charset="0"/>
+              </a:rPr>
+              <a:t>/dotnet:2.2-aspnetcore-runtime AS base</a:t>
+            </a:r>
+          </a:p>
+          <a:p>
+            <a:pPr marL="0" indent="0">
+              <a:buNone/>
+            </a:pPr>
+            <a:r>
+              <a:rPr lang="en-US" dirty="0">
+                <a:solidFill>
+                  <a:srgbClr val="000000"/>
+                </a:solidFill>
+                <a:latin typeface="Consolas" panose="020B0609020204030204" pitchFamily="49" charset="0"/>
+              </a:rPr>
+              <a:t>WORKDIR /app</a:t>
+            </a:r>
+          </a:p>
+          <a:p>
+            <a:pPr marL="0" indent="0">
+              <a:buNone/>
+            </a:pPr>
+            <a:r>
+              <a:rPr lang="en-US" dirty="0">
+                <a:solidFill>
+                  <a:srgbClr val="000000"/>
+                </a:solidFill>
+                <a:latin typeface="Consolas" panose="020B0609020204030204" pitchFamily="49" charset="0"/>
+              </a:rPr>
+              <a:t>EXPOSE 80</a:t>
+            </a:r>
+          </a:p>
+          <a:p>
+            <a:pPr marL="0" indent="0">
+              <a:buNone/>
+            </a:pPr>
+            <a:endParaRPr lang="en-US" dirty="0">
+              <a:solidFill>
+                <a:srgbClr val="000000"/>
+              </a:solidFill>
+              <a:latin typeface="Consolas" panose="020B0609020204030204" pitchFamily="49" charset="0"/>
+            </a:endParaRPr>
+          </a:p>
+          <a:p>
+            <a:pPr marL="0" indent="0">
+              <a:buNone/>
+            </a:pPr>
+            <a:r>
+              <a:rPr lang="en-US" dirty="0">
+                <a:solidFill>
+                  <a:srgbClr val="000000"/>
+                </a:solidFill>
+                <a:latin typeface="Consolas" panose="020B0609020204030204" pitchFamily="49" charset="0"/>
+              </a:rPr>
+              <a:t>FROM </a:t>
+            </a:r>
+            <a:r>
+              <a:rPr lang="en-US" dirty="0" err="1">
+                <a:solidFill>
+                  <a:srgbClr val="000000"/>
+                </a:solidFill>
+                <a:latin typeface="Consolas" panose="020B0609020204030204" pitchFamily="49" charset="0"/>
+              </a:rPr>
+              <a:t>microsoft</a:t>
+            </a:r>
+            <a:r>
+              <a:rPr lang="en-US" dirty="0">
+                <a:solidFill>
+                  <a:srgbClr val="000000"/>
+                </a:solidFill>
+                <a:latin typeface="Consolas" panose="020B0609020204030204" pitchFamily="49" charset="0"/>
+              </a:rPr>
+              <a:t>/dotnet:2.2-sdk AS build</a:t>
+            </a:r>
+          </a:p>
+          <a:p>
+            <a:pPr marL="0" indent="0">
+              <a:buNone/>
+            </a:pPr>
+            <a:r>
+              <a:rPr lang="en-US" dirty="0">
+                <a:solidFill>
+                  <a:srgbClr val="000000"/>
+                </a:solidFill>
+                <a:latin typeface="Consolas" panose="020B0609020204030204" pitchFamily="49" charset="0"/>
+              </a:rPr>
+              <a:t>WORKDIR /</a:t>
+            </a:r>
+            <a:r>
+              <a:rPr lang="en-US" dirty="0" err="1">
+                <a:solidFill>
+                  <a:srgbClr val="000000"/>
+                </a:solidFill>
+                <a:latin typeface="Consolas" panose="020B0609020204030204" pitchFamily="49" charset="0"/>
+              </a:rPr>
+              <a:t>src</a:t>
+            </a:r>
+            <a:endParaRPr lang="en-US" dirty="0">
+              <a:solidFill>
+                <a:srgbClr val="000000"/>
+              </a:solidFill>
+              <a:latin typeface="Consolas" panose="020B0609020204030204" pitchFamily="49" charset="0"/>
+            </a:endParaRPr>
+          </a:p>
+          <a:p>
+            <a:pPr marL="0" indent="0">
+              <a:buNone/>
+            </a:pPr>
+            <a:r>
+              <a:rPr lang="en-US" dirty="0">
+                <a:solidFill>
+                  <a:srgbClr val="000000"/>
+                </a:solidFill>
+                <a:latin typeface="Consolas" panose="020B0609020204030204" pitchFamily="49" charset="0"/>
+              </a:rPr>
+              <a:t>COPY [</a:t>
+            </a:r>
+            <a:r>
+              <a:rPr lang="en-US" dirty="0">
+                <a:solidFill>
+                  <a:srgbClr val="A31515"/>
+                </a:solidFill>
+                <a:latin typeface="Consolas" panose="020B0609020204030204" pitchFamily="49" charset="0"/>
+              </a:rPr>
+              <a:t>"</a:t>
+            </a:r>
+            <a:r>
+              <a:rPr lang="en-US" dirty="0" err="1">
+                <a:solidFill>
+                  <a:srgbClr val="A31515"/>
+                </a:solidFill>
+                <a:latin typeface="Consolas" panose="020B0609020204030204" pitchFamily="49" charset="0"/>
+              </a:rPr>
+              <a:t>WebApplication</a:t>
+            </a:r>
+            <a:r>
+              <a:rPr lang="en-US" dirty="0">
+                <a:solidFill>
+                  <a:srgbClr val="A31515"/>
+                </a:solidFill>
+                <a:latin typeface="Consolas" panose="020B0609020204030204" pitchFamily="49" charset="0"/>
+              </a:rPr>
+              <a:t>/</a:t>
+            </a:r>
+            <a:r>
+              <a:rPr lang="en-US" dirty="0" err="1">
+                <a:solidFill>
+                  <a:srgbClr val="A31515"/>
+                </a:solidFill>
+                <a:latin typeface="Consolas" panose="020B0609020204030204" pitchFamily="49" charset="0"/>
+              </a:rPr>
+              <a:t>WebApplication.csproj</a:t>
+            </a:r>
+            <a:r>
+              <a:rPr lang="en-US" dirty="0">
+                <a:solidFill>
+                  <a:srgbClr val="A31515"/>
+                </a:solidFill>
+                <a:latin typeface="Consolas" panose="020B0609020204030204" pitchFamily="49" charset="0"/>
+              </a:rPr>
+              <a:t>"</a:t>
+            </a:r>
+            <a:r>
+              <a:rPr lang="en-US" dirty="0">
+                <a:solidFill>
+                  <a:srgbClr val="000000"/>
+                </a:solidFill>
+                <a:latin typeface="Consolas" panose="020B0609020204030204" pitchFamily="49" charset="0"/>
+              </a:rPr>
+              <a:t>, </a:t>
+            </a:r>
+            <a:r>
+              <a:rPr lang="en-US" dirty="0">
+                <a:solidFill>
+                  <a:srgbClr val="A31515"/>
+                </a:solidFill>
+                <a:latin typeface="Consolas" panose="020B0609020204030204" pitchFamily="49" charset="0"/>
+              </a:rPr>
+              <a:t>"</a:t>
+            </a:r>
+            <a:r>
+              <a:rPr lang="en-US" dirty="0" err="1">
+                <a:solidFill>
+                  <a:srgbClr val="A31515"/>
+                </a:solidFill>
+                <a:latin typeface="Consolas" panose="020B0609020204030204" pitchFamily="49" charset="0"/>
+              </a:rPr>
+              <a:t>WebApplication</a:t>
+            </a:r>
+            <a:r>
+              <a:rPr lang="en-US" dirty="0">
+                <a:solidFill>
+                  <a:srgbClr val="A31515"/>
+                </a:solidFill>
+                <a:latin typeface="Consolas" panose="020B0609020204030204" pitchFamily="49" charset="0"/>
+              </a:rPr>
+              <a:t>/"</a:t>
+            </a:r>
+            <a:r>
+              <a:rPr lang="en-US" dirty="0">
+                <a:solidFill>
+                  <a:srgbClr val="000000"/>
+                </a:solidFill>
+                <a:latin typeface="Consolas" panose="020B0609020204030204" pitchFamily="49" charset="0"/>
+              </a:rPr>
+              <a:t>]</a:t>
+            </a:r>
+          </a:p>
+          <a:p>
+            <a:pPr marL="0" indent="0">
+              <a:buNone/>
+            </a:pPr>
+            <a:r>
+              <a:rPr lang="en-US" dirty="0">
+                <a:solidFill>
+                  <a:srgbClr val="000000"/>
+                </a:solidFill>
+                <a:latin typeface="Consolas" panose="020B0609020204030204" pitchFamily="49" charset="0"/>
+              </a:rPr>
+              <a:t>RUN dotnet restore </a:t>
+            </a:r>
+            <a:r>
+              <a:rPr lang="en-US" dirty="0">
+                <a:solidFill>
+                  <a:srgbClr val="A31515"/>
+                </a:solidFill>
+                <a:latin typeface="Consolas" panose="020B0609020204030204" pitchFamily="49" charset="0"/>
+              </a:rPr>
+              <a:t>"</a:t>
+            </a:r>
+            <a:r>
+              <a:rPr lang="en-US" dirty="0" err="1">
+                <a:solidFill>
+                  <a:srgbClr val="A31515"/>
+                </a:solidFill>
+                <a:latin typeface="Consolas" panose="020B0609020204030204" pitchFamily="49" charset="0"/>
+              </a:rPr>
+              <a:t>WebApplication</a:t>
+            </a:r>
+            <a:r>
+              <a:rPr lang="en-US" dirty="0">
+                <a:solidFill>
+                  <a:srgbClr val="A31515"/>
+                </a:solidFill>
+                <a:latin typeface="Consolas" panose="020B0609020204030204" pitchFamily="49" charset="0"/>
+              </a:rPr>
+              <a:t>/</a:t>
+            </a:r>
+            <a:r>
+              <a:rPr lang="en-US" dirty="0" err="1">
+                <a:solidFill>
+                  <a:srgbClr val="A31515"/>
+                </a:solidFill>
+                <a:latin typeface="Consolas" panose="020B0609020204030204" pitchFamily="49" charset="0"/>
+              </a:rPr>
+              <a:t>WebApplication.csproj</a:t>
+            </a:r>
+            <a:r>
+              <a:rPr lang="en-US" dirty="0">
+                <a:solidFill>
+                  <a:srgbClr val="A31515"/>
+                </a:solidFill>
+                <a:latin typeface="Consolas" panose="020B0609020204030204" pitchFamily="49" charset="0"/>
+              </a:rPr>
+              <a:t>"</a:t>
+            </a:r>
+            <a:endParaRPr lang="en-US" dirty="0">
+              <a:solidFill>
+                <a:srgbClr val="000000"/>
+              </a:solidFill>
+              <a:latin typeface="Consolas" panose="020B0609020204030204" pitchFamily="49" charset="0"/>
+            </a:endParaRPr>
+          </a:p>
+          <a:p>
+            <a:pPr marL="0" indent="0">
+              <a:buNone/>
+            </a:pPr>
+            <a:r>
+              <a:rPr lang="en-US" dirty="0">
+                <a:solidFill>
+                  <a:srgbClr val="000000"/>
+                </a:solidFill>
+                <a:latin typeface="Consolas" panose="020B0609020204030204" pitchFamily="49" charset="0"/>
+              </a:rPr>
+              <a:t>COPY . .</a:t>
+            </a:r>
+          </a:p>
+          <a:p>
+            <a:pPr marL="0" indent="0">
+              <a:buNone/>
+            </a:pPr>
+            <a:r>
+              <a:rPr lang="en-US" dirty="0">
+                <a:solidFill>
+                  <a:srgbClr val="000000"/>
+                </a:solidFill>
+                <a:latin typeface="Consolas" panose="020B0609020204030204" pitchFamily="49" charset="0"/>
+              </a:rPr>
+              <a:t>WORKDIR </a:t>
+            </a:r>
+            <a:r>
+              <a:rPr lang="en-US" dirty="0">
+                <a:solidFill>
+                  <a:srgbClr val="A31515"/>
+                </a:solidFill>
+                <a:latin typeface="Consolas" panose="020B0609020204030204" pitchFamily="49" charset="0"/>
+              </a:rPr>
+              <a:t>"/</a:t>
+            </a:r>
+            <a:r>
+              <a:rPr lang="en-US" dirty="0" err="1">
+                <a:solidFill>
+                  <a:srgbClr val="A31515"/>
+                </a:solidFill>
+                <a:latin typeface="Consolas" panose="020B0609020204030204" pitchFamily="49" charset="0"/>
+              </a:rPr>
+              <a:t>src</a:t>
+            </a:r>
+            <a:r>
+              <a:rPr lang="en-US" dirty="0">
+                <a:solidFill>
+                  <a:srgbClr val="A31515"/>
+                </a:solidFill>
+                <a:latin typeface="Consolas" panose="020B0609020204030204" pitchFamily="49" charset="0"/>
+              </a:rPr>
+              <a:t>/</a:t>
+            </a:r>
+            <a:r>
+              <a:rPr lang="en-US" dirty="0" err="1">
+                <a:solidFill>
+                  <a:srgbClr val="A31515"/>
+                </a:solidFill>
+                <a:latin typeface="Consolas" panose="020B0609020204030204" pitchFamily="49" charset="0"/>
+              </a:rPr>
+              <a:t>WebApplication</a:t>
+            </a:r>
+            <a:r>
+              <a:rPr lang="en-US" dirty="0">
+                <a:solidFill>
+                  <a:srgbClr val="A31515"/>
+                </a:solidFill>
+                <a:latin typeface="Consolas" panose="020B0609020204030204" pitchFamily="49" charset="0"/>
+              </a:rPr>
+              <a:t>"</a:t>
+            </a:r>
+            <a:endParaRPr lang="en-US" dirty="0">
+              <a:solidFill>
+                <a:srgbClr val="000000"/>
+              </a:solidFill>
+              <a:latin typeface="Consolas" panose="020B0609020204030204" pitchFamily="49" charset="0"/>
+            </a:endParaRPr>
+          </a:p>
+          <a:p>
+            <a:pPr marL="0" indent="0">
+              <a:buNone/>
+            </a:pPr>
+            <a:r>
+              <a:rPr lang="en-US" dirty="0">
+                <a:solidFill>
+                  <a:srgbClr val="000000"/>
+                </a:solidFill>
+                <a:latin typeface="Consolas" panose="020B0609020204030204" pitchFamily="49" charset="0"/>
+              </a:rPr>
+              <a:t>RUN dotnet build </a:t>
+            </a:r>
+            <a:r>
+              <a:rPr lang="en-US" dirty="0">
+                <a:solidFill>
+                  <a:srgbClr val="A31515"/>
+                </a:solidFill>
+                <a:latin typeface="Consolas" panose="020B0609020204030204" pitchFamily="49" charset="0"/>
+              </a:rPr>
+              <a:t>"</a:t>
+            </a:r>
+            <a:r>
+              <a:rPr lang="en-US" dirty="0" err="1">
+                <a:solidFill>
+                  <a:srgbClr val="A31515"/>
+                </a:solidFill>
+                <a:latin typeface="Consolas" panose="020B0609020204030204" pitchFamily="49" charset="0"/>
+              </a:rPr>
+              <a:t>WebApplication.csproj</a:t>
+            </a:r>
+            <a:r>
+              <a:rPr lang="en-US" dirty="0">
+                <a:solidFill>
+                  <a:srgbClr val="A31515"/>
+                </a:solidFill>
+                <a:latin typeface="Consolas" panose="020B0609020204030204" pitchFamily="49" charset="0"/>
+              </a:rPr>
+              <a:t>"</a:t>
+            </a:r>
+            <a:r>
+              <a:rPr lang="en-US" dirty="0">
+                <a:solidFill>
+                  <a:srgbClr val="000000"/>
+                </a:solidFill>
+                <a:latin typeface="Consolas" panose="020B0609020204030204" pitchFamily="49" charset="0"/>
+              </a:rPr>
+              <a:t> -c Release -o /app</a:t>
+            </a:r>
+          </a:p>
+          <a:p>
+            <a:pPr marL="0" indent="0">
+              <a:buNone/>
+            </a:pPr>
+            <a:endParaRPr lang="en-US" dirty="0">
+              <a:solidFill>
+                <a:srgbClr val="000000"/>
+              </a:solidFill>
+              <a:latin typeface="Consolas" panose="020B0609020204030204" pitchFamily="49" charset="0"/>
+            </a:endParaRPr>
+          </a:p>
+          <a:p>
+            <a:pPr marL="0" indent="0">
+              <a:buNone/>
+            </a:pPr>
+            <a:r>
+              <a:rPr lang="en-US" dirty="0">
+                <a:solidFill>
+                  <a:srgbClr val="000000"/>
+                </a:solidFill>
+                <a:latin typeface="Consolas" panose="020B0609020204030204" pitchFamily="49" charset="0"/>
+              </a:rPr>
+              <a:t>FROM build AS publish</a:t>
+            </a:r>
+          </a:p>
+          <a:p>
+            <a:pPr marL="0" indent="0">
+              <a:buNone/>
+            </a:pPr>
+            <a:r>
+              <a:rPr lang="en-US" dirty="0">
+                <a:solidFill>
+                  <a:srgbClr val="000000"/>
+                </a:solidFill>
+                <a:latin typeface="Consolas" panose="020B0609020204030204" pitchFamily="49" charset="0"/>
+              </a:rPr>
+              <a:t>RUN dotnet publish </a:t>
+            </a:r>
+            <a:r>
+              <a:rPr lang="en-US" dirty="0">
+                <a:solidFill>
+                  <a:srgbClr val="A31515"/>
+                </a:solidFill>
+                <a:latin typeface="Consolas" panose="020B0609020204030204" pitchFamily="49" charset="0"/>
+              </a:rPr>
+              <a:t>"</a:t>
+            </a:r>
+            <a:r>
+              <a:rPr lang="en-US" dirty="0" err="1">
+                <a:solidFill>
+                  <a:srgbClr val="A31515"/>
+                </a:solidFill>
+                <a:latin typeface="Consolas" panose="020B0609020204030204" pitchFamily="49" charset="0"/>
+              </a:rPr>
+              <a:t>WebApplication.csproj</a:t>
+            </a:r>
+            <a:r>
+              <a:rPr lang="en-US" dirty="0">
+                <a:solidFill>
+                  <a:srgbClr val="A31515"/>
+                </a:solidFill>
+                <a:latin typeface="Consolas" panose="020B0609020204030204" pitchFamily="49" charset="0"/>
+              </a:rPr>
+              <a:t>"</a:t>
+            </a:r>
+            <a:r>
+              <a:rPr lang="en-US" dirty="0">
+                <a:solidFill>
+                  <a:srgbClr val="000000"/>
+                </a:solidFill>
+                <a:latin typeface="Consolas" panose="020B0609020204030204" pitchFamily="49" charset="0"/>
+              </a:rPr>
+              <a:t> -c Release -o /app</a:t>
+            </a:r>
+          </a:p>
+          <a:p>
+            <a:pPr marL="0" indent="0">
+              <a:buNone/>
+            </a:pPr>
+            <a:endParaRPr lang="en-US" dirty="0">
+              <a:solidFill>
+                <a:srgbClr val="000000"/>
+              </a:solidFill>
+              <a:latin typeface="Consolas" panose="020B0609020204030204" pitchFamily="49" charset="0"/>
+            </a:endParaRPr>
+          </a:p>
+          <a:p>
+            <a:pPr marL="0" indent="0">
+              <a:buNone/>
+            </a:pPr>
+            <a:r>
+              <a:rPr lang="en-US" dirty="0">
+                <a:solidFill>
+                  <a:srgbClr val="000000"/>
+                </a:solidFill>
+                <a:latin typeface="Consolas" panose="020B0609020204030204" pitchFamily="49" charset="0"/>
+              </a:rPr>
+              <a:t>FROM base AS final</a:t>
+            </a:r>
+          </a:p>
+          <a:p>
+            <a:pPr marL="0" indent="0">
+              <a:buNone/>
+            </a:pPr>
+            <a:r>
+              <a:rPr lang="en-US" dirty="0">
+                <a:solidFill>
+                  <a:srgbClr val="000000"/>
+                </a:solidFill>
+                <a:latin typeface="Consolas" panose="020B0609020204030204" pitchFamily="49" charset="0"/>
+              </a:rPr>
+              <a:t>WORKDIR /app</a:t>
+            </a:r>
+          </a:p>
+          <a:p>
+            <a:pPr marL="0" indent="0">
+              <a:buNone/>
+            </a:pPr>
+            <a:r>
+              <a:rPr lang="en-US" dirty="0">
+                <a:solidFill>
+                  <a:srgbClr val="000000"/>
+                </a:solidFill>
+                <a:latin typeface="Consolas" panose="020B0609020204030204" pitchFamily="49" charset="0"/>
+              </a:rPr>
+              <a:t>COPY --from=publish /app .</a:t>
+            </a:r>
+          </a:p>
+          <a:p>
+            <a:pPr marL="0" indent="0">
+              <a:buNone/>
+            </a:pPr>
+            <a:r>
+              <a:rPr lang="en-US" dirty="0">
+                <a:solidFill>
+                  <a:srgbClr val="000000"/>
+                </a:solidFill>
+                <a:latin typeface="Consolas" panose="020B0609020204030204" pitchFamily="49" charset="0"/>
+              </a:rPr>
+              <a:t>ENTRYPOINT [</a:t>
+            </a:r>
+            <a:r>
+              <a:rPr lang="en-US" dirty="0">
+                <a:solidFill>
+                  <a:srgbClr val="A31515"/>
+                </a:solidFill>
+                <a:latin typeface="Consolas" panose="020B0609020204030204" pitchFamily="49" charset="0"/>
+              </a:rPr>
+              <a:t>"dotnet"</a:t>
+            </a:r>
+            <a:r>
+              <a:rPr lang="en-US" dirty="0">
+                <a:solidFill>
+                  <a:srgbClr val="000000"/>
+                </a:solidFill>
+                <a:latin typeface="Consolas" panose="020B0609020204030204" pitchFamily="49" charset="0"/>
+              </a:rPr>
+              <a:t>, </a:t>
+            </a:r>
+            <a:r>
+              <a:rPr lang="en-US" dirty="0">
+                <a:solidFill>
+                  <a:srgbClr val="A31515"/>
+                </a:solidFill>
+                <a:latin typeface="Consolas" panose="020B0609020204030204" pitchFamily="49" charset="0"/>
+              </a:rPr>
+              <a:t>"WebApplication.dll"</a:t>
+            </a:r>
+            <a:r>
+              <a:rPr lang="en-US" dirty="0">
+                <a:solidFill>
+                  <a:srgbClr val="000000"/>
+                </a:solidFill>
+                <a:latin typeface="Consolas" panose="020B0609020204030204" pitchFamily="49" charset="0"/>
+              </a:rPr>
+              <a:t>]</a:t>
+            </a:r>
+            <a:endParaRPr lang="en-US" dirty="0"/>
+          </a:p>
+        </p:txBody>
+      </p:sp>
+    </p:spTree>
+    <p:extLst>
+      <p:ext uri="{BB962C8B-B14F-4D97-AF65-F5344CB8AC3E}">
+        <p14:creationId xmlns:p14="http://schemas.microsoft.com/office/powerpoint/2010/main" val="4053021927"/>
+      </p:ext>
+    </p:extLst>
+  </p:cSld>
+  <p:clrMapOvr>
+    <a:masterClrMapping/>
+  </p:clrMapOvr>
+</p:sld>
+</file>
+
+<file path=ppt/slides/slide6.xml><?xml version="1.0" encoding="utf-8"?>
+<p:sld xmlns:a="http://schemas.openxmlformats.org/drawingml/2006/main" xmlns:r="http://schemas.openxmlformats.org/officeDocument/2006/relationships" xmlns:p="http://schemas.openxmlformats.org/presentationml/2006/main">
+  <p:cSld>
+    <p:spTree>
+      <p:nvGrpSpPr>
+        <p:cNvPr id="1" name=""/>
+        <p:cNvGrpSpPr/>
+        <p:nvPr/>
+      </p:nvGrpSpPr>
+      <p:grpSpPr>
+        <a:xfrm>
+          <a:off x="0" y="0"/>
+          <a:ext cx="0" cy="0"/>
+          <a:chOff x="0" y="0"/>
+          <a:chExt cx="0" cy="0"/>
+        </a:xfrm>
+      </p:grpSpPr>
+      <p:sp>
+        <p:nvSpPr>
+          <p:cNvPr id="2" name="Title 1">
+            <a:extLst>
+              <a:ext uri="{FF2B5EF4-FFF2-40B4-BE49-F238E27FC236}">
+                <a16:creationId xmlns:a16="http://schemas.microsoft.com/office/drawing/2014/main" id="{8F167E3B-E394-4917-A14C-99BCA28F623B}"/>
+              </a:ext>
+            </a:extLst>
+          </p:cNvPr>
+          <p:cNvSpPr>
+            <a:spLocks noGrp="1"/>
+          </p:cNvSpPr>
+          <p:nvPr>
+            <p:ph type="title"/>
+          </p:nvPr>
+        </p:nvSpPr>
+        <p:spPr/>
+        <p:txBody>
+          <a:bodyPr/>
+          <a:lstStyle/>
+          <a:p>
+            <a:r>
+              <a:rPr lang="en-US" dirty="0" err="1"/>
+              <a:t>Dockerfile</a:t>
+            </a:r>
+            <a:endParaRPr lang="en-US" dirty="0"/>
+          </a:p>
+        </p:txBody>
+      </p:sp>
+      <p:sp>
+        <p:nvSpPr>
+          <p:cNvPr id="3" name="Content Placeholder 2">
+            <a:extLst>
+              <a:ext uri="{FF2B5EF4-FFF2-40B4-BE49-F238E27FC236}">
+                <a16:creationId xmlns:a16="http://schemas.microsoft.com/office/drawing/2014/main" id="{27B9B04F-C90A-448F-962D-F458CB48CE32}"/>
+              </a:ext>
+            </a:extLst>
+          </p:cNvPr>
+          <p:cNvSpPr>
+            <a:spLocks noGrp="1"/>
+          </p:cNvSpPr>
+          <p:nvPr>
+            <p:ph sz="half" idx="1"/>
+          </p:nvPr>
+        </p:nvSpPr>
+        <p:spPr/>
+        <p:txBody>
+          <a:bodyPr>
+            <a:normAutofit fontScale="32500" lnSpcReduction="20000"/>
+          </a:bodyPr>
+          <a:lstStyle/>
+          <a:p>
+            <a:pPr marL="0" indent="0">
+              <a:buNone/>
+            </a:pPr>
+            <a:r>
+              <a:rPr lang="en-US" dirty="0">
+                <a:solidFill>
+                  <a:schemeClr val="bg1">
+                    <a:lumMod val="75000"/>
+                  </a:schemeClr>
+                </a:solidFill>
+                <a:latin typeface="Consolas" panose="020B0609020204030204" pitchFamily="49" charset="0"/>
+              </a:rPr>
+              <a:t>FROM </a:t>
+            </a:r>
+            <a:r>
+              <a:rPr lang="en-US" dirty="0" err="1">
+                <a:solidFill>
+                  <a:schemeClr val="bg1">
+                    <a:lumMod val="75000"/>
+                  </a:schemeClr>
+                </a:solidFill>
+                <a:latin typeface="Consolas" panose="020B0609020204030204" pitchFamily="49" charset="0"/>
+              </a:rPr>
+              <a:t>microsoft</a:t>
+            </a:r>
+            <a:r>
+              <a:rPr lang="en-US" dirty="0">
+                <a:solidFill>
+                  <a:schemeClr val="bg1">
+                    <a:lumMod val="75000"/>
+                  </a:schemeClr>
+                </a:solidFill>
+                <a:latin typeface="Consolas" panose="020B0609020204030204" pitchFamily="49" charset="0"/>
+              </a:rPr>
+              <a:t>/dotnet:2.2-aspnetcore-runtime AS base</a:t>
+            </a:r>
+          </a:p>
+          <a:p>
+            <a:pPr marL="0" indent="0">
+              <a:buNone/>
+            </a:pPr>
+            <a:r>
+              <a:rPr lang="en-US" dirty="0">
+                <a:solidFill>
+                  <a:schemeClr val="bg1">
+                    <a:lumMod val="75000"/>
+                  </a:schemeClr>
+                </a:solidFill>
+                <a:latin typeface="Consolas" panose="020B0609020204030204" pitchFamily="49" charset="0"/>
+              </a:rPr>
+              <a:t>WORKDIR /app</a:t>
+            </a:r>
+          </a:p>
+          <a:p>
+            <a:pPr marL="0" indent="0">
+              <a:buNone/>
+            </a:pPr>
+            <a:r>
+              <a:rPr lang="en-US" dirty="0">
+                <a:solidFill>
+                  <a:schemeClr val="bg1">
+                    <a:lumMod val="75000"/>
+                  </a:schemeClr>
+                </a:solidFill>
+                <a:latin typeface="Consolas" panose="020B0609020204030204" pitchFamily="49" charset="0"/>
+              </a:rPr>
+              <a:t>EXPOSE 80</a:t>
+            </a:r>
+          </a:p>
+          <a:p>
+            <a:pPr marL="0" indent="0">
+              <a:buNone/>
+            </a:pPr>
+            <a:endParaRPr lang="en-US" dirty="0">
+              <a:solidFill>
+                <a:schemeClr val="bg1">
+                  <a:lumMod val="75000"/>
+                </a:schemeClr>
+              </a:solidFill>
+              <a:latin typeface="Consolas" panose="020B0609020204030204" pitchFamily="49" charset="0"/>
+            </a:endParaRPr>
+          </a:p>
+          <a:p>
+            <a:pPr marL="0" indent="0">
+              <a:buNone/>
+            </a:pPr>
+            <a:r>
+              <a:rPr lang="en-US" dirty="0">
+                <a:solidFill>
+                  <a:schemeClr val="bg1">
+                    <a:lumMod val="75000"/>
+                  </a:schemeClr>
+                </a:solidFill>
+                <a:latin typeface="Consolas" panose="020B0609020204030204" pitchFamily="49" charset="0"/>
+              </a:rPr>
+              <a:t>FROM </a:t>
+            </a:r>
+            <a:r>
+              <a:rPr lang="en-US" dirty="0" err="1">
+                <a:solidFill>
+                  <a:schemeClr val="bg1">
+                    <a:lumMod val="75000"/>
+                  </a:schemeClr>
+                </a:solidFill>
+                <a:latin typeface="Consolas" panose="020B0609020204030204" pitchFamily="49" charset="0"/>
+              </a:rPr>
+              <a:t>microsoft</a:t>
+            </a:r>
+            <a:r>
+              <a:rPr lang="en-US" dirty="0">
+                <a:solidFill>
+                  <a:schemeClr val="bg1">
+                    <a:lumMod val="75000"/>
+                  </a:schemeClr>
+                </a:solidFill>
+                <a:latin typeface="Consolas" panose="020B0609020204030204" pitchFamily="49" charset="0"/>
+              </a:rPr>
+              <a:t>/dotnet:2.2-sdk AS build</a:t>
+            </a:r>
+          </a:p>
+          <a:p>
+            <a:pPr marL="0" indent="0">
+              <a:buNone/>
+            </a:pPr>
+            <a:r>
+              <a:rPr lang="en-US" dirty="0">
+                <a:solidFill>
+                  <a:schemeClr val="bg1">
+                    <a:lumMod val="75000"/>
+                  </a:schemeClr>
+                </a:solidFill>
+                <a:latin typeface="Consolas" panose="020B0609020204030204" pitchFamily="49" charset="0"/>
+              </a:rPr>
+              <a:t>WORKDIR /</a:t>
+            </a:r>
+            <a:r>
+              <a:rPr lang="en-US" dirty="0" err="1">
+                <a:solidFill>
+                  <a:schemeClr val="bg1">
+                    <a:lumMod val="75000"/>
+                  </a:schemeClr>
+                </a:solidFill>
+                <a:latin typeface="Consolas" panose="020B0609020204030204" pitchFamily="49" charset="0"/>
+              </a:rPr>
+              <a:t>src</a:t>
+            </a:r>
+            <a:endParaRPr lang="en-US" dirty="0">
+              <a:solidFill>
+                <a:schemeClr val="bg1">
+                  <a:lumMod val="75000"/>
+                </a:schemeClr>
+              </a:solidFill>
+              <a:latin typeface="Consolas" panose="020B0609020204030204" pitchFamily="49" charset="0"/>
+            </a:endParaRPr>
+          </a:p>
+          <a:p>
+            <a:pPr marL="0" indent="0">
+              <a:buNone/>
+            </a:pPr>
+            <a:r>
+              <a:rPr lang="en-US" dirty="0">
+                <a:solidFill>
+                  <a:schemeClr val="bg1">
+                    <a:lumMod val="75000"/>
+                  </a:schemeClr>
+                </a:solidFill>
+                <a:latin typeface="Consolas" panose="020B0609020204030204" pitchFamily="49" charset="0"/>
+              </a:rPr>
+              <a:t>COPY ["</a:t>
+            </a:r>
+            <a:r>
+              <a:rPr lang="en-US" dirty="0" err="1">
+                <a:solidFill>
+                  <a:schemeClr val="bg1">
+                    <a:lumMod val="75000"/>
+                  </a:schemeClr>
+                </a:solidFill>
+                <a:latin typeface="Consolas" panose="020B0609020204030204" pitchFamily="49" charset="0"/>
+              </a:rPr>
+              <a:t>WebApplication</a:t>
+            </a:r>
+            <a:r>
+              <a:rPr lang="en-US" dirty="0">
+                <a:solidFill>
+                  <a:schemeClr val="bg1">
+                    <a:lumMod val="75000"/>
+                  </a:schemeClr>
+                </a:solidFill>
+                <a:latin typeface="Consolas" panose="020B0609020204030204" pitchFamily="49" charset="0"/>
+              </a:rPr>
+              <a:t>/</a:t>
+            </a:r>
+            <a:r>
+              <a:rPr lang="en-US" dirty="0" err="1">
+                <a:solidFill>
+                  <a:schemeClr val="bg1">
+                    <a:lumMod val="75000"/>
+                  </a:schemeClr>
+                </a:solidFill>
+                <a:latin typeface="Consolas" panose="020B0609020204030204" pitchFamily="49" charset="0"/>
+              </a:rPr>
+              <a:t>WebApplication.csproj</a:t>
+            </a:r>
+            <a:r>
+              <a:rPr lang="en-US" dirty="0">
+                <a:solidFill>
+                  <a:schemeClr val="bg1">
+                    <a:lumMod val="75000"/>
+                  </a:schemeClr>
+                </a:solidFill>
+                <a:latin typeface="Consolas" panose="020B0609020204030204" pitchFamily="49" charset="0"/>
+              </a:rPr>
+              <a:t>", "</a:t>
+            </a:r>
+            <a:r>
+              <a:rPr lang="en-US" dirty="0" err="1">
+                <a:solidFill>
+                  <a:schemeClr val="bg1">
+                    <a:lumMod val="75000"/>
+                  </a:schemeClr>
+                </a:solidFill>
+                <a:latin typeface="Consolas" panose="020B0609020204030204" pitchFamily="49" charset="0"/>
+              </a:rPr>
+              <a:t>WebApplication</a:t>
+            </a:r>
+            <a:r>
+              <a:rPr lang="en-US" dirty="0">
+                <a:solidFill>
+                  <a:schemeClr val="bg1">
+                    <a:lumMod val="75000"/>
+                  </a:schemeClr>
+                </a:solidFill>
+                <a:latin typeface="Consolas" panose="020B0609020204030204" pitchFamily="49" charset="0"/>
+              </a:rPr>
+              <a:t>/"]</a:t>
+            </a:r>
+          </a:p>
+          <a:p>
+            <a:pPr marL="0" indent="0">
+              <a:buNone/>
+            </a:pPr>
+            <a:r>
+              <a:rPr lang="en-US" dirty="0">
+                <a:solidFill>
+                  <a:schemeClr val="bg1">
+                    <a:lumMod val="75000"/>
+                  </a:schemeClr>
+                </a:solidFill>
+                <a:latin typeface="Consolas" panose="020B0609020204030204" pitchFamily="49" charset="0"/>
+              </a:rPr>
+              <a:t>RUN dotnet restore "</a:t>
+            </a:r>
+            <a:r>
+              <a:rPr lang="en-US" dirty="0" err="1">
+                <a:solidFill>
+                  <a:schemeClr val="bg1">
+                    <a:lumMod val="75000"/>
+                  </a:schemeClr>
+                </a:solidFill>
+                <a:latin typeface="Consolas" panose="020B0609020204030204" pitchFamily="49" charset="0"/>
+              </a:rPr>
+              <a:t>WebApplication</a:t>
+            </a:r>
+            <a:r>
+              <a:rPr lang="en-US" dirty="0">
+                <a:solidFill>
+                  <a:schemeClr val="bg1">
+                    <a:lumMod val="75000"/>
+                  </a:schemeClr>
+                </a:solidFill>
+                <a:latin typeface="Consolas" panose="020B0609020204030204" pitchFamily="49" charset="0"/>
+              </a:rPr>
+              <a:t>/</a:t>
+            </a:r>
+            <a:r>
+              <a:rPr lang="en-US" dirty="0" err="1">
+                <a:solidFill>
+                  <a:schemeClr val="bg1">
+                    <a:lumMod val="75000"/>
+                  </a:schemeClr>
+                </a:solidFill>
+                <a:latin typeface="Consolas" panose="020B0609020204030204" pitchFamily="49" charset="0"/>
+              </a:rPr>
+              <a:t>WebApplication.csproj</a:t>
+            </a:r>
+            <a:r>
+              <a:rPr lang="en-US" dirty="0">
+                <a:solidFill>
+                  <a:schemeClr val="bg1">
+                    <a:lumMod val="75000"/>
+                  </a:schemeClr>
+                </a:solidFill>
+                <a:latin typeface="Consolas" panose="020B0609020204030204" pitchFamily="49" charset="0"/>
+              </a:rPr>
+              <a:t>"</a:t>
+            </a:r>
+          </a:p>
+          <a:p>
+            <a:pPr marL="0" indent="0">
+              <a:buNone/>
+            </a:pPr>
+            <a:r>
+              <a:rPr lang="en-US" dirty="0">
+                <a:solidFill>
+                  <a:schemeClr val="bg1">
+                    <a:lumMod val="75000"/>
+                  </a:schemeClr>
+                </a:solidFill>
+                <a:latin typeface="Consolas" panose="020B0609020204030204" pitchFamily="49" charset="0"/>
+              </a:rPr>
+              <a:t>COPY . .</a:t>
+            </a:r>
+          </a:p>
+          <a:p>
+            <a:pPr marL="0" indent="0">
+              <a:buNone/>
+            </a:pPr>
+            <a:r>
+              <a:rPr lang="en-US" dirty="0">
+                <a:solidFill>
+                  <a:schemeClr val="bg1">
+                    <a:lumMod val="75000"/>
+                  </a:schemeClr>
+                </a:solidFill>
+                <a:latin typeface="Consolas" panose="020B0609020204030204" pitchFamily="49" charset="0"/>
+              </a:rPr>
+              <a:t>WORKDIR "/</a:t>
+            </a:r>
+            <a:r>
+              <a:rPr lang="en-US" dirty="0" err="1">
+                <a:solidFill>
+                  <a:schemeClr val="bg1">
+                    <a:lumMod val="75000"/>
+                  </a:schemeClr>
+                </a:solidFill>
+                <a:latin typeface="Consolas" panose="020B0609020204030204" pitchFamily="49" charset="0"/>
+              </a:rPr>
+              <a:t>src</a:t>
+            </a:r>
+            <a:r>
+              <a:rPr lang="en-US" dirty="0">
+                <a:solidFill>
+                  <a:schemeClr val="bg1">
+                    <a:lumMod val="75000"/>
+                  </a:schemeClr>
+                </a:solidFill>
+                <a:latin typeface="Consolas" panose="020B0609020204030204" pitchFamily="49" charset="0"/>
+              </a:rPr>
+              <a:t>/</a:t>
+            </a:r>
+            <a:r>
+              <a:rPr lang="en-US" dirty="0" err="1">
+                <a:solidFill>
+                  <a:schemeClr val="bg1">
+                    <a:lumMod val="75000"/>
+                  </a:schemeClr>
+                </a:solidFill>
+                <a:latin typeface="Consolas" panose="020B0609020204030204" pitchFamily="49" charset="0"/>
+              </a:rPr>
+              <a:t>WebApplication</a:t>
+            </a:r>
+            <a:r>
+              <a:rPr lang="en-US" dirty="0">
+                <a:solidFill>
+                  <a:schemeClr val="bg1">
+                    <a:lumMod val="75000"/>
+                  </a:schemeClr>
+                </a:solidFill>
+                <a:latin typeface="Consolas" panose="020B0609020204030204" pitchFamily="49" charset="0"/>
+              </a:rPr>
+              <a:t>"</a:t>
+            </a:r>
+          </a:p>
+          <a:p>
+            <a:pPr marL="0" indent="0">
+              <a:buNone/>
+            </a:pPr>
+            <a:r>
+              <a:rPr lang="en-US" dirty="0">
+                <a:solidFill>
+                  <a:schemeClr val="bg1">
+                    <a:lumMod val="75000"/>
+                  </a:schemeClr>
+                </a:solidFill>
+                <a:latin typeface="Consolas" panose="020B0609020204030204" pitchFamily="49" charset="0"/>
+              </a:rPr>
+              <a:t>RUN dotnet build "</a:t>
+            </a:r>
+            <a:r>
+              <a:rPr lang="en-US" dirty="0" err="1">
+                <a:solidFill>
+                  <a:schemeClr val="bg1">
+                    <a:lumMod val="75000"/>
+                  </a:schemeClr>
+                </a:solidFill>
+                <a:latin typeface="Consolas" panose="020B0609020204030204" pitchFamily="49" charset="0"/>
+              </a:rPr>
+              <a:t>WebApplication.csproj</a:t>
+            </a:r>
+            <a:r>
+              <a:rPr lang="en-US" dirty="0">
+                <a:solidFill>
+                  <a:schemeClr val="bg1">
+                    <a:lumMod val="75000"/>
+                  </a:schemeClr>
+                </a:solidFill>
+                <a:latin typeface="Consolas" panose="020B0609020204030204" pitchFamily="49" charset="0"/>
+              </a:rPr>
+              <a:t>" -c Release -o /app</a:t>
+            </a:r>
+          </a:p>
+          <a:p>
+            <a:pPr marL="0" indent="0">
+              <a:buNone/>
+            </a:pPr>
+            <a:endParaRPr lang="en-US" dirty="0">
+              <a:solidFill>
+                <a:schemeClr val="bg1">
+                  <a:lumMod val="75000"/>
+                </a:schemeClr>
+              </a:solidFill>
+              <a:latin typeface="Consolas" panose="020B0609020204030204" pitchFamily="49" charset="0"/>
+            </a:endParaRPr>
+          </a:p>
+          <a:p>
+            <a:pPr marL="0" indent="0">
+              <a:buNone/>
+            </a:pPr>
+            <a:r>
+              <a:rPr lang="en-US" dirty="0">
+                <a:solidFill>
+                  <a:schemeClr val="bg1">
+                    <a:lumMod val="75000"/>
+                  </a:schemeClr>
+                </a:solidFill>
+                <a:latin typeface="Consolas" panose="020B0609020204030204" pitchFamily="49" charset="0"/>
+              </a:rPr>
+              <a:t>FROM build AS publish</a:t>
+            </a:r>
+          </a:p>
+          <a:p>
+            <a:pPr marL="0" indent="0">
+              <a:buNone/>
+            </a:pPr>
+            <a:r>
+              <a:rPr lang="en-US" dirty="0">
+                <a:solidFill>
+                  <a:schemeClr val="bg1">
+                    <a:lumMod val="75000"/>
+                  </a:schemeClr>
+                </a:solidFill>
+                <a:latin typeface="Consolas" panose="020B0609020204030204" pitchFamily="49" charset="0"/>
+              </a:rPr>
+              <a:t>RUN dotnet publish "</a:t>
+            </a:r>
+            <a:r>
+              <a:rPr lang="en-US" dirty="0" err="1">
+                <a:solidFill>
+                  <a:schemeClr val="bg1">
+                    <a:lumMod val="75000"/>
+                  </a:schemeClr>
+                </a:solidFill>
+                <a:latin typeface="Consolas" panose="020B0609020204030204" pitchFamily="49" charset="0"/>
+              </a:rPr>
+              <a:t>WebApplication.csproj</a:t>
+            </a:r>
+            <a:r>
+              <a:rPr lang="en-US" dirty="0">
+                <a:solidFill>
+                  <a:schemeClr val="bg1">
+                    <a:lumMod val="75000"/>
+                  </a:schemeClr>
+                </a:solidFill>
+                <a:latin typeface="Consolas" panose="020B0609020204030204" pitchFamily="49" charset="0"/>
+              </a:rPr>
+              <a:t>" -c Release -o /app</a:t>
+            </a:r>
+          </a:p>
+          <a:p>
+            <a:pPr marL="0" indent="0">
+              <a:buNone/>
+            </a:pPr>
+            <a:endParaRPr lang="en-US" dirty="0">
+              <a:solidFill>
+                <a:schemeClr val="bg1">
+                  <a:lumMod val="75000"/>
+                </a:schemeClr>
+              </a:solidFill>
+              <a:latin typeface="Consolas" panose="020B0609020204030204" pitchFamily="49" charset="0"/>
+            </a:endParaRPr>
+          </a:p>
+          <a:p>
+            <a:pPr marL="0" indent="0">
+              <a:buNone/>
+            </a:pPr>
+            <a:r>
+              <a:rPr lang="en-US" dirty="0">
+                <a:solidFill>
+                  <a:schemeClr val="bg1">
+                    <a:lumMod val="75000"/>
+                  </a:schemeClr>
+                </a:solidFill>
+                <a:latin typeface="Consolas" panose="020B0609020204030204" pitchFamily="49" charset="0"/>
+              </a:rPr>
+              <a:t>FROM base AS final</a:t>
+            </a:r>
+          </a:p>
+          <a:p>
+            <a:pPr marL="0" indent="0">
+              <a:buNone/>
+            </a:pPr>
+            <a:r>
+              <a:rPr lang="en-US" dirty="0">
+                <a:solidFill>
+                  <a:schemeClr val="bg1">
+                    <a:lumMod val="75000"/>
+                  </a:schemeClr>
+                </a:solidFill>
+                <a:latin typeface="Consolas" panose="020B0609020204030204" pitchFamily="49" charset="0"/>
+              </a:rPr>
+              <a:t>WORKDIR /app</a:t>
+            </a:r>
+          </a:p>
+          <a:p>
+            <a:pPr marL="0" indent="0">
+              <a:buNone/>
+            </a:pPr>
+            <a:r>
+              <a:rPr lang="en-US" dirty="0">
+                <a:solidFill>
+                  <a:schemeClr val="bg1">
+                    <a:lumMod val="75000"/>
+                  </a:schemeClr>
+                </a:solidFill>
+                <a:latin typeface="Consolas" panose="020B0609020204030204" pitchFamily="49" charset="0"/>
+              </a:rPr>
+              <a:t>COPY --from=publish /app .</a:t>
+            </a:r>
+          </a:p>
+          <a:p>
+            <a:pPr marL="0" indent="0">
+              <a:buNone/>
+            </a:pPr>
+            <a:r>
+              <a:rPr lang="en-US" dirty="0">
+                <a:solidFill>
+                  <a:schemeClr val="bg1">
+                    <a:lumMod val="75000"/>
+                  </a:schemeClr>
+                </a:solidFill>
+                <a:latin typeface="Consolas" panose="020B0609020204030204" pitchFamily="49" charset="0"/>
+              </a:rPr>
+              <a:t>ENTRYPOINT ["dotnet", "WebApplication.dll"]</a:t>
+            </a:r>
+            <a:endParaRPr lang="en-US" dirty="0">
+              <a:solidFill>
+                <a:schemeClr val="bg1">
+                  <a:lumMod val="75000"/>
+                </a:schemeClr>
+              </a:solidFill>
+            </a:endParaRPr>
+          </a:p>
+        </p:txBody>
+      </p:sp>
+      <p:sp>
+        <p:nvSpPr>
+          <p:cNvPr id="4" name="Content Placeholder 3">
+            <a:extLst>
+              <a:ext uri="{FF2B5EF4-FFF2-40B4-BE49-F238E27FC236}">
+                <a16:creationId xmlns:a16="http://schemas.microsoft.com/office/drawing/2014/main" id="{8C646BFC-37E9-4587-B621-CA9B7B00AED0}"/>
+              </a:ext>
+            </a:extLst>
+          </p:cNvPr>
+          <p:cNvSpPr>
+            <a:spLocks noGrp="1"/>
+          </p:cNvSpPr>
+          <p:nvPr>
+            <p:ph sz="half" idx="2"/>
+          </p:nvPr>
+        </p:nvSpPr>
+        <p:spPr>
+          <a:xfrm>
+            <a:off x="838200" y="1690688"/>
+            <a:ext cx="10818796" cy="3404887"/>
+          </a:xfrm>
+        </p:spPr>
+        <p:txBody>
+          <a:bodyPr/>
+          <a:lstStyle/>
+          <a:p>
+            <a:pPr marL="0" indent="0">
+              <a:buNone/>
+            </a:pPr>
+            <a:r>
+              <a:rPr lang="en-US" dirty="0">
+                <a:solidFill>
+                  <a:srgbClr val="0000FF"/>
+                </a:solidFill>
+                <a:latin typeface="Consolas" panose="020B0609020204030204" pitchFamily="49" charset="0"/>
+              </a:rPr>
+              <a:t>FROM</a:t>
+            </a:r>
+            <a:r>
+              <a:rPr lang="en-US" dirty="0">
+                <a:solidFill>
+                  <a:srgbClr val="000000"/>
+                </a:solidFill>
+                <a:latin typeface="Consolas" panose="020B0609020204030204" pitchFamily="49" charset="0"/>
+              </a:rPr>
+              <a:t> </a:t>
+            </a:r>
+            <a:r>
+              <a:rPr lang="en-US" dirty="0" err="1">
+                <a:solidFill>
+                  <a:srgbClr val="000000"/>
+                </a:solidFill>
+                <a:latin typeface="Consolas" panose="020B0609020204030204" pitchFamily="49" charset="0"/>
+              </a:rPr>
+              <a:t>microsoft</a:t>
+            </a:r>
+            <a:r>
+              <a:rPr lang="en-US" dirty="0">
+                <a:solidFill>
+                  <a:srgbClr val="000000"/>
+                </a:solidFill>
+                <a:latin typeface="Consolas" panose="020B0609020204030204" pitchFamily="49" charset="0"/>
+              </a:rPr>
+              <a:t>/dotnet:2.2-aspnetcore-runtime AS base</a:t>
+            </a:r>
+          </a:p>
+          <a:p>
+            <a:pPr marL="0" indent="0">
+              <a:buNone/>
+            </a:pPr>
+            <a:r>
+              <a:rPr lang="en-US" dirty="0">
+                <a:solidFill>
+                  <a:srgbClr val="000000"/>
+                </a:solidFill>
+                <a:latin typeface="Consolas" panose="020B0609020204030204" pitchFamily="49" charset="0"/>
+              </a:rPr>
+              <a:t>WORKDIR /app</a:t>
+            </a:r>
+          </a:p>
+          <a:p>
+            <a:pPr marL="0" indent="0">
+              <a:buNone/>
+            </a:pPr>
+            <a:r>
+              <a:rPr lang="en-US" dirty="0">
+                <a:solidFill>
+                  <a:srgbClr val="000000"/>
+                </a:solidFill>
+                <a:latin typeface="Consolas" panose="020B0609020204030204" pitchFamily="49" charset="0"/>
+              </a:rPr>
+              <a:t>EXPOSE 80</a:t>
+            </a:r>
+          </a:p>
+          <a:p>
+            <a:endParaRPr lang="en-US" dirty="0"/>
+          </a:p>
+        </p:txBody>
+      </p:sp>
+    </p:spTree>
+    <p:extLst>
+      <p:ext uri="{BB962C8B-B14F-4D97-AF65-F5344CB8AC3E}">
+        <p14:creationId xmlns:p14="http://schemas.microsoft.com/office/powerpoint/2010/main" val="3828065032"/>
+      </p:ext>
+    </p:extLst>
+  </p:cSld>
+  <p:clrMapOvr>
+    <a:masterClrMapping/>
+  </p:clrMapOvr>
+</p:sld>
+</file>
+
+<file path=ppt/slides/slide7.xml><?xml version="1.0" encoding="utf-8"?>
+<p:sld xmlns:a="http://schemas.openxmlformats.org/drawingml/2006/main" xmlns:r="http://schemas.openxmlformats.org/officeDocument/2006/relationships" xmlns:p="http://schemas.openxmlformats.org/presentationml/2006/main">
+  <p:cSld>
+    <p:spTree>
+      <p:nvGrpSpPr>
+        <p:cNvPr id="1" name=""/>
+        <p:cNvGrpSpPr/>
+        <p:nvPr/>
+      </p:nvGrpSpPr>
+      <p:grpSpPr>
+        <a:xfrm>
+          <a:off x="0" y="0"/>
+          <a:ext cx="0" cy="0"/>
+          <a:chOff x="0" y="0"/>
+          <a:chExt cx="0" cy="0"/>
+        </a:xfrm>
+      </p:grpSpPr>
+      <p:sp>
+        <p:nvSpPr>
+          <p:cNvPr id="2" name="Title 1">
+            <a:extLst>
+              <a:ext uri="{FF2B5EF4-FFF2-40B4-BE49-F238E27FC236}">
+                <a16:creationId xmlns:a16="http://schemas.microsoft.com/office/drawing/2014/main" id="{8F167E3B-E394-4917-A14C-99BCA28F623B}"/>
+              </a:ext>
+            </a:extLst>
+          </p:cNvPr>
+          <p:cNvSpPr>
+            <a:spLocks noGrp="1"/>
+          </p:cNvSpPr>
+          <p:nvPr>
+            <p:ph type="title"/>
+          </p:nvPr>
+        </p:nvSpPr>
+        <p:spPr/>
+        <p:txBody>
+          <a:bodyPr/>
+          <a:lstStyle/>
+          <a:p>
+            <a:r>
+              <a:rPr lang="en-US" dirty="0" err="1"/>
+              <a:t>Dockerfile</a:t>
+            </a:r>
+            <a:endParaRPr lang="en-US" dirty="0"/>
+          </a:p>
+        </p:txBody>
+      </p:sp>
+      <p:sp>
+        <p:nvSpPr>
+          <p:cNvPr id="3" name="Content Placeholder 2">
+            <a:extLst>
+              <a:ext uri="{FF2B5EF4-FFF2-40B4-BE49-F238E27FC236}">
+                <a16:creationId xmlns:a16="http://schemas.microsoft.com/office/drawing/2014/main" id="{27B9B04F-C90A-448F-962D-F458CB48CE32}"/>
+              </a:ext>
+            </a:extLst>
+          </p:cNvPr>
+          <p:cNvSpPr>
+            <a:spLocks noGrp="1"/>
+          </p:cNvSpPr>
+          <p:nvPr>
+            <p:ph sz="half" idx="1"/>
+          </p:nvPr>
+        </p:nvSpPr>
+        <p:spPr/>
+        <p:txBody>
+          <a:bodyPr>
+            <a:normAutofit fontScale="32500" lnSpcReduction="20000"/>
+          </a:bodyPr>
+          <a:lstStyle/>
+          <a:p>
+            <a:pPr marL="0" indent="0">
+              <a:buNone/>
+            </a:pPr>
+            <a:r>
+              <a:rPr lang="en-US" dirty="0">
+                <a:solidFill>
+                  <a:schemeClr val="bg1">
+                    <a:lumMod val="75000"/>
+                  </a:schemeClr>
+                </a:solidFill>
+                <a:latin typeface="Consolas" panose="020B0609020204030204" pitchFamily="49" charset="0"/>
+              </a:rPr>
+              <a:t>FROM </a:t>
+            </a:r>
+            <a:r>
+              <a:rPr lang="en-US" dirty="0" err="1">
+                <a:solidFill>
+                  <a:schemeClr val="bg1">
+                    <a:lumMod val="75000"/>
+                  </a:schemeClr>
+                </a:solidFill>
+                <a:latin typeface="Consolas" panose="020B0609020204030204" pitchFamily="49" charset="0"/>
+              </a:rPr>
+              <a:t>microsoft</a:t>
+            </a:r>
+            <a:r>
+              <a:rPr lang="en-US" dirty="0">
+                <a:solidFill>
+                  <a:schemeClr val="bg1">
+                    <a:lumMod val="75000"/>
+                  </a:schemeClr>
+                </a:solidFill>
+                <a:latin typeface="Consolas" panose="020B0609020204030204" pitchFamily="49" charset="0"/>
+              </a:rPr>
+              <a:t>/dotnet:2.2-aspnetcore-runtime AS base</a:t>
+            </a:r>
+          </a:p>
+          <a:p>
+            <a:pPr marL="0" indent="0">
+              <a:buNone/>
+            </a:pPr>
+            <a:r>
+              <a:rPr lang="en-US" dirty="0">
+                <a:solidFill>
+                  <a:schemeClr val="bg1">
+                    <a:lumMod val="75000"/>
+                  </a:schemeClr>
+                </a:solidFill>
+                <a:latin typeface="Consolas" panose="020B0609020204030204" pitchFamily="49" charset="0"/>
+              </a:rPr>
+              <a:t>WORKDIR /app</a:t>
+            </a:r>
+          </a:p>
+          <a:p>
+            <a:pPr marL="0" indent="0">
+              <a:buNone/>
+            </a:pPr>
+            <a:r>
+              <a:rPr lang="en-US" dirty="0">
+                <a:solidFill>
+                  <a:schemeClr val="bg1">
+                    <a:lumMod val="75000"/>
+                  </a:schemeClr>
+                </a:solidFill>
+                <a:latin typeface="Consolas" panose="020B0609020204030204" pitchFamily="49" charset="0"/>
+              </a:rPr>
+              <a:t>EXPOSE 80</a:t>
+            </a:r>
+          </a:p>
+          <a:p>
+            <a:pPr marL="0" indent="0">
+              <a:buNone/>
+            </a:pPr>
+            <a:endParaRPr lang="en-US" dirty="0">
+              <a:solidFill>
+                <a:schemeClr val="bg1">
+                  <a:lumMod val="75000"/>
+                </a:schemeClr>
+              </a:solidFill>
+              <a:latin typeface="Consolas" panose="020B0609020204030204" pitchFamily="49" charset="0"/>
+            </a:endParaRPr>
+          </a:p>
+          <a:p>
+            <a:pPr marL="0" indent="0">
+              <a:buNone/>
+            </a:pPr>
+            <a:r>
+              <a:rPr lang="en-US" dirty="0">
+                <a:solidFill>
+                  <a:schemeClr val="bg1">
+                    <a:lumMod val="75000"/>
+                  </a:schemeClr>
+                </a:solidFill>
+                <a:latin typeface="Consolas" panose="020B0609020204030204" pitchFamily="49" charset="0"/>
+              </a:rPr>
+              <a:t>FROM </a:t>
+            </a:r>
+            <a:r>
+              <a:rPr lang="en-US" dirty="0" err="1">
+                <a:solidFill>
+                  <a:schemeClr val="bg1">
+                    <a:lumMod val="75000"/>
+                  </a:schemeClr>
+                </a:solidFill>
+                <a:latin typeface="Consolas" panose="020B0609020204030204" pitchFamily="49" charset="0"/>
+              </a:rPr>
+              <a:t>microsoft</a:t>
+            </a:r>
+            <a:r>
+              <a:rPr lang="en-US" dirty="0">
+                <a:solidFill>
+                  <a:schemeClr val="bg1">
+                    <a:lumMod val="75000"/>
+                  </a:schemeClr>
+                </a:solidFill>
+                <a:latin typeface="Consolas" panose="020B0609020204030204" pitchFamily="49" charset="0"/>
+              </a:rPr>
+              <a:t>/dotnet:2.2-sdk AS build</a:t>
+            </a:r>
+          </a:p>
+          <a:p>
+            <a:pPr marL="0" indent="0">
+              <a:buNone/>
+            </a:pPr>
+            <a:r>
+              <a:rPr lang="en-US" dirty="0">
+                <a:solidFill>
+                  <a:schemeClr val="bg1">
+                    <a:lumMod val="75000"/>
+                  </a:schemeClr>
+                </a:solidFill>
+                <a:latin typeface="Consolas" panose="020B0609020204030204" pitchFamily="49" charset="0"/>
+              </a:rPr>
+              <a:t>WORKDIR /</a:t>
+            </a:r>
+            <a:r>
+              <a:rPr lang="en-US" dirty="0" err="1">
+                <a:solidFill>
+                  <a:schemeClr val="bg1">
+                    <a:lumMod val="75000"/>
+                  </a:schemeClr>
+                </a:solidFill>
+                <a:latin typeface="Consolas" panose="020B0609020204030204" pitchFamily="49" charset="0"/>
+              </a:rPr>
+              <a:t>src</a:t>
+            </a:r>
+            <a:endParaRPr lang="en-US" dirty="0">
+              <a:solidFill>
+                <a:schemeClr val="bg1">
+                  <a:lumMod val="75000"/>
+                </a:schemeClr>
+              </a:solidFill>
+              <a:latin typeface="Consolas" panose="020B0609020204030204" pitchFamily="49" charset="0"/>
+            </a:endParaRPr>
+          </a:p>
+          <a:p>
+            <a:pPr marL="0" indent="0">
+              <a:buNone/>
+            </a:pPr>
+            <a:r>
+              <a:rPr lang="en-US" dirty="0">
+                <a:solidFill>
+                  <a:schemeClr val="bg1">
+                    <a:lumMod val="75000"/>
+                  </a:schemeClr>
+                </a:solidFill>
+                <a:latin typeface="Consolas" panose="020B0609020204030204" pitchFamily="49" charset="0"/>
+              </a:rPr>
+              <a:t>COPY ["</a:t>
+            </a:r>
+            <a:r>
+              <a:rPr lang="en-US" dirty="0" err="1">
+                <a:solidFill>
+                  <a:schemeClr val="bg1">
+                    <a:lumMod val="75000"/>
+                  </a:schemeClr>
+                </a:solidFill>
+                <a:latin typeface="Consolas" panose="020B0609020204030204" pitchFamily="49" charset="0"/>
+              </a:rPr>
+              <a:t>WebApplication</a:t>
+            </a:r>
+            <a:r>
+              <a:rPr lang="en-US" dirty="0">
+                <a:solidFill>
+                  <a:schemeClr val="bg1">
+                    <a:lumMod val="75000"/>
+                  </a:schemeClr>
+                </a:solidFill>
+                <a:latin typeface="Consolas" panose="020B0609020204030204" pitchFamily="49" charset="0"/>
+              </a:rPr>
+              <a:t>/</a:t>
+            </a:r>
+            <a:r>
+              <a:rPr lang="en-US" dirty="0" err="1">
+                <a:solidFill>
+                  <a:schemeClr val="bg1">
+                    <a:lumMod val="75000"/>
+                  </a:schemeClr>
+                </a:solidFill>
+                <a:latin typeface="Consolas" panose="020B0609020204030204" pitchFamily="49" charset="0"/>
+              </a:rPr>
+              <a:t>WebApplication.csproj</a:t>
+            </a:r>
+            <a:r>
+              <a:rPr lang="en-US" dirty="0">
+                <a:solidFill>
+                  <a:schemeClr val="bg1">
+                    <a:lumMod val="75000"/>
+                  </a:schemeClr>
+                </a:solidFill>
+                <a:latin typeface="Consolas" panose="020B0609020204030204" pitchFamily="49" charset="0"/>
+              </a:rPr>
+              <a:t>", "</a:t>
+            </a:r>
+            <a:r>
+              <a:rPr lang="en-US" dirty="0" err="1">
+                <a:solidFill>
+                  <a:schemeClr val="bg1">
+                    <a:lumMod val="75000"/>
+                  </a:schemeClr>
+                </a:solidFill>
+                <a:latin typeface="Consolas" panose="020B0609020204030204" pitchFamily="49" charset="0"/>
+              </a:rPr>
+              <a:t>WebApplication</a:t>
+            </a:r>
+            <a:r>
+              <a:rPr lang="en-US" dirty="0">
+                <a:solidFill>
+                  <a:schemeClr val="bg1">
+                    <a:lumMod val="75000"/>
+                  </a:schemeClr>
+                </a:solidFill>
+                <a:latin typeface="Consolas" panose="020B0609020204030204" pitchFamily="49" charset="0"/>
+              </a:rPr>
+              <a:t>/"]</a:t>
+            </a:r>
+          </a:p>
+          <a:p>
+            <a:pPr marL="0" indent="0">
+              <a:buNone/>
+            </a:pPr>
+            <a:r>
+              <a:rPr lang="en-US" dirty="0">
+                <a:solidFill>
+                  <a:schemeClr val="bg1">
+                    <a:lumMod val="75000"/>
+                  </a:schemeClr>
+                </a:solidFill>
+                <a:latin typeface="Consolas" panose="020B0609020204030204" pitchFamily="49" charset="0"/>
+              </a:rPr>
+              <a:t>RUN dotnet restore "</a:t>
+            </a:r>
+            <a:r>
+              <a:rPr lang="en-US" dirty="0" err="1">
+                <a:solidFill>
+                  <a:schemeClr val="bg1">
+                    <a:lumMod val="75000"/>
+                  </a:schemeClr>
+                </a:solidFill>
+                <a:latin typeface="Consolas" panose="020B0609020204030204" pitchFamily="49" charset="0"/>
+              </a:rPr>
+              <a:t>WebApplication</a:t>
+            </a:r>
+            <a:r>
+              <a:rPr lang="en-US" dirty="0">
+                <a:solidFill>
+                  <a:schemeClr val="bg1">
+                    <a:lumMod val="75000"/>
+                  </a:schemeClr>
+                </a:solidFill>
+                <a:latin typeface="Consolas" panose="020B0609020204030204" pitchFamily="49" charset="0"/>
+              </a:rPr>
+              <a:t>/</a:t>
+            </a:r>
+            <a:r>
+              <a:rPr lang="en-US" dirty="0" err="1">
+                <a:solidFill>
+                  <a:schemeClr val="bg1">
+                    <a:lumMod val="75000"/>
+                  </a:schemeClr>
+                </a:solidFill>
+                <a:latin typeface="Consolas" panose="020B0609020204030204" pitchFamily="49" charset="0"/>
+              </a:rPr>
+              <a:t>WebApplication.csproj</a:t>
+            </a:r>
+            <a:r>
+              <a:rPr lang="en-US" dirty="0">
+                <a:solidFill>
+                  <a:schemeClr val="bg1">
+                    <a:lumMod val="75000"/>
+                  </a:schemeClr>
+                </a:solidFill>
+                <a:latin typeface="Consolas" panose="020B0609020204030204" pitchFamily="49" charset="0"/>
+              </a:rPr>
+              <a:t>"</a:t>
+            </a:r>
+          </a:p>
+          <a:p>
+            <a:pPr marL="0" indent="0">
+              <a:buNone/>
+            </a:pPr>
+            <a:r>
+              <a:rPr lang="en-US" dirty="0">
+                <a:solidFill>
+                  <a:schemeClr val="bg1">
+                    <a:lumMod val="75000"/>
+                  </a:schemeClr>
+                </a:solidFill>
+                <a:latin typeface="Consolas" panose="020B0609020204030204" pitchFamily="49" charset="0"/>
+              </a:rPr>
+              <a:t>COPY . .</a:t>
+            </a:r>
+          </a:p>
+          <a:p>
+            <a:pPr marL="0" indent="0">
+              <a:buNone/>
+            </a:pPr>
+            <a:r>
+              <a:rPr lang="en-US" dirty="0">
+                <a:solidFill>
+                  <a:schemeClr val="bg1">
+                    <a:lumMod val="75000"/>
+                  </a:schemeClr>
+                </a:solidFill>
+                <a:latin typeface="Consolas" panose="020B0609020204030204" pitchFamily="49" charset="0"/>
+              </a:rPr>
+              <a:t>WORKDIR "/</a:t>
+            </a:r>
+            <a:r>
+              <a:rPr lang="en-US" dirty="0" err="1">
+                <a:solidFill>
+                  <a:schemeClr val="bg1">
+                    <a:lumMod val="75000"/>
+                  </a:schemeClr>
+                </a:solidFill>
+                <a:latin typeface="Consolas" panose="020B0609020204030204" pitchFamily="49" charset="0"/>
+              </a:rPr>
+              <a:t>src</a:t>
+            </a:r>
+            <a:r>
+              <a:rPr lang="en-US" dirty="0">
+                <a:solidFill>
+                  <a:schemeClr val="bg1">
+                    <a:lumMod val="75000"/>
+                  </a:schemeClr>
+                </a:solidFill>
+                <a:latin typeface="Consolas" panose="020B0609020204030204" pitchFamily="49" charset="0"/>
+              </a:rPr>
+              <a:t>/</a:t>
+            </a:r>
+            <a:r>
+              <a:rPr lang="en-US" dirty="0" err="1">
+                <a:solidFill>
+                  <a:schemeClr val="bg1">
+                    <a:lumMod val="75000"/>
+                  </a:schemeClr>
+                </a:solidFill>
+                <a:latin typeface="Consolas" panose="020B0609020204030204" pitchFamily="49" charset="0"/>
+              </a:rPr>
+              <a:t>WebApplication</a:t>
+            </a:r>
+            <a:r>
+              <a:rPr lang="en-US" dirty="0">
+                <a:solidFill>
+                  <a:schemeClr val="bg1">
+                    <a:lumMod val="75000"/>
+                  </a:schemeClr>
+                </a:solidFill>
+                <a:latin typeface="Consolas" panose="020B0609020204030204" pitchFamily="49" charset="0"/>
+              </a:rPr>
+              <a:t>"</a:t>
+            </a:r>
+          </a:p>
+          <a:p>
+            <a:pPr marL="0" indent="0">
+              <a:buNone/>
+            </a:pPr>
+            <a:r>
+              <a:rPr lang="en-US" dirty="0">
+                <a:solidFill>
+                  <a:schemeClr val="bg1">
+                    <a:lumMod val="75000"/>
+                  </a:schemeClr>
+                </a:solidFill>
+                <a:latin typeface="Consolas" panose="020B0609020204030204" pitchFamily="49" charset="0"/>
+              </a:rPr>
+              <a:t>RUN dotnet build "</a:t>
+            </a:r>
+            <a:r>
+              <a:rPr lang="en-US" dirty="0" err="1">
+                <a:solidFill>
+                  <a:schemeClr val="bg1">
+                    <a:lumMod val="75000"/>
+                  </a:schemeClr>
+                </a:solidFill>
+                <a:latin typeface="Consolas" panose="020B0609020204030204" pitchFamily="49" charset="0"/>
+              </a:rPr>
+              <a:t>WebApplication.csproj</a:t>
+            </a:r>
+            <a:r>
+              <a:rPr lang="en-US" dirty="0">
+                <a:solidFill>
+                  <a:schemeClr val="bg1">
+                    <a:lumMod val="75000"/>
+                  </a:schemeClr>
+                </a:solidFill>
+                <a:latin typeface="Consolas" panose="020B0609020204030204" pitchFamily="49" charset="0"/>
+              </a:rPr>
+              <a:t>" -c Release -o /app</a:t>
+            </a:r>
+          </a:p>
+          <a:p>
+            <a:pPr marL="0" indent="0">
+              <a:buNone/>
+            </a:pPr>
+            <a:endParaRPr lang="en-US" dirty="0">
+              <a:solidFill>
+                <a:schemeClr val="bg1">
+                  <a:lumMod val="75000"/>
+                </a:schemeClr>
+              </a:solidFill>
+              <a:latin typeface="Consolas" panose="020B0609020204030204" pitchFamily="49" charset="0"/>
+            </a:endParaRPr>
+          </a:p>
+          <a:p>
+            <a:pPr marL="0" indent="0">
+              <a:buNone/>
+            </a:pPr>
+            <a:r>
+              <a:rPr lang="en-US" dirty="0">
+                <a:solidFill>
+                  <a:schemeClr val="bg1">
+                    <a:lumMod val="75000"/>
+                  </a:schemeClr>
+                </a:solidFill>
+                <a:latin typeface="Consolas" panose="020B0609020204030204" pitchFamily="49" charset="0"/>
+              </a:rPr>
+              <a:t>FROM build AS publish</a:t>
+            </a:r>
+          </a:p>
+          <a:p>
+            <a:pPr marL="0" indent="0">
+              <a:buNone/>
+            </a:pPr>
+            <a:r>
+              <a:rPr lang="en-US" dirty="0">
+                <a:solidFill>
+                  <a:schemeClr val="bg1">
+                    <a:lumMod val="75000"/>
+                  </a:schemeClr>
+                </a:solidFill>
+                <a:latin typeface="Consolas" panose="020B0609020204030204" pitchFamily="49" charset="0"/>
+              </a:rPr>
+              <a:t>RUN dotnet publish "</a:t>
+            </a:r>
+            <a:r>
+              <a:rPr lang="en-US" dirty="0" err="1">
+                <a:solidFill>
+                  <a:schemeClr val="bg1">
+                    <a:lumMod val="75000"/>
+                  </a:schemeClr>
+                </a:solidFill>
+                <a:latin typeface="Consolas" panose="020B0609020204030204" pitchFamily="49" charset="0"/>
+              </a:rPr>
+              <a:t>WebApplication.csproj</a:t>
+            </a:r>
+            <a:r>
+              <a:rPr lang="en-US" dirty="0">
+                <a:solidFill>
+                  <a:schemeClr val="bg1">
+                    <a:lumMod val="75000"/>
+                  </a:schemeClr>
+                </a:solidFill>
+                <a:latin typeface="Consolas" panose="020B0609020204030204" pitchFamily="49" charset="0"/>
+              </a:rPr>
+              <a:t>" -c Release -o /app</a:t>
+            </a:r>
+          </a:p>
+          <a:p>
+            <a:pPr marL="0" indent="0">
+              <a:buNone/>
+            </a:pPr>
+            <a:endParaRPr lang="en-US" dirty="0">
+              <a:solidFill>
+                <a:schemeClr val="bg1">
+                  <a:lumMod val="75000"/>
+                </a:schemeClr>
+              </a:solidFill>
+              <a:latin typeface="Consolas" panose="020B0609020204030204" pitchFamily="49" charset="0"/>
+            </a:endParaRPr>
+          </a:p>
+          <a:p>
+            <a:pPr marL="0" indent="0">
+              <a:buNone/>
+            </a:pPr>
+            <a:r>
+              <a:rPr lang="en-US" dirty="0">
+                <a:solidFill>
+                  <a:schemeClr val="bg1">
+                    <a:lumMod val="75000"/>
+                  </a:schemeClr>
+                </a:solidFill>
+                <a:latin typeface="Consolas" panose="020B0609020204030204" pitchFamily="49" charset="0"/>
+              </a:rPr>
+              <a:t>FROM base AS final</a:t>
+            </a:r>
+          </a:p>
+          <a:p>
+            <a:pPr marL="0" indent="0">
+              <a:buNone/>
+            </a:pPr>
+            <a:r>
+              <a:rPr lang="en-US" dirty="0">
+                <a:solidFill>
+                  <a:schemeClr val="bg1">
+                    <a:lumMod val="75000"/>
+                  </a:schemeClr>
+                </a:solidFill>
+                <a:latin typeface="Consolas" panose="020B0609020204030204" pitchFamily="49" charset="0"/>
+              </a:rPr>
+              <a:t>WORKDIR /app</a:t>
+            </a:r>
+          </a:p>
+          <a:p>
+            <a:pPr marL="0" indent="0">
+              <a:buNone/>
+            </a:pPr>
+            <a:r>
+              <a:rPr lang="en-US" dirty="0">
+                <a:solidFill>
+                  <a:schemeClr val="bg1">
+                    <a:lumMod val="75000"/>
+                  </a:schemeClr>
+                </a:solidFill>
+                <a:latin typeface="Consolas" panose="020B0609020204030204" pitchFamily="49" charset="0"/>
+              </a:rPr>
+              <a:t>COPY --from=publish /app .</a:t>
+            </a:r>
+          </a:p>
+          <a:p>
+            <a:pPr marL="0" indent="0">
+              <a:buNone/>
+            </a:pPr>
+            <a:r>
+              <a:rPr lang="en-US" dirty="0">
+                <a:solidFill>
+                  <a:schemeClr val="bg1">
+                    <a:lumMod val="75000"/>
+                  </a:schemeClr>
+                </a:solidFill>
+                <a:latin typeface="Consolas" panose="020B0609020204030204" pitchFamily="49" charset="0"/>
+              </a:rPr>
+              <a:t>ENTRYPOINT ["dotnet", "WebApplication.dll"]</a:t>
+            </a:r>
+            <a:endParaRPr lang="en-US" dirty="0">
+              <a:solidFill>
+                <a:schemeClr val="bg1">
+                  <a:lumMod val="75000"/>
+                </a:schemeClr>
+              </a:solidFill>
+            </a:endParaRPr>
+          </a:p>
+        </p:txBody>
+      </p:sp>
+      <p:sp>
+        <p:nvSpPr>
+          <p:cNvPr id="4" name="Content Placeholder 3">
+            <a:extLst>
+              <a:ext uri="{FF2B5EF4-FFF2-40B4-BE49-F238E27FC236}">
+                <a16:creationId xmlns:a16="http://schemas.microsoft.com/office/drawing/2014/main" id="{8C646BFC-37E9-4587-B621-CA9B7B00AED0}"/>
+              </a:ext>
+            </a:extLst>
+          </p:cNvPr>
+          <p:cNvSpPr>
+            <a:spLocks noGrp="1"/>
+          </p:cNvSpPr>
+          <p:nvPr>
+            <p:ph sz="half" idx="2"/>
+          </p:nvPr>
+        </p:nvSpPr>
+        <p:spPr>
+          <a:xfrm>
+            <a:off x="838200" y="2298850"/>
+            <a:ext cx="10818796" cy="3404887"/>
+          </a:xfrm>
+        </p:spPr>
+        <p:txBody>
+          <a:bodyPr/>
+          <a:lstStyle/>
+          <a:p>
+            <a:pPr marL="0" indent="0">
+              <a:buNone/>
+            </a:pPr>
+            <a:r>
+              <a:rPr lang="en-US" dirty="0">
+                <a:solidFill>
+                  <a:srgbClr val="0000FF"/>
+                </a:solidFill>
+                <a:latin typeface="Consolas" panose="020B0609020204030204" pitchFamily="49" charset="0"/>
+              </a:rPr>
+              <a:t>FROM</a:t>
+            </a:r>
+            <a:r>
+              <a:rPr lang="en-US" dirty="0">
+                <a:solidFill>
+                  <a:srgbClr val="000000"/>
+                </a:solidFill>
+                <a:latin typeface="Consolas" panose="020B0609020204030204" pitchFamily="49" charset="0"/>
+              </a:rPr>
+              <a:t> </a:t>
+            </a:r>
+            <a:r>
+              <a:rPr lang="en-US" dirty="0" err="1">
+                <a:solidFill>
+                  <a:srgbClr val="000000"/>
+                </a:solidFill>
+                <a:latin typeface="Consolas" panose="020B0609020204030204" pitchFamily="49" charset="0"/>
+              </a:rPr>
+              <a:t>microsoft</a:t>
+            </a:r>
+            <a:r>
+              <a:rPr lang="en-US" dirty="0">
+                <a:solidFill>
+                  <a:srgbClr val="000000"/>
+                </a:solidFill>
+                <a:latin typeface="Consolas" panose="020B0609020204030204" pitchFamily="49" charset="0"/>
+              </a:rPr>
+              <a:t>/dotnet:2.2-aspnetcore-runtime AS base</a:t>
+            </a:r>
+          </a:p>
+          <a:p>
+            <a:pPr marL="0" indent="0">
+              <a:buNone/>
+            </a:pPr>
+            <a:r>
+              <a:rPr lang="en-US" dirty="0">
+                <a:solidFill>
+                  <a:srgbClr val="000000"/>
+                </a:solidFill>
+                <a:latin typeface="Consolas" panose="020B0609020204030204" pitchFamily="49" charset="0"/>
+              </a:rPr>
+              <a:t>WORKDIR /app</a:t>
+            </a:r>
+          </a:p>
+          <a:p>
+            <a:pPr marL="0" indent="0">
+              <a:buNone/>
+            </a:pPr>
+            <a:r>
+              <a:rPr lang="en-US" dirty="0">
+                <a:solidFill>
+                  <a:srgbClr val="000000"/>
+                </a:solidFill>
+                <a:latin typeface="Consolas" panose="020B0609020204030204" pitchFamily="49" charset="0"/>
+              </a:rPr>
+              <a:t>EXPOSE 80</a:t>
+            </a:r>
+          </a:p>
+          <a:p>
+            <a:endParaRPr lang="en-US" dirty="0"/>
+          </a:p>
+        </p:txBody>
+      </p:sp>
+    </p:spTree>
+    <p:extLst>
+      <p:ext uri="{BB962C8B-B14F-4D97-AF65-F5344CB8AC3E}">
+        <p14:creationId xmlns:p14="http://schemas.microsoft.com/office/powerpoint/2010/main" val="2197812079"/>
+      </p:ext>
+    </p:extLst>
+  </p:cSld>
+  <p:clrMapOvr>
+    <a:masterClrMapping/>
+  </p:clrMapOvr>
+</p:sld>
+</file>
+
+<file path=ppt/slides/slide8.xml><?xml version="1.0" encoding="utf-8"?>
+<p:sld xmlns:a="http://schemas.openxmlformats.org/drawingml/2006/main" xmlns:r="http://schemas.openxmlformats.org/officeDocument/2006/relationships" xmlns:p="http://schemas.openxmlformats.org/presentationml/2006/main">
+  <p:cSld>
+    <p:spTree>
+      <p:nvGrpSpPr>
+        <p:cNvPr id="1" name=""/>
+        <p:cNvGrpSpPr/>
+        <p:nvPr/>
+      </p:nvGrpSpPr>
+      <p:grpSpPr>
+        <a:xfrm>
+          <a:off x="0" y="0"/>
+          <a:ext cx="0" cy="0"/>
+          <a:chOff x="0" y="0"/>
+          <a:chExt cx="0" cy="0"/>
+        </a:xfrm>
+      </p:grpSpPr>
+      <p:sp>
+        <p:nvSpPr>
+          <p:cNvPr id="2" name="Title 1">
+            <a:extLst>
+              <a:ext uri="{FF2B5EF4-FFF2-40B4-BE49-F238E27FC236}">
+                <a16:creationId xmlns:a16="http://schemas.microsoft.com/office/drawing/2014/main" id="{8F167E3B-E394-4917-A14C-99BCA28F623B}"/>
+              </a:ext>
+            </a:extLst>
+          </p:cNvPr>
+          <p:cNvSpPr>
+            <a:spLocks noGrp="1"/>
+          </p:cNvSpPr>
+          <p:nvPr>
+            <p:ph type="title"/>
+          </p:nvPr>
+        </p:nvSpPr>
+        <p:spPr/>
+        <p:txBody>
+          <a:bodyPr/>
+          <a:lstStyle/>
+          <a:p>
+            <a:r>
+              <a:rPr lang="en-US" dirty="0" err="1"/>
+              <a:t>Dockerfile</a:t>
+            </a:r>
+            <a:endParaRPr lang="en-US" dirty="0"/>
+          </a:p>
+        </p:txBody>
+      </p:sp>
+      <p:sp>
+        <p:nvSpPr>
+          <p:cNvPr id="3" name="Content Placeholder 2">
+            <a:extLst>
+              <a:ext uri="{FF2B5EF4-FFF2-40B4-BE49-F238E27FC236}">
+                <a16:creationId xmlns:a16="http://schemas.microsoft.com/office/drawing/2014/main" id="{27B9B04F-C90A-448F-962D-F458CB48CE32}"/>
+              </a:ext>
+            </a:extLst>
+          </p:cNvPr>
+          <p:cNvSpPr>
+            <a:spLocks noGrp="1"/>
+          </p:cNvSpPr>
+          <p:nvPr>
+            <p:ph sz="half" idx="1"/>
+          </p:nvPr>
+        </p:nvSpPr>
+        <p:spPr/>
+        <p:txBody>
+          <a:bodyPr>
+            <a:normAutofit fontScale="32500" lnSpcReduction="20000"/>
+          </a:bodyPr>
+          <a:lstStyle/>
+          <a:p>
+            <a:pPr marL="0" indent="0">
+              <a:buNone/>
+            </a:pPr>
+            <a:r>
+              <a:rPr lang="en-US" dirty="0">
+                <a:solidFill>
+                  <a:schemeClr val="bg1">
+                    <a:lumMod val="75000"/>
+                  </a:schemeClr>
+                </a:solidFill>
+                <a:latin typeface="Consolas" panose="020B0609020204030204" pitchFamily="49" charset="0"/>
+              </a:rPr>
+              <a:t>FROM </a:t>
+            </a:r>
+            <a:r>
+              <a:rPr lang="en-US" dirty="0" err="1">
+                <a:solidFill>
+                  <a:schemeClr val="bg1">
+                    <a:lumMod val="75000"/>
+                  </a:schemeClr>
+                </a:solidFill>
+                <a:latin typeface="Consolas" panose="020B0609020204030204" pitchFamily="49" charset="0"/>
+              </a:rPr>
+              <a:t>microsoft</a:t>
+            </a:r>
+            <a:r>
+              <a:rPr lang="en-US" dirty="0">
+                <a:solidFill>
+                  <a:schemeClr val="bg1">
+                    <a:lumMod val="75000"/>
+                  </a:schemeClr>
+                </a:solidFill>
+                <a:latin typeface="Consolas" panose="020B0609020204030204" pitchFamily="49" charset="0"/>
+              </a:rPr>
+              <a:t>/dotnet:2.2-aspnetcore-runtime AS base</a:t>
+            </a:r>
+          </a:p>
+          <a:p>
+            <a:pPr marL="0" indent="0">
+              <a:buNone/>
+            </a:pPr>
+            <a:r>
+              <a:rPr lang="en-US" dirty="0">
+                <a:solidFill>
+                  <a:schemeClr val="bg1">
+                    <a:lumMod val="75000"/>
+                  </a:schemeClr>
+                </a:solidFill>
+                <a:latin typeface="Consolas" panose="020B0609020204030204" pitchFamily="49" charset="0"/>
+              </a:rPr>
+              <a:t>WORKDIR /app</a:t>
+            </a:r>
+          </a:p>
+          <a:p>
+            <a:pPr marL="0" indent="0">
+              <a:buNone/>
+            </a:pPr>
+            <a:r>
+              <a:rPr lang="en-US" dirty="0">
+                <a:solidFill>
+                  <a:schemeClr val="bg1">
+                    <a:lumMod val="75000"/>
+                  </a:schemeClr>
+                </a:solidFill>
+                <a:latin typeface="Consolas" panose="020B0609020204030204" pitchFamily="49" charset="0"/>
+              </a:rPr>
+              <a:t>EXPOSE 80</a:t>
+            </a:r>
+          </a:p>
+          <a:p>
+            <a:pPr marL="0" indent="0">
+              <a:buNone/>
+            </a:pPr>
+            <a:endParaRPr lang="en-US" dirty="0">
+              <a:solidFill>
+                <a:schemeClr val="bg1">
+                  <a:lumMod val="75000"/>
+                </a:schemeClr>
+              </a:solidFill>
+              <a:latin typeface="Consolas" panose="020B0609020204030204" pitchFamily="49" charset="0"/>
+            </a:endParaRPr>
+          </a:p>
+          <a:p>
+            <a:pPr marL="0" indent="0">
+              <a:buNone/>
+            </a:pPr>
+            <a:r>
+              <a:rPr lang="en-US" dirty="0">
+                <a:solidFill>
+                  <a:schemeClr val="bg1">
+                    <a:lumMod val="75000"/>
+                  </a:schemeClr>
+                </a:solidFill>
+                <a:latin typeface="Consolas" panose="020B0609020204030204" pitchFamily="49" charset="0"/>
+              </a:rPr>
+              <a:t>FROM </a:t>
+            </a:r>
+            <a:r>
+              <a:rPr lang="en-US" dirty="0" err="1">
+                <a:solidFill>
+                  <a:schemeClr val="bg1">
+                    <a:lumMod val="75000"/>
+                  </a:schemeClr>
+                </a:solidFill>
+                <a:latin typeface="Consolas" panose="020B0609020204030204" pitchFamily="49" charset="0"/>
+              </a:rPr>
+              <a:t>microsoft</a:t>
+            </a:r>
+            <a:r>
+              <a:rPr lang="en-US" dirty="0">
+                <a:solidFill>
+                  <a:schemeClr val="bg1">
+                    <a:lumMod val="75000"/>
+                  </a:schemeClr>
+                </a:solidFill>
+                <a:latin typeface="Consolas" panose="020B0609020204030204" pitchFamily="49" charset="0"/>
+              </a:rPr>
+              <a:t>/dotnet:2.2-sdk AS build</a:t>
+            </a:r>
+          </a:p>
+          <a:p>
+            <a:pPr marL="0" indent="0">
+              <a:buNone/>
+            </a:pPr>
+            <a:r>
+              <a:rPr lang="en-US" dirty="0">
+                <a:solidFill>
+                  <a:schemeClr val="bg1">
+                    <a:lumMod val="75000"/>
+                  </a:schemeClr>
+                </a:solidFill>
+                <a:latin typeface="Consolas" panose="020B0609020204030204" pitchFamily="49" charset="0"/>
+              </a:rPr>
+              <a:t>WORKDIR /</a:t>
+            </a:r>
+            <a:r>
+              <a:rPr lang="en-US" dirty="0" err="1">
+                <a:solidFill>
+                  <a:schemeClr val="bg1">
+                    <a:lumMod val="75000"/>
+                  </a:schemeClr>
+                </a:solidFill>
+                <a:latin typeface="Consolas" panose="020B0609020204030204" pitchFamily="49" charset="0"/>
+              </a:rPr>
+              <a:t>src</a:t>
+            </a:r>
+            <a:endParaRPr lang="en-US" dirty="0">
+              <a:solidFill>
+                <a:schemeClr val="bg1">
+                  <a:lumMod val="75000"/>
+                </a:schemeClr>
+              </a:solidFill>
+              <a:latin typeface="Consolas" panose="020B0609020204030204" pitchFamily="49" charset="0"/>
+            </a:endParaRPr>
+          </a:p>
+          <a:p>
+            <a:pPr marL="0" indent="0">
+              <a:buNone/>
+            </a:pPr>
+            <a:r>
+              <a:rPr lang="en-US" dirty="0">
+                <a:solidFill>
+                  <a:schemeClr val="bg1">
+                    <a:lumMod val="75000"/>
+                  </a:schemeClr>
+                </a:solidFill>
+                <a:latin typeface="Consolas" panose="020B0609020204030204" pitchFamily="49" charset="0"/>
+              </a:rPr>
+              <a:t>COPY ["</a:t>
+            </a:r>
+            <a:r>
+              <a:rPr lang="en-US" dirty="0" err="1">
+                <a:solidFill>
+                  <a:schemeClr val="bg1">
+                    <a:lumMod val="75000"/>
+                  </a:schemeClr>
+                </a:solidFill>
+                <a:latin typeface="Consolas" panose="020B0609020204030204" pitchFamily="49" charset="0"/>
+              </a:rPr>
+              <a:t>WebApplication</a:t>
+            </a:r>
+            <a:r>
+              <a:rPr lang="en-US" dirty="0">
+                <a:solidFill>
+                  <a:schemeClr val="bg1">
+                    <a:lumMod val="75000"/>
+                  </a:schemeClr>
+                </a:solidFill>
+                <a:latin typeface="Consolas" panose="020B0609020204030204" pitchFamily="49" charset="0"/>
+              </a:rPr>
+              <a:t>/</a:t>
+            </a:r>
+            <a:r>
+              <a:rPr lang="en-US" dirty="0" err="1">
+                <a:solidFill>
+                  <a:schemeClr val="bg1">
+                    <a:lumMod val="75000"/>
+                  </a:schemeClr>
+                </a:solidFill>
+                <a:latin typeface="Consolas" panose="020B0609020204030204" pitchFamily="49" charset="0"/>
+              </a:rPr>
+              <a:t>WebApplication.csproj</a:t>
+            </a:r>
+            <a:r>
+              <a:rPr lang="en-US" dirty="0">
+                <a:solidFill>
+                  <a:schemeClr val="bg1">
+                    <a:lumMod val="75000"/>
+                  </a:schemeClr>
+                </a:solidFill>
+                <a:latin typeface="Consolas" panose="020B0609020204030204" pitchFamily="49" charset="0"/>
+              </a:rPr>
+              <a:t>", "</a:t>
+            </a:r>
+            <a:r>
+              <a:rPr lang="en-US" dirty="0" err="1">
+                <a:solidFill>
+                  <a:schemeClr val="bg1">
+                    <a:lumMod val="75000"/>
+                  </a:schemeClr>
+                </a:solidFill>
+                <a:latin typeface="Consolas" panose="020B0609020204030204" pitchFamily="49" charset="0"/>
+              </a:rPr>
+              <a:t>WebApplication</a:t>
+            </a:r>
+            <a:r>
+              <a:rPr lang="en-US" dirty="0">
+                <a:solidFill>
+                  <a:schemeClr val="bg1">
+                    <a:lumMod val="75000"/>
+                  </a:schemeClr>
+                </a:solidFill>
+                <a:latin typeface="Consolas" panose="020B0609020204030204" pitchFamily="49" charset="0"/>
+              </a:rPr>
+              <a:t>/"]</a:t>
+            </a:r>
+          </a:p>
+          <a:p>
+            <a:pPr marL="0" indent="0">
+              <a:buNone/>
+            </a:pPr>
+            <a:r>
+              <a:rPr lang="en-US" dirty="0">
+                <a:solidFill>
+                  <a:schemeClr val="bg1">
+                    <a:lumMod val="75000"/>
+                  </a:schemeClr>
+                </a:solidFill>
+                <a:latin typeface="Consolas" panose="020B0609020204030204" pitchFamily="49" charset="0"/>
+              </a:rPr>
+              <a:t>RUN dotnet restore "</a:t>
+            </a:r>
+            <a:r>
+              <a:rPr lang="en-US" dirty="0" err="1">
+                <a:solidFill>
+                  <a:schemeClr val="bg1">
+                    <a:lumMod val="75000"/>
+                  </a:schemeClr>
+                </a:solidFill>
+                <a:latin typeface="Consolas" panose="020B0609020204030204" pitchFamily="49" charset="0"/>
+              </a:rPr>
+              <a:t>WebApplication</a:t>
+            </a:r>
+            <a:r>
+              <a:rPr lang="en-US" dirty="0">
+                <a:solidFill>
+                  <a:schemeClr val="bg1">
+                    <a:lumMod val="75000"/>
+                  </a:schemeClr>
+                </a:solidFill>
+                <a:latin typeface="Consolas" panose="020B0609020204030204" pitchFamily="49" charset="0"/>
+              </a:rPr>
+              <a:t>/</a:t>
+            </a:r>
+            <a:r>
+              <a:rPr lang="en-US" dirty="0" err="1">
+                <a:solidFill>
+                  <a:schemeClr val="bg1">
+                    <a:lumMod val="75000"/>
+                  </a:schemeClr>
+                </a:solidFill>
+                <a:latin typeface="Consolas" panose="020B0609020204030204" pitchFamily="49" charset="0"/>
+              </a:rPr>
+              <a:t>WebApplication.csproj</a:t>
+            </a:r>
+            <a:r>
+              <a:rPr lang="en-US" dirty="0">
+                <a:solidFill>
+                  <a:schemeClr val="bg1">
+                    <a:lumMod val="75000"/>
+                  </a:schemeClr>
+                </a:solidFill>
+                <a:latin typeface="Consolas" panose="020B0609020204030204" pitchFamily="49" charset="0"/>
+              </a:rPr>
+              <a:t>"</a:t>
+            </a:r>
+          </a:p>
+          <a:p>
+            <a:pPr marL="0" indent="0">
+              <a:buNone/>
+            </a:pPr>
+            <a:r>
+              <a:rPr lang="en-US" dirty="0">
+                <a:solidFill>
+                  <a:schemeClr val="bg1">
+                    <a:lumMod val="75000"/>
+                  </a:schemeClr>
+                </a:solidFill>
+                <a:latin typeface="Consolas" panose="020B0609020204030204" pitchFamily="49" charset="0"/>
+              </a:rPr>
+              <a:t>COPY . .</a:t>
+            </a:r>
+          </a:p>
+          <a:p>
+            <a:pPr marL="0" indent="0">
+              <a:buNone/>
+            </a:pPr>
+            <a:r>
+              <a:rPr lang="en-US" dirty="0">
+                <a:solidFill>
+                  <a:schemeClr val="bg1">
+                    <a:lumMod val="75000"/>
+                  </a:schemeClr>
+                </a:solidFill>
+                <a:latin typeface="Consolas" panose="020B0609020204030204" pitchFamily="49" charset="0"/>
+              </a:rPr>
+              <a:t>WORKDIR "/</a:t>
+            </a:r>
+            <a:r>
+              <a:rPr lang="en-US" dirty="0" err="1">
+                <a:solidFill>
+                  <a:schemeClr val="bg1">
+                    <a:lumMod val="75000"/>
+                  </a:schemeClr>
+                </a:solidFill>
+                <a:latin typeface="Consolas" panose="020B0609020204030204" pitchFamily="49" charset="0"/>
+              </a:rPr>
+              <a:t>src</a:t>
+            </a:r>
+            <a:r>
+              <a:rPr lang="en-US" dirty="0">
+                <a:solidFill>
+                  <a:schemeClr val="bg1">
+                    <a:lumMod val="75000"/>
+                  </a:schemeClr>
+                </a:solidFill>
+                <a:latin typeface="Consolas" panose="020B0609020204030204" pitchFamily="49" charset="0"/>
+              </a:rPr>
+              <a:t>/</a:t>
+            </a:r>
+            <a:r>
+              <a:rPr lang="en-US" dirty="0" err="1">
+                <a:solidFill>
+                  <a:schemeClr val="bg1">
+                    <a:lumMod val="75000"/>
+                  </a:schemeClr>
+                </a:solidFill>
+                <a:latin typeface="Consolas" panose="020B0609020204030204" pitchFamily="49" charset="0"/>
+              </a:rPr>
+              <a:t>WebApplication</a:t>
+            </a:r>
+            <a:r>
+              <a:rPr lang="en-US" dirty="0">
+                <a:solidFill>
+                  <a:schemeClr val="bg1">
+                    <a:lumMod val="75000"/>
+                  </a:schemeClr>
+                </a:solidFill>
+                <a:latin typeface="Consolas" panose="020B0609020204030204" pitchFamily="49" charset="0"/>
+              </a:rPr>
+              <a:t>"</a:t>
+            </a:r>
+          </a:p>
+          <a:p>
+            <a:pPr marL="0" indent="0">
+              <a:buNone/>
+            </a:pPr>
+            <a:r>
+              <a:rPr lang="en-US" dirty="0">
+                <a:solidFill>
+                  <a:schemeClr val="bg1">
+                    <a:lumMod val="75000"/>
+                  </a:schemeClr>
+                </a:solidFill>
+                <a:latin typeface="Consolas" panose="020B0609020204030204" pitchFamily="49" charset="0"/>
+              </a:rPr>
+              <a:t>RUN dotnet build "</a:t>
+            </a:r>
+            <a:r>
+              <a:rPr lang="en-US" dirty="0" err="1">
+                <a:solidFill>
+                  <a:schemeClr val="bg1">
+                    <a:lumMod val="75000"/>
+                  </a:schemeClr>
+                </a:solidFill>
+                <a:latin typeface="Consolas" panose="020B0609020204030204" pitchFamily="49" charset="0"/>
+              </a:rPr>
+              <a:t>WebApplication.csproj</a:t>
+            </a:r>
+            <a:r>
+              <a:rPr lang="en-US" dirty="0">
+                <a:solidFill>
+                  <a:schemeClr val="bg1">
+                    <a:lumMod val="75000"/>
+                  </a:schemeClr>
+                </a:solidFill>
+                <a:latin typeface="Consolas" panose="020B0609020204030204" pitchFamily="49" charset="0"/>
+              </a:rPr>
+              <a:t>" -c Release -o /app</a:t>
+            </a:r>
+          </a:p>
+          <a:p>
+            <a:pPr marL="0" indent="0">
+              <a:buNone/>
+            </a:pPr>
+            <a:endParaRPr lang="en-US" dirty="0">
+              <a:solidFill>
+                <a:schemeClr val="bg1">
+                  <a:lumMod val="75000"/>
+                </a:schemeClr>
+              </a:solidFill>
+              <a:latin typeface="Consolas" panose="020B0609020204030204" pitchFamily="49" charset="0"/>
+            </a:endParaRPr>
+          </a:p>
+          <a:p>
+            <a:pPr marL="0" indent="0">
+              <a:buNone/>
+            </a:pPr>
+            <a:r>
+              <a:rPr lang="en-US" dirty="0">
+                <a:solidFill>
+                  <a:schemeClr val="bg1">
+                    <a:lumMod val="75000"/>
+                  </a:schemeClr>
+                </a:solidFill>
+                <a:latin typeface="Consolas" panose="020B0609020204030204" pitchFamily="49" charset="0"/>
+              </a:rPr>
+              <a:t>FROM build AS publish</a:t>
+            </a:r>
+          </a:p>
+          <a:p>
+            <a:pPr marL="0" indent="0">
+              <a:buNone/>
+            </a:pPr>
+            <a:r>
+              <a:rPr lang="en-US" dirty="0">
+                <a:solidFill>
+                  <a:schemeClr val="bg1">
+                    <a:lumMod val="75000"/>
+                  </a:schemeClr>
+                </a:solidFill>
+                <a:latin typeface="Consolas" panose="020B0609020204030204" pitchFamily="49" charset="0"/>
+              </a:rPr>
+              <a:t>RUN dotnet publish "</a:t>
+            </a:r>
+            <a:r>
+              <a:rPr lang="en-US" dirty="0" err="1">
+                <a:solidFill>
+                  <a:schemeClr val="bg1">
+                    <a:lumMod val="75000"/>
+                  </a:schemeClr>
+                </a:solidFill>
+                <a:latin typeface="Consolas" panose="020B0609020204030204" pitchFamily="49" charset="0"/>
+              </a:rPr>
+              <a:t>WebApplication.csproj</a:t>
+            </a:r>
+            <a:r>
+              <a:rPr lang="en-US" dirty="0">
+                <a:solidFill>
+                  <a:schemeClr val="bg1">
+                    <a:lumMod val="75000"/>
+                  </a:schemeClr>
+                </a:solidFill>
+                <a:latin typeface="Consolas" panose="020B0609020204030204" pitchFamily="49" charset="0"/>
+              </a:rPr>
+              <a:t>" -c Release -o /app</a:t>
+            </a:r>
+          </a:p>
+          <a:p>
+            <a:pPr marL="0" indent="0">
+              <a:buNone/>
+            </a:pPr>
+            <a:endParaRPr lang="en-US" dirty="0">
+              <a:solidFill>
+                <a:schemeClr val="bg1">
+                  <a:lumMod val="75000"/>
+                </a:schemeClr>
+              </a:solidFill>
+              <a:latin typeface="Consolas" panose="020B0609020204030204" pitchFamily="49" charset="0"/>
+            </a:endParaRPr>
+          </a:p>
+          <a:p>
+            <a:pPr marL="0" indent="0">
+              <a:buNone/>
+            </a:pPr>
+            <a:r>
+              <a:rPr lang="en-US" dirty="0">
+                <a:solidFill>
+                  <a:schemeClr val="bg1">
+                    <a:lumMod val="75000"/>
+                  </a:schemeClr>
+                </a:solidFill>
+                <a:latin typeface="Consolas" panose="020B0609020204030204" pitchFamily="49" charset="0"/>
+              </a:rPr>
+              <a:t>FROM base AS final</a:t>
+            </a:r>
+          </a:p>
+          <a:p>
+            <a:pPr marL="0" indent="0">
+              <a:buNone/>
+            </a:pPr>
+            <a:r>
+              <a:rPr lang="en-US" dirty="0">
+                <a:solidFill>
+                  <a:schemeClr val="bg1">
+                    <a:lumMod val="75000"/>
+                  </a:schemeClr>
+                </a:solidFill>
+                <a:latin typeface="Consolas" panose="020B0609020204030204" pitchFamily="49" charset="0"/>
+              </a:rPr>
+              <a:t>WORKDIR /app</a:t>
+            </a:r>
+          </a:p>
+          <a:p>
+            <a:pPr marL="0" indent="0">
+              <a:buNone/>
+            </a:pPr>
+            <a:r>
+              <a:rPr lang="en-US" dirty="0">
+                <a:solidFill>
+                  <a:schemeClr val="bg1">
+                    <a:lumMod val="75000"/>
+                  </a:schemeClr>
+                </a:solidFill>
+                <a:latin typeface="Consolas" panose="020B0609020204030204" pitchFamily="49" charset="0"/>
+              </a:rPr>
+              <a:t>COPY --from=publish /app .</a:t>
+            </a:r>
+          </a:p>
+          <a:p>
+            <a:pPr marL="0" indent="0">
+              <a:buNone/>
+            </a:pPr>
+            <a:r>
+              <a:rPr lang="en-US" dirty="0">
+                <a:solidFill>
+                  <a:schemeClr val="bg1">
+                    <a:lumMod val="75000"/>
+                  </a:schemeClr>
+                </a:solidFill>
+                <a:latin typeface="Consolas" panose="020B0609020204030204" pitchFamily="49" charset="0"/>
+              </a:rPr>
+              <a:t>ENTRYPOINT ["dotnet", "WebApplication.dll"]</a:t>
+            </a:r>
+            <a:endParaRPr lang="en-US" dirty="0">
+              <a:solidFill>
+                <a:schemeClr val="bg1">
+                  <a:lumMod val="75000"/>
+                </a:schemeClr>
+              </a:solidFill>
+            </a:endParaRPr>
+          </a:p>
+        </p:txBody>
+      </p:sp>
+      <p:sp>
+        <p:nvSpPr>
+          <p:cNvPr id="4" name="Content Placeholder 3">
+            <a:extLst>
+              <a:ext uri="{FF2B5EF4-FFF2-40B4-BE49-F238E27FC236}">
+                <a16:creationId xmlns:a16="http://schemas.microsoft.com/office/drawing/2014/main" id="{8C646BFC-37E9-4587-B621-CA9B7B00AED0}"/>
+              </a:ext>
+            </a:extLst>
+          </p:cNvPr>
+          <p:cNvSpPr>
+            <a:spLocks noGrp="1"/>
+          </p:cNvSpPr>
+          <p:nvPr>
+            <p:ph sz="half" idx="2"/>
+          </p:nvPr>
+        </p:nvSpPr>
+        <p:spPr>
+          <a:xfrm>
+            <a:off x="838200" y="2645984"/>
+            <a:ext cx="11262017" cy="3404887"/>
+          </a:xfrm>
+        </p:spPr>
+        <p:txBody>
+          <a:bodyPr/>
+          <a:lstStyle/>
+          <a:p>
+            <a:pPr marL="0" indent="0">
+              <a:buNone/>
+            </a:pPr>
+            <a:r>
+              <a:rPr lang="en-US" dirty="0">
+                <a:solidFill>
+                  <a:srgbClr val="000000"/>
+                </a:solidFill>
+                <a:latin typeface="Consolas" panose="020B0609020204030204" pitchFamily="49" charset="0"/>
+              </a:rPr>
+              <a:t>FROM </a:t>
+            </a:r>
+            <a:r>
+              <a:rPr lang="en-US" dirty="0" err="1">
+                <a:solidFill>
+                  <a:srgbClr val="000000"/>
+                </a:solidFill>
+                <a:latin typeface="Consolas" panose="020B0609020204030204" pitchFamily="49" charset="0"/>
+              </a:rPr>
+              <a:t>microsoft</a:t>
+            </a:r>
+            <a:r>
+              <a:rPr lang="en-US" dirty="0">
+                <a:solidFill>
+                  <a:srgbClr val="000000"/>
+                </a:solidFill>
+                <a:latin typeface="Consolas" panose="020B0609020204030204" pitchFamily="49" charset="0"/>
+              </a:rPr>
+              <a:t>/dotnet:2.2-sdk AS build</a:t>
+            </a:r>
+          </a:p>
+          <a:p>
+            <a:pPr marL="0" indent="0">
+              <a:buNone/>
+            </a:pPr>
+            <a:r>
+              <a:rPr lang="en-US" dirty="0">
+                <a:solidFill>
+                  <a:srgbClr val="000000"/>
+                </a:solidFill>
+                <a:latin typeface="Consolas" panose="020B0609020204030204" pitchFamily="49" charset="0"/>
+              </a:rPr>
+              <a:t>WORKDIR /</a:t>
+            </a:r>
+            <a:r>
+              <a:rPr lang="en-US" dirty="0" err="1">
+                <a:solidFill>
+                  <a:srgbClr val="000000"/>
+                </a:solidFill>
+                <a:latin typeface="Consolas" panose="020B0609020204030204" pitchFamily="49" charset="0"/>
+              </a:rPr>
+              <a:t>src</a:t>
+            </a:r>
+            <a:endParaRPr lang="en-US" dirty="0">
+              <a:solidFill>
+                <a:srgbClr val="000000"/>
+              </a:solidFill>
+              <a:latin typeface="Consolas" panose="020B0609020204030204" pitchFamily="49" charset="0"/>
+            </a:endParaRPr>
+          </a:p>
+          <a:p>
+            <a:pPr marL="0" indent="0">
+              <a:buNone/>
+            </a:pPr>
+            <a:r>
+              <a:rPr lang="en-US" dirty="0">
+                <a:solidFill>
+                  <a:srgbClr val="000000"/>
+                </a:solidFill>
+                <a:latin typeface="Consolas" panose="020B0609020204030204" pitchFamily="49" charset="0"/>
+              </a:rPr>
+              <a:t>COPY [</a:t>
+            </a:r>
+            <a:r>
+              <a:rPr lang="en-US" dirty="0">
+                <a:solidFill>
+                  <a:srgbClr val="A31515"/>
+                </a:solidFill>
+                <a:latin typeface="Consolas" panose="020B0609020204030204" pitchFamily="49" charset="0"/>
+              </a:rPr>
+              <a:t>"</a:t>
+            </a:r>
+            <a:r>
+              <a:rPr lang="en-US" dirty="0" err="1">
+                <a:solidFill>
+                  <a:srgbClr val="A31515"/>
+                </a:solidFill>
+                <a:latin typeface="Consolas" panose="020B0609020204030204" pitchFamily="49" charset="0"/>
+              </a:rPr>
+              <a:t>WebApplication</a:t>
+            </a:r>
+            <a:r>
+              <a:rPr lang="en-US" dirty="0">
+                <a:solidFill>
+                  <a:srgbClr val="A31515"/>
+                </a:solidFill>
+                <a:latin typeface="Consolas" panose="020B0609020204030204" pitchFamily="49" charset="0"/>
+              </a:rPr>
+              <a:t>/</a:t>
+            </a:r>
+            <a:r>
+              <a:rPr lang="en-US" dirty="0" err="1">
+                <a:solidFill>
+                  <a:srgbClr val="A31515"/>
+                </a:solidFill>
+                <a:latin typeface="Consolas" panose="020B0609020204030204" pitchFamily="49" charset="0"/>
+              </a:rPr>
+              <a:t>WebApplication.csproj</a:t>
+            </a:r>
+            <a:r>
+              <a:rPr lang="en-US" dirty="0">
+                <a:solidFill>
+                  <a:srgbClr val="A31515"/>
+                </a:solidFill>
+                <a:latin typeface="Consolas" panose="020B0609020204030204" pitchFamily="49" charset="0"/>
+              </a:rPr>
+              <a:t>"</a:t>
+            </a:r>
+            <a:r>
+              <a:rPr lang="en-US" dirty="0">
+                <a:solidFill>
+                  <a:srgbClr val="000000"/>
+                </a:solidFill>
+                <a:latin typeface="Consolas" panose="020B0609020204030204" pitchFamily="49" charset="0"/>
+              </a:rPr>
+              <a:t>, </a:t>
+            </a:r>
+            <a:r>
+              <a:rPr lang="en-US" dirty="0">
+                <a:solidFill>
+                  <a:srgbClr val="A31515"/>
+                </a:solidFill>
+                <a:latin typeface="Consolas" panose="020B0609020204030204" pitchFamily="49" charset="0"/>
+              </a:rPr>
+              <a:t>"</a:t>
+            </a:r>
+            <a:r>
+              <a:rPr lang="en-US" dirty="0" err="1">
+                <a:solidFill>
+                  <a:srgbClr val="A31515"/>
+                </a:solidFill>
+                <a:latin typeface="Consolas" panose="020B0609020204030204" pitchFamily="49" charset="0"/>
+              </a:rPr>
+              <a:t>WebApplication</a:t>
+            </a:r>
+            <a:r>
+              <a:rPr lang="en-US" dirty="0">
+                <a:solidFill>
+                  <a:srgbClr val="A31515"/>
+                </a:solidFill>
+                <a:latin typeface="Consolas" panose="020B0609020204030204" pitchFamily="49" charset="0"/>
+              </a:rPr>
+              <a:t>/"</a:t>
+            </a:r>
+            <a:r>
+              <a:rPr lang="en-US" dirty="0">
+                <a:solidFill>
+                  <a:srgbClr val="000000"/>
+                </a:solidFill>
+                <a:latin typeface="Consolas" panose="020B0609020204030204" pitchFamily="49" charset="0"/>
+              </a:rPr>
+              <a:t>]</a:t>
+            </a:r>
+          </a:p>
+          <a:p>
+            <a:pPr marL="0" indent="0">
+              <a:buNone/>
+            </a:pPr>
+            <a:r>
+              <a:rPr lang="en-US" dirty="0">
+                <a:solidFill>
+                  <a:srgbClr val="000000"/>
+                </a:solidFill>
+                <a:latin typeface="Consolas" panose="020B0609020204030204" pitchFamily="49" charset="0"/>
+              </a:rPr>
+              <a:t>RUN dotnet restore </a:t>
+            </a:r>
+            <a:r>
+              <a:rPr lang="en-US" dirty="0">
+                <a:solidFill>
+                  <a:srgbClr val="A31515"/>
+                </a:solidFill>
+                <a:latin typeface="Consolas" panose="020B0609020204030204" pitchFamily="49" charset="0"/>
+              </a:rPr>
+              <a:t>"</a:t>
+            </a:r>
+            <a:r>
+              <a:rPr lang="en-US" dirty="0" err="1">
+                <a:solidFill>
+                  <a:srgbClr val="A31515"/>
+                </a:solidFill>
+                <a:latin typeface="Consolas" panose="020B0609020204030204" pitchFamily="49" charset="0"/>
+              </a:rPr>
+              <a:t>WebApplication</a:t>
+            </a:r>
+            <a:r>
+              <a:rPr lang="en-US" dirty="0">
+                <a:solidFill>
+                  <a:srgbClr val="A31515"/>
+                </a:solidFill>
+                <a:latin typeface="Consolas" panose="020B0609020204030204" pitchFamily="49" charset="0"/>
+              </a:rPr>
+              <a:t>/</a:t>
+            </a:r>
+            <a:r>
+              <a:rPr lang="en-US" dirty="0" err="1">
+                <a:solidFill>
+                  <a:srgbClr val="A31515"/>
+                </a:solidFill>
+                <a:latin typeface="Consolas" panose="020B0609020204030204" pitchFamily="49" charset="0"/>
+              </a:rPr>
+              <a:t>WebApplication.csproj</a:t>
+            </a:r>
+            <a:r>
+              <a:rPr lang="en-US" dirty="0">
+                <a:solidFill>
+                  <a:srgbClr val="A31515"/>
+                </a:solidFill>
+                <a:latin typeface="Consolas" panose="020B0609020204030204" pitchFamily="49" charset="0"/>
+              </a:rPr>
+              <a:t>"</a:t>
+            </a:r>
+            <a:endParaRPr lang="en-US" dirty="0">
+              <a:solidFill>
+                <a:srgbClr val="000000"/>
+              </a:solidFill>
+              <a:latin typeface="Consolas" panose="020B0609020204030204" pitchFamily="49" charset="0"/>
+            </a:endParaRPr>
+          </a:p>
+          <a:p>
+            <a:endParaRPr lang="en-US" dirty="0"/>
+          </a:p>
+        </p:txBody>
+      </p:sp>
+    </p:spTree>
+    <p:extLst>
+      <p:ext uri="{BB962C8B-B14F-4D97-AF65-F5344CB8AC3E}">
+        <p14:creationId xmlns:p14="http://schemas.microsoft.com/office/powerpoint/2010/main" val="858900864"/>
+      </p:ext>
+    </p:extLst>
+  </p:cSld>
+  <p:clrMapOvr>
+    <a:masterClrMapping/>
+  </p:clrMapOvr>
+</p:sld>
+</file>
+
+<file path=ppt/slides/slide9.xml><?xml version="1.0" encoding="utf-8"?>
+<p:sld xmlns:a="http://schemas.openxmlformats.org/drawingml/2006/main" xmlns:r="http://schemas.openxmlformats.org/officeDocument/2006/relationships" xmlns:p="http://schemas.openxmlformats.org/presentationml/2006/main">
+  <p:cSld>
+    <p:spTree>
+      <p:nvGrpSpPr>
+        <p:cNvPr id="1" name=""/>
+        <p:cNvGrpSpPr/>
+        <p:nvPr/>
+      </p:nvGrpSpPr>
+      <p:grpSpPr>
+        <a:xfrm>
+          <a:off x="0" y="0"/>
+          <a:ext cx="0" cy="0"/>
+          <a:chOff x="0" y="0"/>
+          <a:chExt cx="0" cy="0"/>
+        </a:xfrm>
+      </p:grpSpPr>
+      <p:sp>
+        <p:nvSpPr>
+          <p:cNvPr id="2" name="Title 1">
+            <a:extLst>
+              <a:ext uri="{FF2B5EF4-FFF2-40B4-BE49-F238E27FC236}">
+                <a16:creationId xmlns:a16="http://schemas.microsoft.com/office/drawing/2014/main" id="{8F167E3B-E394-4917-A14C-99BCA28F623B}"/>
+              </a:ext>
+            </a:extLst>
+          </p:cNvPr>
+          <p:cNvSpPr>
+            <a:spLocks noGrp="1"/>
+          </p:cNvSpPr>
+          <p:nvPr>
+            <p:ph type="title"/>
+          </p:nvPr>
+        </p:nvSpPr>
+        <p:spPr/>
+        <p:txBody>
+          <a:bodyPr/>
+          <a:lstStyle/>
+          <a:p>
+            <a:r>
+              <a:rPr lang="en-US" dirty="0" err="1"/>
+              <a:t>Dockerfile</a:t>
+            </a:r>
+            <a:endParaRPr lang="en-US" dirty="0"/>
+          </a:p>
+        </p:txBody>
+      </p:sp>
+      <p:sp>
+        <p:nvSpPr>
+          <p:cNvPr id="3" name="Content Placeholder 2">
+            <a:extLst>
+              <a:ext uri="{FF2B5EF4-FFF2-40B4-BE49-F238E27FC236}">
+                <a16:creationId xmlns:a16="http://schemas.microsoft.com/office/drawing/2014/main" id="{27B9B04F-C90A-448F-962D-F458CB48CE32}"/>
+              </a:ext>
+            </a:extLst>
+          </p:cNvPr>
+          <p:cNvSpPr>
+            <a:spLocks noGrp="1"/>
+          </p:cNvSpPr>
+          <p:nvPr>
+            <p:ph sz="half" idx="1"/>
+          </p:nvPr>
+        </p:nvSpPr>
+        <p:spPr/>
+        <p:txBody>
+          <a:bodyPr>
+            <a:normAutofit fontScale="32500" lnSpcReduction="20000"/>
+          </a:bodyPr>
+          <a:lstStyle/>
+          <a:p>
+            <a:pPr marL="0" indent="0">
+              <a:buNone/>
+            </a:pPr>
+            <a:r>
+              <a:rPr lang="en-US" dirty="0">
+                <a:solidFill>
+                  <a:schemeClr val="bg1">
+                    <a:lumMod val="75000"/>
+                  </a:schemeClr>
+                </a:solidFill>
+                <a:latin typeface="Consolas" panose="020B0609020204030204" pitchFamily="49" charset="0"/>
+              </a:rPr>
+              <a:t>FROM </a:t>
+            </a:r>
+            <a:r>
+              <a:rPr lang="en-US" dirty="0" err="1">
+                <a:solidFill>
+                  <a:schemeClr val="bg1">
+                    <a:lumMod val="75000"/>
+                  </a:schemeClr>
+                </a:solidFill>
+                <a:latin typeface="Consolas" panose="020B0609020204030204" pitchFamily="49" charset="0"/>
+              </a:rPr>
+              <a:t>microsoft</a:t>
+            </a:r>
+            <a:r>
+              <a:rPr lang="en-US" dirty="0">
+                <a:solidFill>
+                  <a:schemeClr val="bg1">
+                    <a:lumMod val="75000"/>
+                  </a:schemeClr>
+                </a:solidFill>
+                <a:latin typeface="Consolas" panose="020B0609020204030204" pitchFamily="49" charset="0"/>
+              </a:rPr>
+              <a:t>/dotnet:2.2-aspnetcore-runtime AS base</a:t>
+            </a:r>
+          </a:p>
+          <a:p>
+            <a:pPr marL="0" indent="0">
+              <a:buNone/>
+            </a:pPr>
+            <a:r>
+              <a:rPr lang="en-US" dirty="0">
+                <a:solidFill>
+                  <a:schemeClr val="bg1">
+                    <a:lumMod val="75000"/>
+                  </a:schemeClr>
+                </a:solidFill>
+                <a:latin typeface="Consolas" panose="020B0609020204030204" pitchFamily="49" charset="0"/>
+              </a:rPr>
+              <a:t>WORKDIR /app</a:t>
+            </a:r>
+          </a:p>
+          <a:p>
+            <a:pPr marL="0" indent="0">
+              <a:buNone/>
+            </a:pPr>
+            <a:r>
+              <a:rPr lang="en-US" dirty="0">
+                <a:solidFill>
+                  <a:schemeClr val="bg1">
+                    <a:lumMod val="75000"/>
+                  </a:schemeClr>
+                </a:solidFill>
+                <a:latin typeface="Consolas" panose="020B0609020204030204" pitchFamily="49" charset="0"/>
+              </a:rPr>
+              <a:t>EXPOSE 80</a:t>
+            </a:r>
+          </a:p>
+          <a:p>
+            <a:pPr marL="0" indent="0">
+              <a:buNone/>
+            </a:pPr>
+            <a:endParaRPr lang="en-US" dirty="0">
+              <a:solidFill>
+                <a:schemeClr val="bg1">
+                  <a:lumMod val="75000"/>
+                </a:schemeClr>
+              </a:solidFill>
+              <a:latin typeface="Consolas" panose="020B0609020204030204" pitchFamily="49" charset="0"/>
+            </a:endParaRPr>
+          </a:p>
+          <a:p>
+            <a:pPr marL="0" indent="0">
+              <a:buNone/>
+            </a:pPr>
+            <a:r>
+              <a:rPr lang="en-US" dirty="0">
+                <a:solidFill>
+                  <a:schemeClr val="bg1">
+                    <a:lumMod val="75000"/>
+                  </a:schemeClr>
+                </a:solidFill>
+                <a:latin typeface="Consolas" panose="020B0609020204030204" pitchFamily="49" charset="0"/>
+              </a:rPr>
+              <a:t>FROM </a:t>
+            </a:r>
+            <a:r>
+              <a:rPr lang="en-US" dirty="0" err="1">
+                <a:solidFill>
+                  <a:schemeClr val="bg1">
+                    <a:lumMod val="75000"/>
+                  </a:schemeClr>
+                </a:solidFill>
+                <a:latin typeface="Consolas" panose="020B0609020204030204" pitchFamily="49" charset="0"/>
+              </a:rPr>
+              <a:t>microsoft</a:t>
+            </a:r>
+            <a:r>
+              <a:rPr lang="en-US" dirty="0">
+                <a:solidFill>
+                  <a:schemeClr val="bg1">
+                    <a:lumMod val="75000"/>
+                  </a:schemeClr>
+                </a:solidFill>
+                <a:latin typeface="Consolas" panose="020B0609020204030204" pitchFamily="49" charset="0"/>
+              </a:rPr>
+              <a:t>/dotnet:2.2-sdk AS build</a:t>
+            </a:r>
+          </a:p>
+          <a:p>
+            <a:pPr marL="0" indent="0">
+              <a:buNone/>
+            </a:pPr>
+            <a:r>
+              <a:rPr lang="en-US" dirty="0">
+                <a:solidFill>
+                  <a:schemeClr val="bg1">
+                    <a:lumMod val="75000"/>
+                  </a:schemeClr>
+                </a:solidFill>
+                <a:latin typeface="Consolas" panose="020B0609020204030204" pitchFamily="49" charset="0"/>
+              </a:rPr>
+              <a:t>WORKDIR /</a:t>
+            </a:r>
+            <a:r>
+              <a:rPr lang="en-US" dirty="0" err="1">
+                <a:solidFill>
+                  <a:schemeClr val="bg1">
+                    <a:lumMod val="75000"/>
+                  </a:schemeClr>
+                </a:solidFill>
+                <a:latin typeface="Consolas" panose="020B0609020204030204" pitchFamily="49" charset="0"/>
+              </a:rPr>
+              <a:t>src</a:t>
+            </a:r>
+            <a:endParaRPr lang="en-US" dirty="0">
+              <a:solidFill>
+                <a:schemeClr val="bg1">
+                  <a:lumMod val="75000"/>
+                </a:schemeClr>
+              </a:solidFill>
+              <a:latin typeface="Consolas" panose="020B0609020204030204" pitchFamily="49" charset="0"/>
+            </a:endParaRPr>
+          </a:p>
+          <a:p>
+            <a:pPr marL="0" indent="0">
+              <a:buNone/>
+            </a:pPr>
+            <a:r>
+              <a:rPr lang="en-US" dirty="0">
+                <a:solidFill>
+                  <a:schemeClr val="bg1">
+                    <a:lumMod val="75000"/>
+                  </a:schemeClr>
+                </a:solidFill>
+                <a:latin typeface="Consolas" panose="020B0609020204030204" pitchFamily="49" charset="0"/>
+              </a:rPr>
+              <a:t>COPY ["</a:t>
+            </a:r>
+            <a:r>
+              <a:rPr lang="en-US" dirty="0" err="1">
+                <a:solidFill>
+                  <a:schemeClr val="bg1">
+                    <a:lumMod val="75000"/>
+                  </a:schemeClr>
+                </a:solidFill>
+                <a:latin typeface="Consolas" panose="020B0609020204030204" pitchFamily="49" charset="0"/>
+              </a:rPr>
+              <a:t>WebApplication</a:t>
+            </a:r>
+            <a:r>
+              <a:rPr lang="en-US" dirty="0">
+                <a:solidFill>
+                  <a:schemeClr val="bg1">
+                    <a:lumMod val="75000"/>
+                  </a:schemeClr>
+                </a:solidFill>
+                <a:latin typeface="Consolas" panose="020B0609020204030204" pitchFamily="49" charset="0"/>
+              </a:rPr>
+              <a:t>/</a:t>
+            </a:r>
+            <a:r>
+              <a:rPr lang="en-US" dirty="0" err="1">
+                <a:solidFill>
+                  <a:schemeClr val="bg1">
+                    <a:lumMod val="75000"/>
+                  </a:schemeClr>
+                </a:solidFill>
+                <a:latin typeface="Consolas" panose="020B0609020204030204" pitchFamily="49" charset="0"/>
+              </a:rPr>
+              <a:t>WebApplication.csproj</a:t>
+            </a:r>
+            <a:r>
+              <a:rPr lang="en-US" dirty="0">
+                <a:solidFill>
+                  <a:schemeClr val="bg1">
+                    <a:lumMod val="75000"/>
+                  </a:schemeClr>
+                </a:solidFill>
+                <a:latin typeface="Consolas" panose="020B0609020204030204" pitchFamily="49" charset="0"/>
+              </a:rPr>
+              <a:t>", "</a:t>
+            </a:r>
+            <a:r>
+              <a:rPr lang="en-US" dirty="0" err="1">
+                <a:solidFill>
+                  <a:schemeClr val="bg1">
+                    <a:lumMod val="75000"/>
+                  </a:schemeClr>
+                </a:solidFill>
+                <a:latin typeface="Consolas" panose="020B0609020204030204" pitchFamily="49" charset="0"/>
+              </a:rPr>
+              <a:t>WebApplication</a:t>
+            </a:r>
+            <a:r>
+              <a:rPr lang="en-US" dirty="0">
+                <a:solidFill>
+                  <a:schemeClr val="bg1">
+                    <a:lumMod val="75000"/>
+                  </a:schemeClr>
+                </a:solidFill>
+                <a:latin typeface="Consolas" panose="020B0609020204030204" pitchFamily="49" charset="0"/>
+              </a:rPr>
+              <a:t>/"]</a:t>
+            </a:r>
+          </a:p>
+          <a:p>
+            <a:pPr marL="0" indent="0">
+              <a:buNone/>
+            </a:pPr>
+            <a:r>
+              <a:rPr lang="en-US" dirty="0">
+                <a:solidFill>
+                  <a:schemeClr val="bg1">
+                    <a:lumMod val="75000"/>
+                  </a:schemeClr>
+                </a:solidFill>
+                <a:latin typeface="Consolas" panose="020B0609020204030204" pitchFamily="49" charset="0"/>
+              </a:rPr>
+              <a:t>RUN dotnet restore "</a:t>
+            </a:r>
+            <a:r>
+              <a:rPr lang="en-US" dirty="0" err="1">
+                <a:solidFill>
+                  <a:schemeClr val="bg1">
+                    <a:lumMod val="75000"/>
+                  </a:schemeClr>
+                </a:solidFill>
+                <a:latin typeface="Consolas" panose="020B0609020204030204" pitchFamily="49" charset="0"/>
+              </a:rPr>
+              <a:t>WebApplication</a:t>
+            </a:r>
+            <a:r>
+              <a:rPr lang="en-US" dirty="0">
+                <a:solidFill>
+                  <a:schemeClr val="bg1">
+                    <a:lumMod val="75000"/>
+                  </a:schemeClr>
+                </a:solidFill>
+                <a:latin typeface="Consolas" panose="020B0609020204030204" pitchFamily="49" charset="0"/>
+              </a:rPr>
+              <a:t>/</a:t>
+            </a:r>
+            <a:r>
+              <a:rPr lang="en-US" dirty="0" err="1">
+                <a:solidFill>
+                  <a:schemeClr val="bg1">
+                    <a:lumMod val="75000"/>
+                  </a:schemeClr>
+                </a:solidFill>
+                <a:latin typeface="Consolas" panose="020B0609020204030204" pitchFamily="49" charset="0"/>
+              </a:rPr>
+              <a:t>WebApplication.csproj</a:t>
+            </a:r>
+            <a:r>
+              <a:rPr lang="en-US" dirty="0">
+                <a:solidFill>
+                  <a:schemeClr val="bg1">
+                    <a:lumMod val="75000"/>
+                  </a:schemeClr>
+                </a:solidFill>
+                <a:latin typeface="Consolas" panose="020B0609020204030204" pitchFamily="49" charset="0"/>
+              </a:rPr>
+              <a:t>"</a:t>
+            </a:r>
+          </a:p>
+          <a:p>
+            <a:pPr marL="0" indent="0">
+              <a:buNone/>
+            </a:pPr>
+            <a:r>
+              <a:rPr lang="en-US" dirty="0">
+                <a:solidFill>
+                  <a:schemeClr val="bg1">
+                    <a:lumMod val="75000"/>
+                  </a:schemeClr>
+                </a:solidFill>
+                <a:latin typeface="Consolas" panose="020B0609020204030204" pitchFamily="49" charset="0"/>
+              </a:rPr>
+              <a:t>COPY . .</a:t>
+            </a:r>
+          </a:p>
+          <a:p>
+            <a:pPr marL="0" indent="0">
+              <a:buNone/>
+            </a:pPr>
+            <a:r>
+              <a:rPr lang="en-US" dirty="0">
+                <a:solidFill>
+                  <a:schemeClr val="bg1">
+                    <a:lumMod val="75000"/>
+                  </a:schemeClr>
+                </a:solidFill>
+                <a:latin typeface="Consolas" panose="020B0609020204030204" pitchFamily="49" charset="0"/>
+              </a:rPr>
+              <a:t>WORKDIR "/</a:t>
+            </a:r>
+            <a:r>
+              <a:rPr lang="en-US" dirty="0" err="1">
+                <a:solidFill>
+                  <a:schemeClr val="bg1">
+                    <a:lumMod val="75000"/>
+                  </a:schemeClr>
+                </a:solidFill>
+                <a:latin typeface="Consolas" panose="020B0609020204030204" pitchFamily="49" charset="0"/>
+              </a:rPr>
+              <a:t>src</a:t>
+            </a:r>
+            <a:r>
+              <a:rPr lang="en-US" dirty="0">
+                <a:solidFill>
+                  <a:schemeClr val="bg1">
+                    <a:lumMod val="75000"/>
+                  </a:schemeClr>
+                </a:solidFill>
+                <a:latin typeface="Consolas" panose="020B0609020204030204" pitchFamily="49" charset="0"/>
+              </a:rPr>
+              <a:t>/</a:t>
+            </a:r>
+            <a:r>
+              <a:rPr lang="en-US" dirty="0" err="1">
+                <a:solidFill>
+                  <a:schemeClr val="bg1">
+                    <a:lumMod val="75000"/>
+                  </a:schemeClr>
+                </a:solidFill>
+                <a:latin typeface="Consolas" panose="020B0609020204030204" pitchFamily="49" charset="0"/>
+              </a:rPr>
+              <a:t>WebApplication</a:t>
+            </a:r>
+            <a:r>
+              <a:rPr lang="en-US" dirty="0">
+                <a:solidFill>
+                  <a:schemeClr val="bg1">
+                    <a:lumMod val="75000"/>
+                  </a:schemeClr>
+                </a:solidFill>
+                <a:latin typeface="Consolas" panose="020B0609020204030204" pitchFamily="49" charset="0"/>
+              </a:rPr>
+              <a:t>"</a:t>
+            </a:r>
+          </a:p>
+          <a:p>
+            <a:pPr marL="0" indent="0">
+              <a:buNone/>
+            </a:pPr>
+            <a:r>
+              <a:rPr lang="en-US" dirty="0">
+                <a:solidFill>
+                  <a:schemeClr val="bg1">
+                    <a:lumMod val="75000"/>
+                  </a:schemeClr>
+                </a:solidFill>
+                <a:latin typeface="Consolas" panose="020B0609020204030204" pitchFamily="49" charset="0"/>
+              </a:rPr>
+              <a:t>RUN dotnet build "</a:t>
+            </a:r>
+            <a:r>
+              <a:rPr lang="en-US" dirty="0" err="1">
+                <a:solidFill>
+                  <a:schemeClr val="bg1">
+                    <a:lumMod val="75000"/>
+                  </a:schemeClr>
+                </a:solidFill>
+                <a:latin typeface="Consolas" panose="020B0609020204030204" pitchFamily="49" charset="0"/>
+              </a:rPr>
+              <a:t>WebApplication.csproj</a:t>
+            </a:r>
+            <a:r>
+              <a:rPr lang="en-US" dirty="0">
+                <a:solidFill>
+                  <a:schemeClr val="bg1">
+                    <a:lumMod val="75000"/>
+                  </a:schemeClr>
+                </a:solidFill>
+                <a:latin typeface="Consolas" panose="020B0609020204030204" pitchFamily="49" charset="0"/>
+              </a:rPr>
+              <a:t>" -c Release -o /app</a:t>
+            </a:r>
+          </a:p>
+          <a:p>
+            <a:pPr marL="0" indent="0">
+              <a:buNone/>
+            </a:pPr>
+            <a:endParaRPr lang="en-US" dirty="0">
+              <a:solidFill>
+                <a:schemeClr val="bg1">
+                  <a:lumMod val="75000"/>
+                </a:schemeClr>
+              </a:solidFill>
+              <a:latin typeface="Consolas" panose="020B0609020204030204" pitchFamily="49" charset="0"/>
+            </a:endParaRPr>
+          </a:p>
+          <a:p>
+            <a:pPr marL="0" indent="0">
+              <a:buNone/>
+            </a:pPr>
+            <a:r>
+              <a:rPr lang="en-US" dirty="0">
+                <a:solidFill>
+                  <a:schemeClr val="bg1">
+                    <a:lumMod val="75000"/>
+                  </a:schemeClr>
+                </a:solidFill>
+                <a:latin typeface="Consolas" panose="020B0609020204030204" pitchFamily="49" charset="0"/>
+              </a:rPr>
+              <a:t>FROM build AS publish</a:t>
+            </a:r>
+          </a:p>
+          <a:p>
+            <a:pPr marL="0" indent="0">
+              <a:buNone/>
+            </a:pPr>
+            <a:r>
+              <a:rPr lang="en-US" dirty="0">
+                <a:solidFill>
+                  <a:schemeClr val="bg1">
+                    <a:lumMod val="75000"/>
+                  </a:schemeClr>
+                </a:solidFill>
+                <a:latin typeface="Consolas" panose="020B0609020204030204" pitchFamily="49" charset="0"/>
+              </a:rPr>
+              <a:t>RUN dotnet publish "</a:t>
+            </a:r>
+            <a:r>
+              <a:rPr lang="en-US" dirty="0" err="1">
+                <a:solidFill>
+                  <a:schemeClr val="bg1">
+                    <a:lumMod val="75000"/>
+                  </a:schemeClr>
+                </a:solidFill>
+                <a:latin typeface="Consolas" panose="020B0609020204030204" pitchFamily="49" charset="0"/>
+              </a:rPr>
+              <a:t>WebApplication.csproj</a:t>
+            </a:r>
+            <a:r>
+              <a:rPr lang="en-US" dirty="0">
+                <a:solidFill>
+                  <a:schemeClr val="bg1">
+                    <a:lumMod val="75000"/>
+                  </a:schemeClr>
+                </a:solidFill>
+                <a:latin typeface="Consolas" panose="020B0609020204030204" pitchFamily="49" charset="0"/>
+              </a:rPr>
+              <a:t>" -c Release -o /app</a:t>
+            </a:r>
+          </a:p>
+          <a:p>
+            <a:pPr marL="0" indent="0">
+              <a:buNone/>
+            </a:pPr>
+            <a:endParaRPr lang="en-US" dirty="0">
+              <a:solidFill>
+                <a:schemeClr val="bg1">
+                  <a:lumMod val="75000"/>
+                </a:schemeClr>
+              </a:solidFill>
+              <a:latin typeface="Consolas" panose="020B0609020204030204" pitchFamily="49" charset="0"/>
+            </a:endParaRPr>
+          </a:p>
+          <a:p>
+            <a:pPr marL="0" indent="0">
+              <a:buNone/>
+            </a:pPr>
+            <a:r>
+              <a:rPr lang="en-US" dirty="0">
+                <a:solidFill>
+                  <a:schemeClr val="bg1">
+                    <a:lumMod val="75000"/>
+                  </a:schemeClr>
+                </a:solidFill>
+                <a:latin typeface="Consolas" panose="020B0609020204030204" pitchFamily="49" charset="0"/>
+              </a:rPr>
+              <a:t>FROM base AS final</a:t>
+            </a:r>
+          </a:p>
+          <a:p>
+            <a:pPr marL="0" indent="0">
+              <a:buNone/>
+            </a:pPr>
+            <a:r>
+              <a:rPr lang="en-US" dirty="0">
+                <a:solidFill>
+                  <a:schemeClr val="bg1">
+                    <a:lumMod val="75000"/>
+                  </a:schemeClr>
+                </a:solidFill>
+                <a:latin typeface="Consolas" panose="020B0609020204030204" pitchFamily="49" charset="0"/>
+              </a:rPr>
+              <a:t>WORKDIR /app</a:t>
+            </a:r>
+          </a:p>
+          <a:p>
+            <a:pPr marL="0" indent="0">
+              <a:buNone/>
+            </a:pPr>
+            <a:r>
+              <a:rPr lang="en-US" dirty="0">
+                <a:solidFill>
+                  <a:schemeClr val="bg1">
+                    <a:lumMod val="75000"/>
+                  </a:schemeClr>
+                </a:solidFill>
+                <a:latin typeface="Consolas" panose="020B0609020204030204" pitchFamily="49" charset="0"/>
+              </a:rPr>
+              <a:t>COPY --from=publish /app .</a:t>
+            </a:r>
+          </a:p>
+          <a:p>
+            <a:pPr marL="0" indent="0">
+              <a:buNone/>
+            </a:pPr>
+            <a:r>
+              <a:rPr lang="en-US" dirty="0">
+                <a:solidFill>
+                  <a:schemeClr val="bg1">
+                    <a:lumMod val="75000"/>
+                  </a:schemeClr>
+                </a:solidFill>
+                <a:latin typeface="Consolas" panose="020B0609020204030204" pitchFamily="49" charset="0"/>
+              </a:rPr>
+              <a:t>ENTRYPOINT ["dotnet", "WebApplication.dll"]</a:t>
+            </a:r>
+            <a:endParaRPr lang="en-US" dirty="0">
+              <a:solidFill>
+                <a:schemeClr val="bg1">
+                  <a:lumMod val="75000"/>
+                </a:schemeClr>
+              </a:solidFill>
+            </a:endParaRPr>
+          </a:p>
+        </p:txBody>
+      </p:sp>
+      <p:sp>
+        <p:nvSpPr>
+          <p:cNvPr id="4" name="Content Placeholder 3">
+            <a:extLst>
+              <a:ext uri="{FF2B5EF4-FFF2-40B4-BE49-F238E27FC236}">
+                <a16:creationId xmlns:a16="http://schemas.microsoft.com/office/drawing/2014/main" id="{8C646BFC-37E9-4587-B621-CA9B7B00AED0}"/>
+              </a:ext>
+            </a:extLst>
+          </p:cNvPr>
+          <p:cNvSpPr>
+            <a:spLocks noGrp="1"/>
+          </p:cNvSpPr>
+          <p:nvPr>
+            <p:ph sz="half" idx="2"/>
+          </p:nvPr>
+        </p:nvSpPr>
+        <p:spPr>
+          <a:xfrm>
+            <a:off x="838200" y="3177946"/>
+            <a:ext cx="10394716" cy="3404887"/>
+          </a:xfrm>
+        </p:spPr>
+        <p:txBody>
+          <a:bodyPr/>
+          <a:lstStyle/>
+          <a:p>
+            <a:pPr marL="0" indent="0">
+              <a:buNone/>
+            </a:pPr>
+            <a:r>
+              <a:rPr lang="en-US" dirty="0">
+                <a:solidFill>
+                  <a:srgbClr val="000000"/>
+                </a:solidFill>
+                <a:latin typeface="Consolas" panose="020B0609020204030204" pitchFamily="49" charset="0"/>
+              </a:rPr>
+              <a:t>COPY . .</a:t>
+            </a:r>
+          </a:p>
+          <a:p>
+            <a:pPr marL="0" indent="0">
+              <a:buNone/>
+            </a:pPr>
+            <a:r>
+              <a:rPr lang="en-US" dirty="0">
+                <a:solidFill>
+                  <a:srgbClr val="000000"/>
+                </a:solidFill>
+                <a:latin typeface="Consolas" panose="020B0609020204030204" pitchFamily="49" charset="0"/>
+              </a:rPr>
+              <a:t>WORKDIR </a:t>
+            </a:r>
+            <a:r>
+              <a:rPr lang="en-US" dirty="0">
+                <a:solidFill>
+                  <a:srgbClr val="A31515"/>
+                </a:solidFill>
+                <a:latin typeface="Consolas" panose="020B0609020204030204" pitchFamily="49" charset="0"/>
+              </a:rPr>
+              <a:t>"/</a:t>
+            </a:r>
+            <a:r>
+              <a:rPr lang="en-US" dirty="0" err="1">
+                <a:solidFill>
+                  <a:srgbClr val="A31515"/>
+                </a:solidFill>
+                <a:latin typeface="Consolas" panose="020B0609020204030204" pitchFamily="49" charset="0"/>
+              </a:rPr>
+              <a:t>src</a:t>
+            </a:r>
+            <a:r>
+              <a:rPr lang="en-US" dirty="0">
+                <a:solidFill>
+                  <a:srgbClr val="A31515"/>
+                </a:solidFill>
+                <a:latin typeface="Consolas" panose="020B0609020204030204" pitchFamily="49" charset="0"/>
+              </a:rPr>
+              <a:t>/</a:t>
+            </a:r>
+            <a:r>
+              <a:rPr lang="en-US" dirty="0" err="1">
+                <a:solidFill>
+                  <a:srgbClr val="A31515"/>
+                </a:solidFill>
+                <a:latin typeface="Consolas" panose="020B0609020204030204" pitchFamily="49" charset="0"/>
+              </a:rPr>
+              <a:t>WebApplication</a:t>
+            </a:r>
+            <a:r>
+              <a:rPr lang="en-US" dirty="0">
+                <a:solidFill>
+                  <a:srgbClr val="A31515"/>
+                </a:solidFill>
+                <a:latin typeface="Consolas" panose="020B0609020204030204" pitchFamily="49" charset="0"/>
+              </a:rPr>
+              <a:t>"</a:t>
+            </a:r>
+            <a:endParaRPr lang="en-US" dirty="0">
+              <a:solidFill>
+                <a:srgbClr val="000000"/>
+              </a:solidFill>
+              <a:latin typeface="Consolas" panose="020B0609020204030204" pitchFamily="49" charset="0"/>
+            </a:endParaRPr>
+          </a:p>
+          <a:p>
+            <a:pPr marL="0" indent="0">
+              <a:buNone/>
+            </a:pPr>
+            <a:r>
+              <a:rPr lang="en-US" dirty="0">
+                <a:solidFill>
+                  <a:srgbClr val="000000"/>
+                </a:solidFill>
+                <a:latin typeface="Consolas" panose="020B0609020204030204" pitchFamily="49" charset="0"/>
+              </a:rPr>
+              <a:t>RUN dotnet build </a:t>
+            </a:r>
+            <a:r>
+              <a:rPr lang="en-US" dirty="0">
+                <a:solidFill>
+                  <a:srgbClr val="A31515"/>
+                </a:solidFill>
+                <a:latin typeface="Consolas" panose="020B0609020204030204" pitchFamily="49" charset="0"/>
+              </a:rPr>
+              <a:t>"</a:t>
+            </a:r>
+            <a:r>
+              <a:rPr lang="en-US" dirty="0" err="1">
+                <a:solidFill>
+                  <a:srgbClr val="A31515"/>
+                </a:solidFill>
+                <a:latin typeface="Consolas" panose="020B0609020204030204" pitchFamily="49" charset="0"/>
+              </a:rPr>
+              <a:t>WebApplication.csproj</a:t>
+            </a:r>
+            <a:r>
+              <a:rPr lang="en-US" dirty="0">
+                <a:solidFill>
+                  <a:srgbClr val="A31515"/>
+                </a:solidFill>
+                <a:latin typeface="Consolas" panose="020B0609020204030204" pitchFamily="49" charset="0"/>
+              </a:rPr>
+              <a:t>"</a:t>
+            </a:r>
+            <a:r>
+              <a:rPr lang="en-US" dirty="0">
+                <a:solidFill>
+                  <a:srgbClr val="000000"/>
+                </a:solidFill>
+                <a:latin typeface="Consolas" panose="020B0609020204030204" pitchFamily="49" charset="0"/>
+              </a:rPr>
+              <a:t> -c Release -o /app</a:t>
+            </a:r>
+          </a:p>
+          <a:p>
+            <a:endParaRPr lang="en-US" dirty="0"/>
+          </a:p>
+        </p:txBody>
+      </p:sp>
+    </p:spTree>
+    <p:extLst>
+      <p:ext uri="{BB962C8B-B14F-4D97-AF65-F5344CB8AC3E}">
+        <p14:creationId xmlns:p14="http://schemas.microsoft.com/office/powerpoint/2010/main" val="3562023178"/>
       </p:ext>
     </p:extLst>
   </p:cSld>

--- a/2019_VisualStudio-And-Docker/Presentation.pptx
+++ b/2019_VisualStudio-And-Docker/Presentation.pptx
@@ -5,7 +5,7 @@
     <p:sldMasterId id="2147483648" r:id="rId1"/>
   </p:sldMasterIdLst>
   <p:notesMasterIdLst>
-    <p:notesMasterId r:id="rId46"/>
+    <p:notesMasterId r:id="rId49"/>
   </p:notesMasterIdLst>
   <p:sldIdLst>
     <p:sldId id="256" r:id="rId2"/>
@@ -52,6 +52,9 @@
     <p:sldId id="296" r:id="rId43"/>
     <p:sldId id="299" r:id="rId44"/>
     <p:sldId id="300" r:id="rId45"/>
+    <p:sldId id="301" r:id="rId46"/>
+    <p:sldId id="302" r:id="rId47"/>
+    <p:sldId id="303" r:id="rId48"/>
   </p:sldIdLst>
   <p:sldSz cx="12192000" cy="6858000"/>
   <p:notesSz cx="6858000" cy="9144000"/>
@@ -214,10 +217,15 @@
           </p14:sldIdLst>
         </p14:section>
         <p14:section name="Compose" id="{BA5D0B81-B40C-4845-B38A-475FEE1ECE5F}">
-          <p14:sldIdLst/>
+          <p14:sldIdLst>
+            <p14:sldId id="301"/>
+          </p14:sldIdLst>
         </p14:section>
         <p14:section name="How to use" id="{79E8C815-0FF2-4BAC-A93B-39A3C9C1CC45}">
-          <p14:sldIdLst/>
+          <p14:sldIdLst>
+            <p14:sldId id="302"/>
+            <p14:sldId id="303"/>
+          </p14:sldIdLst>
         </p14:section>
         <p14:section name="Conclusion" id="{F93D7699-82CA-4D55-8691-6FAC837B0536}">
           <p14:sldIdLst/>
@@ -18563,7 +18571,7 @@
           <a:p>
             <a:fld id="{532C2021-6E76-4960-8582-B0260C63743B}" type="datetimeFigureOut">
               <a:rPr lang="en-US" smtClean="0"/>
-              <a:t>2019-02-26</a:t>
+              <a:t>2019-02-28</a:t>
             </a:fld>
             <a:endParaRPr lang="en-US"/>
           </a:p>
@@ -19593,7 +19601,7 @@
           <a:p>
             <a:fld id="{EA1A4DEF-7190-4A79-9BA3-D881542BAA8A}" type="datetimeFigureOut">
               <a:rPr lang="en-US" smtClean="0"/>
-              <a:t>2019-02-26</a:t>
+              <a:t>2019-02-28</a:t>
             </a:fld>
             <a:endParaRPr lang="en-US"/>
           </a:p>
@@ -19791,7 +19799,7 @@
           <a:p>
             <a:fld id="{EA1A4DEF-7190-4A79-9BA3-D881542BAA8A}" type="datetimeFigureOut">
               <a:rPr lang="en-US" smtClean="0"/>
-              <a:t>2019-02-26</a:t>
+              <a:t>2019-02-28</a:t>
             </a:fld>
             <a:endParaRPr lang="en-US"/>
           </a:p>
@@ -19999,7 +20007,7 @@
           <a:p>
             <a:fld id="{EA1A4DEF-7190-4A79-9BA3-D881542BAA8A}" type="datetimeFigureOut">
               <a:rPr lang="en-US" smtClean="0"/>
-              <a:t>2019-02-26</a:t>
+              <a:t>2019-02-28</a:t>
             </a:fld>
             <a:endParaRPr lang="en-US"/>
           </a:p>
@@ -20197,7 +20205,7 @@
           <a:p>
             <a:fld id="{EA1A4DEF-7190-4A79-9BA3-D881542BAA8A}" type="datetimeFigureOut">
               <a:rPr lang="en-US" smtClean="0"/>
-              <a:t>2019-02-26</a:t>
+              <a:t>2019-02-28</a:t>
             </a:fld>
             <a:endParaRPr lang="en-US"/>
           </a:p>
@@ -20472,7 +20480,7 @@
           <a:p>
             <a:fld id="{EA1A4DEF-7190-4A79-9BA3-D881542BAA8A}" type="datetimeFigureOut">
               <a:rPr lang="en-US" smtClean="0"/>
-              <a:t>2019-02-26</a:t>
+              <a:t>2019-02-28</a:t>
             </a:fld>
             <a:endParaRPr lang="en-US"/>
           </a:p>
@@ -20737,7 +20745,7 @@
           <a:p>
             <a:fld id="{EA1A4DEF-7190-4A79-9BA3-D881542BAA8A}" type="datetimeFigureOut">
               <a:rPr lang="en-US" smtClean="0"/>
-              <a:t>2019-02-26</a:t>
+              <a:t>2019-02-28</a:t>
             </a:fld>
             <a:endParaRPr lang="en-US"/>
           </a:p>
@@ -21149,7 +21157,7 @@
           <a:p>
             <a:fld id="{EA1A4DEF-7190-4A79-9BA3-D881542BAA8A}" type="datetimeFigureOut">
               <a:rPr lang="en-US" smtClean="0"/>
-              <a:t>2019-02-26</a:t>
+              <a:t>2019-02-28</a:t>
             </a:fld>
             <a:endParaRPr lang="en-US"/>
           </a:p>
@@ -21290,7 +21298,7 @@
           <a:p>
             <a:fld id="{EA1A4DEF-7190-4A79-9BA3-D881542BAA8A}" type="datetimeFigureOut">
               <a:rPr lang="en-US" smtClean="0"/>
-              <a:t>2019-02-26</a:t>
+              <a:t>2019-02-28</a:t>
             </a:fld>
             <a:endParaRPr lang="en-US"/>
           </a:p>
@@ -21403,7 +21411,7 @@
           <a:p>
             <a:fld id="{EA1A4DEF-7190-4A79-9BA3-D881542BAA8A}" type="datetimeFigureOut">
               <a:rPr lang="en-US" smtClean="0"/>
-              <a:t>2019-02-26</a:t>
+              <a:t>2019-02-28</a:t>
             </a:fld>
             <a:endParaRPr lang="en-US"/>
           </a:p>
@@ -21714,7 +21722,7 @@
           <a:p>
             <a:fld id="{EA1A4DEF-7190-4A79-9BA3-D881542BAA8A}" type="datetimeFigureOut">
               <a:rPr lang="en-US" smtClean="0"/>
-              <a:t>2019-02-26</a:t>
+              <a:t>2019-02-28</a:t>
             </a:fld>
             <a:endParaRPr lang="en-US"/>
           </a:p>
@@ -22002,7 +22010,7 @@
           <a:p>
             <a:fld id="{EA1A4DEF-7190-4A79-9BA3-D881542BAA8A}" type="datetimeFigureOut">
               <a:rPr lang="en-US" smtClean="0"/>
-              <a:t>2019-02-26</a:t>
+              <a:t>2019-02-28</a:t>
             </a:fld>
             <a:endParaRPr lang="en-US"/>
           </a:p>
@@ -22243,7 +22251,7 @@
           <a:p>
             <a:fld id="{EA1A4DEF-7190-4A79-9BA3-D881542BAA8A}" type="datetimeFigureOut">
               <a:rPr lang="en-US" smtClean="0"/>
-              <a:t>2019-02-26</a:t>
+              <a:t>2019-02-28</a:t>
             </a:fld>
             <a:endParaRPr lang="en-US"/>
           </a:p>
@@ -47227,6 +47235,281 @@
       <p:bldP spid="10" grpId="0"/>
     </p:bldLst>
   </p:timing>
+</p:sld>
+</file>
+
+<file path=ppt/slides/slide45.xml><?xml version="1.0" encoding="utf-8"?>
+<p:sld xmlns:a="http://schemas.openxmlformats.org/drawingml/2006/main" xmlns:r="http://schemas.openxmlformats.org/officeDocument/2006/relationships" xmlns:p="http://schemas.openxmlformats.org/presentationml/2006/main">
+  <p:cSld>
+    <p:spTree>
+      <p:nvGrpSpPr>
+        <p:cNvPr id="1" name=""/>
+        <p:cNvGrpSpPr/>
+        <p:nvPr/>
+      </p:nvGrpSpPr>
+      <p:grpSpPr>
+        <a:xfrm>
+          <a:off x="0" y="0"/>
+          <a:ext cx="0" cy="0"/>
+          <a:chOff x="0" y="0"/>
+          <a:chExt cx="0" cy="0"/>
+        </a:xfrm>
+      </p:grpSpPr>
+      <p:sp>
+        <p:nvSpPr>
+          <p:cNvPr id="7" name="Title 6">
+            <a:extLst>
+              <a:ext uri="{FF2B5EF4-FFF2-40B4-BE49-F238E27FC236}">
+                <a16:creationId xmlns:a16="http://schemas.microsoft.com/office/drawing/2014/main" id="{5E071445-1569-41B0-8630-EC772C6573BE}"/>
+              </a:ext>
+            </a:extLst>
+          </p:cNvPr>
+          <p:cNvSpPr>
+            <a:spLocks noGrp="1"/>
+          </p:cNvSpPr>
+          <p:nvPr>
+            <p:ph type="title"/>
+          </p:nvPr>
+        </p:nvSpPr>
+        <p:spPr/>
+        <p:txBody>
+          <a:bodyPr/>
+          <a:lstStyle/>
+          <a:p>
+            <a:r>
+              <a:rPr lang="en-US" dirty="0"/>
+              <a:t>TODO: </a:t>
+            </a:r>
+            <a:r>
+              <a:rPr lang="ru-RU" dirty="0"/>
+              <a:t>Использование </a:t>
+            </a:r>
+            <a:r>
+              <a:rPr lang="en-US" dirty="0"/>
+              <a:t>docker-compose</a:t>
+            </a:r>
+          </a:p>
+        </p:txBody>
+      </p:sp>
+      <p:sp>
+        <p:nvSpPr>
+          <p:cNvPr id="8" name="Content Placeholder 7">
+            <a:extLst>
+              <a:ext uri="{FF2B5EF4-FFF2-40B4-BE49-F238E27FC236}">
+                <a16:creationId xmlns:a16="http://schemas.microsoft.com/office/drawing/2014/main" id="{8E8517E9-E1B7-483D-8E5E-A7FC738ADFBE}"/>
+              </a:ext>
+            </a:extLst>
+          </p:cNvPr>
+          <p:cNvSpPr>
+            <a:spLocks noGrp="1"/>
+          </p:cNvSpPr>
+          <p:nvPr>
+            <p:ph idx="1"/>
+          </p:nvPr>
+        </p:nvSpPr>
+        <p:spPr/>
+        <p:txBody>
+          <a:bodyPr/>
+          <a:lstStyle/>
+          <a:p>
+            <a:endParaRPr lang="en-US" dirty="0"/>
+          </a:p>
+        </p:txBody>
+      </p:sp>
+    </p:spTree>
+    <p:extLst>
+      <p:ext uri="{BB962C8B-B14F-4D97-AF65-F5344CB8AC3E}">
+        <p14:creationId xmlns:p14="http://schemas.microsoft.com/office/powerpoint/2010/main" val="2723064721"/>
+      </p:ext>
+    </p:extLst>
+  </p:cSld>
+  <p:clrMapOvr>
+    <a:masterClrMapping/>
+  </p:clrMapOvr>
+</p:sld>
+</file>
+
+<file path=ppt/slides/slide46.xml><?xml version="1.0" encoding="utf-8"?>
+<p:sld xmlns:a="http://schemas.openxmlformats.org/drawingml/2006/main" xmlns:r="http://schemas.openxmlformats.org/officeDocument/2006/relationships" xmlns:p="http://schemas.openxmlformats.org/presentationml/2006/main">
+  <p:cSld>
+    <p:spTree>
+      <p:nvGrpSpPr>
+        <p:cNvPr id="1" name=""/>
+        <p:cNvGrpSpPr/>
+        <p:nvPr/>
+      </p:nvGrpSpPr>
+      <p:grpSpPr>
+        <a:xfrm>
+          <a:off x="0" y="0"/>
+          <a:ext cx="0" cy="0"/>
+          <a:chOff x="0" y="0"/>
+          <a:chExt cx="0" cy="0"/>
+        </a:xfrm>
+      </p:grpSpPr>
+      <p:sp>
+        <p:nvSpPr>
+          <p:cNvPr id="2" name="Title 1">
+            <a:extLst>
+              <a:ext uri="{FF2B5EF4-FFF2-40B4-BE49-F238E27FC236}">
+                <a16:creationId xmlns:a16="http://schemas.microsoft.com/office/drawing/2014/main" id="{F9408653-004F-4121-81C8-5C616474BB14}"/>
+              </a:ext>
+            </a:extLst>
+          </p:cNvPr>
+          <p:cNvSpPr>
+            <a:spLocks noGrp="1"/>
+          </p:cNvSpPr>
+          <p:nvPr>
+            <p:ph type="title"/>
+          </p:nvPr>
+        </p:nvSpPr>
+        <p:spPr/>
+        <p:txBody>
+          <a:bodyPr/>
+          <a:lstStyle/>
+          <a:p>
+            <a:r>
+              <a:rPr lang="en-US" dirty="0"/>
+              <a:t>Use Case #1: </a:t>
+            </a:r>
+            <a:r>
+              <a:rPr lang="ru-RU" dirty="0"/>
+              <a:t>Деплой</a:t>
+            </a:r>
+            <a:endParaRPr lang="en-US" dirty="0"/>
+          </a:p>
+        </p:txBody>
+      </p:sp>
+      <p:sp>
+        <p:nvSpPr>
+          <p:cNvPr id="3" name="Content Placeholder 2">
+            <a:extLst>
+              <a:ext uri="{FF2B5EF4-FFF2-40B4-BE49-F238E27FC236}">
+                <a16:creationId xmlns:a16="http://schemas.microsoft.com/office/drawing/2014/main" id="{A316261C-A341-40D0-BEEF-8355B523427F}"/>
+              </a:ext>
+            </a:extLst>
+          </p:cNvPr>
+          <p:cNvSpPr>
+            <a:spLocks noGrp="1"/>
+          </p:cNvSpPr>
+          <p:nvPr>
+            <p:ph idx="1"/>
+          </p:nvPr>
+        </p:nvSpPr>
+        <p:spPr/>
+        <p:txBody>
+          <a:bodyPr/>
+          <a:lstStyle/>
+          <a:p>
+            <a:endParaRPr lang="en-US"/>
+          </a:p>
+        </p:txBody>
+      </p:sp>
+    </p:spTree>
+    <p:extLst>
+      <p:ext uri="{BB962C8B-B14F-4D97-AF65-F5344CB8AC3E}">
+        <p14:creationId xmlns:p14="http://schemas.microsoft.com/office/powerpoint/2010/main" val="2910367655"/>
+      </p:ext>
+    </p:extLst>
+  </p:cSld>
+  <p:clrMapOvr>
+    <a:masterClrMapping/>
+  </p:clrMapOvr>
+</p:sld>
+</file>
+
+<file path=ppt/slides/slide47.xml><?xml version="1.0" encoding="utf-8"?>
+<p:sld xmlns:a="http://schemas.openxmlformats.org/drawingml/2006/main" xmlns:r="http://schemas.openxmlformats.org/officeDocument/2006/relationships" xmlns:p="http://schemas.openxmlformats.org/presentationml/2006/main">
+  <p:cSld>
+    <p:spTree>
+      <p:nvGrpSpPr>
+        <p:cNvPr id="1" name=""/>
+        <p:cNvGrpSpPr/>
+        <p:nvPr/>
+      </p:nvGrpSpPr>
+      <p:grpSpPr>
+        <a:xfrm>
+          <a:off x="0" y="0"/>
+          <a:ext cx="0" cy="0"/>
+          <a:chOff x="0" y="0"/>
+          <a:chExt cx="0" cy="0"/>
+        </a:xfrm>
+      </p:grpSpPr>
+      <p:sp>
+        <p:nvSpPr>
+          <p:cNvPr id="2" name="Title 1">
+            <a:extLst>
+              <a:ext uri="{FF2B5EF4-FFF2-40B4-BE49-F238E27FC236}">
+                <a16:creationId xmlns:a16="http://schemas.microsoft.com/office/drawing/2014/main" id="{FFF1863B-89AD-4B2C-BAE5-083DEB664867}"/>
+              </a:ext>
+            </a:extLst>
+          </p:cNvPr>
+          <p:cNvSpPr>
+            <a:spLocks noGrp="1"/>
+          </p:cNvSpPr>
+          <p:nvPr>
+            <p:ph type="title"/>
+          </p:nvPr>
+        </p:nvSpPr>
+        <p:spPr/>
+        <p:txBody>
+          <a:bodyPr/>
+          <a:lstStyle/>
+          <a:p>
+            <a:r>
+              <a:rPr lang="en-US" dirty="0"/>
+              <a:t>Use Case #</a:t>
+            </a:r>
+            <a:r>
+              <a:rPr lang="ru-RU" dirty="0"/>
+              <a:t>2</a:t>
+            </a:r>
+            <a:r>
+              <a:rPr lang="en-US" dirty="0"/>
+              <a:t>:</a:t>
+            </a:r>
+            <a:r>
+              <a:rPr lang="ru-RU"/>
+              <a:t> Интеграционные тесты</a:t>
+            </a:r>
+            <a:endParaRPr lang="en-US" dirty="0"/>
+          </a:p>
+        </p:txBody>
+      </p:sp>
+      <p:sp>
+        <p:nvSpPr>
+          <p:cNvPr id="3" name="Content Placeholder 2">
+            <a:extLst>
+              <a:ext uri="{FF2B5EF4-FFF2-40B4-BE49-F238E27FC236}">
+                <a16:creationId xmlns:a16="http://schemas.microsoft.com/office/drawing/2014/main" id="{368CAA20-5497-492F-8610-4D344EDC7133}"/>
+              </a:ext>
+            </a:extLst>
+          </p:cNvPr>
+          <p:cNvSpPr>
+            <a:spLocks noGrp="1"/>
+          </p:cNvSpPr>
+          <p:nvPr>
+            <p:ph idx="1"/>
+          </p:nvPr>
+        </p:nvSpPr>
+        <p:spPr/>
+        <p:txBody>
+          <a:bodyPr/>
+          <a:lstStyle/>
+          <a:p>
+            <a:endParaRPr lang="en-US"/>
+          </a:p>
+        </p:txBody>
+      </p:sp>
+    </p:spTree>
+    <p:extLst>
+      <p:ext uri="{BB962C8B-B14F-4D97-AF65-F5344CB8AC3E}">
+        <p14:creationId xmlns:p14="http://schemas.microsoft.com/office/powerpoint/2010/main" val="2752071452"/>
+      </p:ext>
+    </p:extLst>
+  </p:cSld>
+  <p:clrMapOvr>
+    <a:masterClrMapping/>
+  </p:clrMapOvr>
 </p:sld>
 </file>
 

--- a/2019_VisualStudio-And-Docker/Presentation.pptx
+++ b/2019_VisualStudio-And-Docker/Presentation.pptx
@@ -18571,7 +18571,7 @@
           <a:p>
             <a:fld id="{532C2021-6E76-4960-8582-B0260C63743B}" type="datetimeFigureOut">
               <a:rPr lang="en-US" smtClean="0"/>
-              <a:t>2019-02-28</a:t>
+              <a:t>3/21/2019</a:t>
             </a:fld>
             <a:endParaRPr lang="en-US"/>
           </a:p>
@@ -19601,7 +19601,7 @@
           <a:p>
             <a:fld id="{EA1A4DEF-7190-4A79-9BA3-D881542BAA8A}" type="datetimeFigureOut">
               <a:rPr lang="en-US" smtClean="0"/>
-              <a:t>2019-02-28</a:t>
+              <a:t>3/21/2019</a:t>
             </a:fld>
             <a:endParaRPr lang="en-US"/>
           </a:p>
@@ -19799,7 +19799,7 @@
           <a:p>
             <a:fld id="{EA1A4DEF-7190-4A79-9BA3-D881542BAA8A}" type="datetimeFigureOut">
               <a:rPr lang="en-US" smtClean="0"/>
-              <a:t>2019-02-28</a:t>
+              <a:t>3/21/2019</a:t>
             </a:fld>
             <a:endParaRPr lang="en-US"/>
           </a:p>
@@ -20007,7 +20007,7 @@
           <a:p>
             <a:fld id="{EA1A4DEF-7190-4A79-9BA3-D881542BAA8A}" type="datetimeFigureOut">
               <a:rPr lang="en-US" smtClean="0"/>
-              <a:t>2019-02-28</a:t>
+              <a:t>3/21/2019</a:t>
             </a:fld>
             <a:endParaRPr lang="en-US"/>
           </a:p>
@@ -20205,7 +20205,7 @@
           <a:p>
             <a:fld id="{EA1A4DEF-7190-4A79-9BA3-D881542BAA8A}" type="datetimeFigureOut">
               <a:rPr lang="en-US" smtClean="0"/>
-              <a:t>2019-02-28</a:t>
+              <a:t>3/21/2019</a:t>
             </a:fld>
             <a:endParaRPr lang="en-US"/>
           </a:p>
@@ -20480,7 +20480,7 @@
           <a:p>
             <a:fld id="{EA1A4DEF-7190-4A79-9BA3-D881542BAA8A}" type="datetimeFigureOut">
               <a:rPr lang="en-US" smtClean="0"/>
-              <a:t>2019-02-28</a:t>
+              <a:t>3/21/2019</a:t>
             </a:fld>
             <a:endParaRPr lang="en-US"/>
           </a:p>
@@ -20745,7 +20745,7 @@
           <a:p>
             <a:fld id="{EA1A4DEF-7190-4A79-9BA3-D881542BAA8A}" type="datetimeFigureOut">
               <a:rPr lang="en-US" smtClean="0"/>
-              <a:t>2019-02-28</a:t>
+              <a:t>3/21/2019</a:t>
             </a:fld>
             <a:endParaRPr lang="en-US"/>
           </a:p>
@@ -21157,7 +21157,7 @@
           <a:p>
             <a:fld id="{EA1A4DEF-7190-4A79-9BA3-D881542BAA8A}" type="datetimeFigureOut">
               <a:rPr lang="en-US" smtClean="0"/>
-              <a:t>2019-02-28</a:t>
+              <a:t>3/21/2019</a:t>
             </a:fld>
             <a:endParaRPr lang="en-US"/>
           </a:p>
@@ -21298,7 +21298,7 @@
           <a:p>
             <a:fld id="{EA1A4DEF-7190-4A79-9BA3-D881542BAA8A}" type="datetimeFigureOut">
               <a:rPr lang="en-US" smtClean="0"/>
-              <a:t>2019-02-28</a:t>
+              <a:t>3/21/2019</a:t>
             </a:fld>
             <a:endParaRPr lang="en-US"/>
           </a:p>
@@ -21411,7 +21411,7 @@
           <a:p>
             <a:fld id="{EA1A4DEF-7190-4A79-9BA3-D881542BAA8A}" type="datetimeFigureOut">
               <a:rPr lang="en-US" smtClean="0"/>
-              <a:t>2019-02-28</a:t>
+              <a:t>3/21/2019</a:t>
             </a:fld>
             <a:endParaRPr lang="en-US"/>
           </a:p>
@@ -21722,7 +21722,7 @@
           <a:p>
             <a:fld id="{EA1A4DEF-7190-4A79-9BA3-D881542BAA8A}" type="datetimeFigureOut">
               <a:rPr lang="en-US" smtClean="0"/>
-              <a:t>2019-02-28</a:t>
+              <a:t>3/21/2019</a:t>
             </a:fld>
             <a:endParaRPr lang="en-US"/>
           </a:p>
@@ -22010,7 +22010,7 @@
           <a:p>
             <a:fld id="{EA1A4DEF-7190-4A79-9BA3-D881542BAA8A}" type="datetimeFigureOut">
               <a:rPr lang="en-US" smtClean="0"/>
-              <a:t>2019-02-28</a:t>
+              <a:t>3/21/2019</a:t>
             </a:fld>
             <a:endParaRPr lang="en-US"/>
           </a:p>
@@ -22251,7 +22251,7 @@
           <a:p>
             <a:fld id="{EA1A4DEF-7190-4A79-9BA3-D881542BAA8A}" type="datetimeFigureOut">
               <a:rPr lang="en-US" smtClean="0"/>
-              <a:t>2019-02-28</a:t>
+              <a:t>3/21/2019</a:t>
             </a:fld>
             <a:endParaRPr lang="en-US"/>
           </a:p>
@@ -28745,7 +28745,11 @@
           <a:bodyPr/>
           <a:lstStyle/>
           <a:p>
-            <a:endParaRPr lang="en-US"/>
+            <a:r>
+              <a:rPr lang="ru-RU" dirty="0"/>
+              <a:t>Контейнерная революция</a:t>
+            </a:r>
+            <a:endParaRPr lang="en-US" dirty="0"/>
           </a:p>
         </p:txBody>
       </p:sp>
@@ -28770,14 +28774,9 @@
           <a:bodyPr/>
           <a:lstStyle/>
           <a:p>
-            <a:r>
-              <a:rPr lang="en-US" dirty="0"/>
-              <a:t>TODO: </a:t>
-            </a:r>
-            <a:r>
-              <a:rPr lang="ru-RU" dirty="0"/>
-              <a:t>слайд про что такое докер</a:t>
-            </a:r>
+            <a:pPr marL="0" indent="0">
+              <a:buNone/>
+            </a:pPr>
             <a:endParaRPr lang="en-US" dirty="0"/>
           </a:p>
         </p:txBody>
